--- a/docs/webinar/MeteorWebinarPresentation.pptx
+++ b/docs/webinar/MeteorWebinarPresentation.pptx
@@ -19,9 +19,9 @@
     <p:sldId id="267" r:id="rId10"/>
     <p:sldId id="269" r:id="rId11"/>
     <p:sldId id="271" r:id="rId12"/>
-    <p:sldId id="260" r:id="rId13"/>
-    <p:sldId id="261" r:id="rId14"/>
-    <p:sldId id="268" r:id="rId15"/>
+    <p:sldId id="272" r:id="rId13"/>
+    <p:sldId id="260" r:id="rId14"/>
+    <p:sldId id="261" r:id="rId15"/>
     <p:sldId id="262" r:id="rId16"/>
   </p:sldIdLst>
   <p:sldSz cx="9144000" cy="6858000" type="screen4x3"/>
@@ -944,6 +944,444 @@
 </file>
 
 <file path=ppt/slideLayouts/slideLayout10.xml><?xml version="1.0" encoding="utf-8"?>
+<p:sldLayout xmlns:a="http://schemas.openxmlformats.org/drawingml/2006/main" xmlns:r="http://schemas.openxmlformats.org/officeDocument/2006/relationships" xmlns:p="http://schemas.openxmlformats.org/presentationml/2006/main" type="objTx" preserve="1">
+  <p:cSld name="Content with Caption">
+    <p:spTree>
+      <p:nvGrpSpPr>
+        <p:cNvPr id="1" name=""/>
+        <p:cNvGrpSpPr/>
+        <p:nvPr/>
+      </p:nvGrpSpPr>
+      <p:grpSpPr>
+        <a:xfrm>
+          <a:off x="0" y="0"/>
+          <a:ext cx="0" cy="0"/>
+          <a:chOff x="0" y="0"/>
+          <a:chExt cx="0" cy="0"/>
+        </a:xfrm>
+      </p:grpSpPr>
+      <p:sp>
+        <p:nvSpPr>
+          <p:cNvPr id="2" name="Title 1"/>
+          <p:cNvSpPr>
+            <a:spLocks noGrp="1"/>
+          </p:cNvSpPr>
+          <p:nvPr>
+            <p:ph type="title"/>
+          </p:nvPr>
+        </p:nvSpPr>
+        <p:spPr>
+          <a:xfrm>
+            <a:off x="457200" y="273050"/>
+            <a:ext cx="3008313" cy="1162050"/>
+          </a:xfrm>
+        </p:spPr>
+        <p:txBody>
+          <a:bodyPr anchor="b"/>
+          <a:lstStyle>
+            <a:lvl1pPr algn="l">
+              <a:defRPr sz="2000" b="1"/>
+            </a:lvl1pPr>
+          </a:lstStyle>
+          <a:p>
+            <a:r>
+              <a:rPr lang="en-US" smtClean="0"/>
+              <a:t>Click to edit Master title style</a:t>
+            </a:r>
+            <a:endParaRPr lang="en-US"/>
+          </a:p>
+        </p:txBody>
+      </p:sp>
+      <p:sp>
+        <p:nvSpPr>
+          <p:cNvPr id="3" name="Content Placeholder 2"/>
+          <p:cNvSpPr>
+            <a:spLocks noGrp="1"/>
+          </p:cNvSpPr>
+          <p:nvPr>
+            <p:ph idx="1"/>
+          </p:nvPr>
+        </p:nvSpPr>
+        <p:spPr>
+          <a:xfrm>
+            <a:off x="3575050" y="273050"/>
+            <a:ext cx="5111750" cy="5853113"/>
+          </a:xfrm>
+        </p:spPr>
+        <p:txBody>
+          <a:bodyPr/>
+          <a:lstStyle>
+            <a:lvl1pPr>
+              <a:defRPr sz="3200"/>
+            </a:lvl1pPr>
+            <a:lvl2pPr>
+              <a:defRPr sz="2800"/>
+            </a:lvl2pPr>
+            <a:lvl3pPr>
+              <a:defRPr sz="2400"/>
+            </a:lvl3pPr>
+            <a:lvl4pPr>
+              <a:defRPr sz="2000"/>
+            </a:lvl4pPr>
+            <a:lvl5pPr>
+              <a:defRPr sz="2000"/>
+            </a:lvl5pPr>
+            <a:lvl6pPr>
+              <a:defRPr sz="2000"/>
+            </a:lvl6pPr>
+            <a:lvl7pPr>
+              <a:defRPr sz="2000"/>
+            </a:lvl7pPr>
+            <a:lvl8pPr>
+              <a:defRPr sz="2000"/>
+            </a:lvl8pPr>
+            <a:lvl9pPr>
+              <a:defRPr sz="2000"/>
+            </a:lvl9pPr>
+          </a:lstStyle>
+          <a:p>
+            <a:pPr lvl="0"/>
+            <a:r>
+              <a:rPr lang="en-US" smtClean="0"/>
+              <a:t>Click to edit Master text styles</a:t>
+            </a:r>
+          </a:p>
+          <a:p>
+            <a:pPr lvl="1"/>
+            <a:r>
+              <a:rPr lang="en-US" smtClean="0"/>
+              <a:t>Second level</a:t>
+            </a:r>
+          </a:p>
+          <a:p>
+            <a:pPr lvl="2"/>
+            <a:r>
+              <a:rPr lang="en-US" smtClean="0"/>
+              <a:t>Third level</a:t>
+            </a:r>
+          </a:p>
+          <a:p>
+            <a:pPr lvl="3"/>
+            <a:r>
+              <a:rPr lang="en-US" smtClean="0"/>
+              <a:t>Fourth level</a:t>
+            </a:r>
+          </a:p>
+          <a:p>
+            <a:pPr lvl="4"/>
+            <a:r>
+              <a:rPr lang="en-US" smtClean="0"/>
+              <a:t>Fifth level</a:t>
+            </a:r>
+            <a:endParaRPr lang="en-US"/>
+          </a:p>
+        </p:txBody>
+      </p:sp>
+      <p:sp>
+        <p:nvSpPr>
+          <p:cNvPr id="4" name="Text Placeholder 3"/>
+          <p:cNvSpPr>
+            <a:spLocks noGrp="1"/>
+          </p:cNvSpPr>
+          <p:nvPr>
+            <p:ph type="body" sz="half" idx="2"/>
+          </p:nvPr>
+        </p:nvSpPr>
+        <p:spPr>
+          <a:xfrm>
+            <a:off x="457200" y="1435100"/>
+            <a:ext cx="3008313" cy="4691063"/>
+          </a:xfrm>
+        </p:spPr>
+        <p:txBody>
+          <a:bodyPr/>
+          <a:lstStyle>
+            <a:lvl1pPr marL="0" indent="0">
+              <a:buNone/>
+              <a:defRPr sz="1400"/>
+            </a:lvl1pPr>
+            <a:lvl2pPr marL="457200" indent="0">
+              <a:buNone/>
+              <a:defRPr sz="1200"/>
+            </a:lvl2pPr>
+            <a:lvl3pPr marL="914400" indent="0">
+              <a:buNone/>
+              <a:defRPr sz="1000"/>
+            </a:lvl3pPr>
+            <a:lvl4pPr marL="1371600" indent="0">
+              <a:buNone/>
+              <a:defRPr sz="900"/>
+            </a:lvl4pPr>
+            <a:lvl5pPr marL="1828800" indent="0">
+              <a:buNone/>
+              <a:defRPr sz="900"/>
+            </a:lvl5pPr>
+            <a:lvl6pPr marL="2286000" indent="0">
+              <a:buNone/>
+              <a:defRPr sz="900"/>
+            </a:lvl6pPr>
+            <a:lvl7pPr marL="2743200" indent="0">
+              <a:buNone/>
+              <a:defRPr sz="900"/>
+            </a:lvl7pPr>
+            <a:lvl8pPr marL="3200400" indent="0">
+              <a:buNone/>
+              <a:defRPr sz="900"/>
+            </a:lvl8pPr>
+            <a:lvl9pPr marL="3657600" indent="0">
+              <a:buNone/>
+              <a:defRPr sz="900"/>
+            </a:lvl9pPr>
+          </a:lstStyle>
+          <a:p>
+            <a:pPr lvl="0"/>
+            <a:r>
+              <a:rPr lang="en-US" smtClean="0"/>
+              <a:t>Click to edit Master text styles</a:t>
+            </a:r>
+          </a:p>
+        </p:txBody>
+      </p:sp>
+      <p:sp>
+        <p:nvSpPr>
+          <p:cNvPr id="7" name="Slide Number Placeholder 6"/>
+          <p:cNvSpPr>
+            <a:spLocks noGrp="1"/>
+          </p:cNvSpPr>
+          <p:nvPr>
+            <p:ph type="sldNum" sz="quarter" idx="12"/>
+          </p:nvPr>
+        </p:nvSpPr>
+        <p:spPr/>
+        <p:txBody>
+          <a:bodyPr/>
+          <a:lstStyle/>
+          <a:p>
+            <a:fld id="{6F99343D-46AE-4C14-8296-D13D823691DC}" type="slidenum">
+              <a:rPr lang="en-US" smtClean="0"/>
+              <a:pPr/>
+              <a:t>‹#›</a:t>
+            </a:fld>
+            <a:endParaRPr lang="en-US" dirty="0"/>
+          </a:p>
+        </p:txBody>
+      </p:sp>
+    </p:spTree>
+  </p:cSld>
+  <p:clrMapOvr>
+    <a:masterClrMapping/>
+  </p:clrMapOvr>
+</p:sldLayout>
+</file>
+
+<file path=ppt/slideLayouts/slideLayout11.xml><?xml version="1.0" encoding="utf-8"?>
+<p:sldLayout xmlns:a="http://schemas.openxmlformats.org/drawingml/2006/main" xmlns:r="http://schemas.openxmlformats.org/officeDocument/2006/relationships" xmlns:p="http://schemas.openxmlformats.org/presentationml/2006/main" type="picTx" preserve="1">
+  <p:cSld name="Picture with Caption">
+    <p:spTree>
+      <p:nvGrpSpPr>
+        <p:cNvPr id="1" name=""/>
+        <p:cNvGrpSpPr/>
+        <p:nvPr/>
+      </p:nvGrpSpPr>
+      <p:grpSpPr>
+        <a:xfrm>
+          <a:off x="0" y="0"/>
+          <a:ext cx="0" cy="0"/>
+          <a:chOff x="0" y="0"/>
+          <a:chExt cx="0" cy="0"/>
+        </a:xfrm>
+      </p:grpSpPr>
+      <p:sp>
+        <p:nvSpPr>
+          <p:cNvPr id="2" name="Title 1"/>
+          <p:cNvSpPr>
+            <a:spLocks noGrp="1"/>
+          </p:cNvSpPr>
+          <p:nvPr>
+            <p:ph type="title"/>
+          </p:nvPr>
+        </p:nvSpPr>
+        <p:spPr>
+          <a:xfrm>
+            <a:off x="1792288" y="4800600"/>
+            <a:ext cx="5486400" cy="566738"/>
+          </a:xfrm>
+        </p:spPr>
+        <p:txBody>
+          <a:bodyPr anchor="b"/>
+          <a:lstStyle>
+            <a:lvl1pPr algn="l">
+              <a:defRPr sz="2000" b="1"/>
+            </a:lvl1pPr>
+          </a:lstStyle>
+          <a:p>
+            <a:r>
+              <a:rPr lang="en-US" smtClean="0"/>
+              <a:t>Click to edit Master title style</a:t>
+            </a:r>
+            <a:endParaRPr lang="en-US"/>
+          </a:p>
+        </p:txBody>
+      </p:sp>
+      <p:sp>
+        <p:nvSpPr>
+          <p:cNvPr id="3" name="Picture Placeholder 2"/>
+          <p:cNvSpPr>
+            <a:spLocks noGrp="1"/>
+          </p:cNvSpPr>
+          <p:nvPr>
+            <p:ph type="pic" idx="1"/>
+          </p:nvPr>
+        </p:nvSpPr>
+        <p:spPr>
+          <a:xfrm>
+            <a:off x="1792288" y="612775"/>
+            <a:ext cx="5486400" cy="4114800"/>
+          </a:xfrm>
+        </p:spPr>
+        <p:txBody>
+          <a:bodyPr/>
+          <a:lstStyle>
+            <a:lvl1pPr marL="0" indent="0">
+              <a:buNone/>
+              <a:defRPr sz="3200"/>
+            </a:lvl1pPr>
+            <a:lvl2pPr marL="457200" indent="0">
+              <a:buNone/>
+              <a:defRPr sz="2800"/>
+            </a:lvl2pPr>
+            <a:lvl3pPr marL="914400" indent="0">
+              <a:buNone/>
+              <a:defRPr sz="2400"/>
+            </a:lvl3pPr>
+            <a:lvl4pPr marL="1371600" indent="0">
+              <a:buNone/>
+              <a:defRPr sz="2000"/>
+            </a:lvl4pPr>
+            <a:lvl5pPr marL="1828800" indent="0">
+              <a:buNone/>
+              <a:defRPr sz="2000"/>
+            </a:lvl5pPr>
+            <a:lvl6pPr marL="2286000" indent="0">
+              <a:buNone/>
+              <a:defRPr sz="2000"/>
+            </a:lvl6pPr>
+            <a:lvl7pPr marL="2743200" indent="0">
+              <a:buNone/>
+              <a:defRPr sz="2000"/>
+            </a:lvl7pPr>
+            <a:lvl8pPr marL="3200400" indent="0">
+              <a:buNone/>
+              <a:defRPr sz="2000"/>
+            </a:lvl8pPr>
+            <a:lvl9pPr marL="3657600" indent="0">
+              <a:buNone/>
+              <a:defRPr sz="2000"/>
+            </a:lvl9pPr>
+          </a:lstStyle>
+          <a:p>
+            <a:endParaRPr lang="en-US" dirty="0"/>
+          </a:p>
+        </p:txBody>
+      </p:sp>
+      <p:sp>
+        <p:nvSpPr>
+          <p:cNvPr id="4" name="Text Placeholder 3"/>
+          <p:cNvSpPr>
+            <a:spLocks noGrp="1"/>
+          </p:cNvSpPr>
+          <p:nvPr>
+            <p:ph type="body" sz="half" idx="2"/>
+          </p:nvPr>
+        </p:nvSpPr>
+        <p:spPr>
+          <a:xfrm>
+            <a:off x="1792288" y="5367338"/>
+            <a:ext cx="5486400" cy="804862"/>
+          </a:xfrm>
+        </p:spPr>
+        <p:txBody>
+          <a:bodyPr/>
+          <a:lstStyle>
+            <a:lvl1pPr marL="0" indent="0">
+              <a:buNone/>
+              <a:defRPr sz="1400"/>
+            </a:lvl1pPr>
+            <a:lvl2pPr marL="457200" indent="0">
+              <a:buNone/>
+              <a:defRPr sz="1200"/>
+            </a:lvl2pPr>
+            <a:lvl3pPr marL="914400" indent="0">
+              <a:buNone/>
+              <a:defRPr sz="1000"/>
+            </a:lvl3pPr>
+            <a:lvl4pPr marL="1371600" indent="0">
+              <a:buNone/>
+              <a:defRPr sz="900"/>
+            </a:lvl4pPr>
+            <a:lvl5pPr marL="1828800" indent="0">
+              <a:buNone/>
+              <a:defRPr sz="900"/>
+            </a:lvl5pPr>
+            <a:lvl6pPr marL="2286000" indent="0">
+              <a:buNone/>
+              <a:defRPr sz="900"/>
+            </a:lvl6pPr>
+            <a:lvl7pPr marL="2743200" indent="0">
+              <a:buNone/>
+              <a:defRPr sz="900"/>
+            </a:lvl7pPr>
+            <a:lvl8pPr marL="3200400" indent="0">
+              <a:buNone/>
+              <a:defRPr sz="900"/>
+            </a:lvl8pPr>
+            <a:lvl9pPr marL="3657600" indent="0">
+              <a:buNone/>
+              <a:defRPr sz="900"/>
+            </a:lvl9pPr>
+          </a:lstStyle>
+          <a:p>
+            <a:pPr lvl="0"/>
+            <a:r>
+              <a:rPr lang="en-US" smtClean="0"/>
+              <a:t>Click to edit Master text styles</a:t>
+            </a:r>
+          </a:p>
+        </p:txBody>
+      </p:sp>
+      <p:sp>
+        <p:nvSpPr>
+          <p:cNvPr id="7" name="Slide Number Placeholder 6"/>
+          <p:cNvSpPr>
+            <a:spLocks noGrp="1"/>
+          </p:cNvSpPr>
+          <p:nvPr>
+            <p:ph type="sldNum" sz="quarter" idx="12"/>
+          </p:nvPr>
+        </p:nvSpPr>
+        <p:spPr/>
+        <p:txBody>
+          <a:bodyPr/>
+          <a:lstStyle/>
+          <a:p>
+            <a:fld id="{6F99343D-46AE-4C14-8296-D13D823691DC}" type="slidenum">
+              <a:rPr lang="en-US" smtClean="0"/>
+              <a:pPr/>
+              <a:t>‹#›</a:t>
+            </a:fld>
+            <a:endParaRPr lang="en-US" dirty="0"/>
+          </a:p>
+        </p:txBody>
+      </p:sp>
+    </p:spTree>
+  </p:cSld>
+  <p:clrMapOvr>
+    <a:masterClrMapping/>
+  </p:clrMapOvr>
+</p:sldLayout>
+</file>
+
+<file path=ppt/slideLayouts/slideLayout12.xml><?xml version="1.0" encoding="utf-8"?>
 <p:sldLayout xmlns:a="http://schemas.openxmlformats.org/drawingml/2006/main" xmlns:r="http://schemas.openxmlformats.org/officeDocument/2006/relationships" xmlns:p="http://schemas.openxmlformats.org/presentationml/2006/main" type="vertTx" preserve="1">
   <p:cSld name="Title and Vertical Text">
     <p:spTree>
@@ -1067,7 +1505,7 @@
 </p:sldLayout>
 </file>
 
-<file path=ppt/slideLayouts/slideLayout11.xml><?xml version="1.0" encoding="utf-8"?>
+<file path=ppt/slideLayouts/slideLayout13.xml><?xml version="1.0" encoding="utf-8"?>
 <p:sldLayout xmlns:a="http://schemas.openxmlformats.org/drawingml/2006/main" xmlns:r="http://schemas.openxmlformats.org/officeDocument/2006/relationships" xmlns:p="http://schemas.openxmlformats.org/presentationml/2006/main" type="vertTitleAndTx" preserve="1">
   <p:cSld name="Vertical Title and Text">
     <p:spTree>
@@ -1645,6 +2083,490 @@
 </file>
 
 <file path=ppt/slideLayouts/slideLayout5.xml><?xml version="1.0" encoding="utf-8"?>
+<p:sldLayout xmlns:a="http://schemas.openxmlformats.org/drawingml/2006/main" xmlns:r="http://schemas.openxmlformats.org/officeDocument/2006/relationships" xmlns:p="http://schemas.openxmlformats.org/presentationml/2006/main" type="twoObj" preserve="1">
+  <p:cSld name="Two Content Bigger Left">
+    <p:spTree>
+      <p:nvGrpSpPr>
+        <p:cNvPr id="1" name=""/>
+        <p:cNvGrpSpPr/>
+        <p:nvPr/>
+      </p:nvGrpSpPr>
+      <p:grpSpPr>
+        <a:xfrm>
+          <a:off x="0" y="0"/>
+          <a:ext cx="0" cy="0"/>
+          <a:chOff x="0" y="0"/>
+          <a:chExt cx="0" cy="0"/>
+        </a:xfrm>
+      </p:grpSpPr>
+      <p:sp>
+        <p:nvSpPr>
+          <p:cNvPr id="2" name="Title 1"/>
+          <p:cNvSpPr>
+            <a:spLocks noGrp="1"/>
+          </p:cNvSpPr>
+          <p:nvPr>
+            <p:ph type="title"/>
+          </p:nvPr>
+        </p:nvSpPr>
+        <p:spPr/>
+        <p:txBody>
+          <a:bodyPr/>
+          <a:lstStyle/>
+          <a:p>
+            <a:r>
+              <a:rPr lang="en-US" smtClean="0"/>
+              <a:t>Click to edit Master title style</a:t>
+            </a:r>
+            <a:endParaRPr lang="en-US"/>
+          </a:p>
+        </p:txBody>
+      </p:sp>
+      <p:sp>
+        <p:nvSpPr>
+          <p:cNvPr id="3" name="Content Placeholder 2"/>
+          <p:cNvSpPr>
+            <a:spLocks noGrp="1"/>
+          </p:cNvSpPr>
+          <p:nvPr>
+            <p:ph sz="half" idx="1"/>
+          </p:nvPr>
+        </p:nvSpPr>
+        <p:spPr>
+          <a:xfrm>
+            <a:off x="457200" y="1600200"/>
+            <a:ext cx="5029200" cy="4525963"/>
+          </a:xfrm>
+        </p:spPr>
+        <p:txBody>
+          <a:bodyPr/>
+          <a:lstStyle>
+            <a:lvl1pPr>
+              <a:defRPr sz="2800"/>
+            </a:lvl1pPr>
+            <a:lvl2pPr>
+              <a:defRPr sz="2400"/>
+            </a:lvl2pPr>
+            <a:lvl3pPr>
+              <a:defRPr sz="2000"/>
+            </a:lvl3pPr>
+            <a:lvl4pPr>
+              <a:defRPr sz="1800"/>
+            </a:lvl4pPr>
+            <a:lvl5pPr>
+              <a:defRPr sz="1800"/>
+            </a:lvl5pPr>
+            <a:lvl6pPr>
+              <a:defRPr sz="1800"/>
+            </a:lvl6pPr>
+            <a:lvl7pPr>
+              <a:defRPr sz="1800"/>
+            </a:lvl7pPr>
+            <a:lvl8pPr>
+              <a:defRPr sz="1800"/>
+            </a:lvl8pPr>
+            <a:lvl9pPr>
+              <a:defRPr sz="1800"/>
+            </a:lvl9pPr>
+          </a:lstStyle>
+          <a:p>
+            <a:pPr lvl="0"/>
+            <a:r>
+              <a:rPr lang="en-US" smtClean="0"/>
+              <a:t>Click to edit Master text styles</a:t>
+            </a:r>
+          </a:p>
+          <a:p>
+            <a:pPr lvl="1"/>
+            <a:r>
+              <a:rPr lang="en-US" smtClean="0"/>
+              <a:t>Second level</a:t>
+            </a:r>
+          </a:p>
+          <a:p>
+            <a:pPr lvl="2"/>
+            <a:r>
+              <a:rPr lang="en-US" smtClean="0"/>
+              <a:t>Third level</a:t>
+            </a:r>
+          </a:p>
+          <a:p>
+            <a:pPr lvl="3"/>
+            <a:r>
+              <a:rPr lang="en-US" smtClean="0"/>
+              <a:t>Fourth level</a:t>
+            </a:r>
+          </a:p>
+          <a:p>
+            <a:pPr lvl="4"/>
+            <a:r>
+              <a:rPr lang="en-US" smtClean="0"/>
+              <a:t>Fifth level</a:t>
+            </a:r>
+            <a:endParaRPr lang="en-US"/>
+          </a:p>
+        </p:txBody>
+      </p:sp>
+      <p:sp>
+        <p:nvSpPr>
+          <p:cNvPr id="4" name="Content Placeholder 3"/>
+          <p:cNvSpPr>
+            <a:spLocks noGrp="1"/>
+          </p:cNvSpPr>
+          <p:nvPr>
+            <p:ph sz="half" idx="2"/>
+          </p:nvPr>
+        </p:nvSpPr>
+        <p:spPr>
+          <a:xfrm>
+            <a:off x="5638800" y="1600200"/>
+            <a:ext cx="3048000" cy="4525963"/>
+          </a:xfrm>
+        </p:spPr>
+        <p:txBody>
+          <a:bodyPr/>
+          <a:lstStyle>
+            <a:lvl1pPr>
+              <a:defRPr sz="2800"/>
+            </a:lvl1pPr>
+            <a:lvl2pPr>
+              <a:defRPr sz="2400"/>
+            </a:lvl2pPr>
+            <a:lvl3pPr>
+              <a:defRPr sz="2000"/>
+            </a:lvl3pPr>
+            <a:lvl4pPr>
+              <a:defRPr sz="1800"/>
+            </a:lvl4pPr>
+            <a:lvl5pPr>
+              <a:defRPr sz="1800"/>
+            </a:lvl5pPr>
+            <a:lvl6pPr>
+              <a:defRPr sz="1800"/>
+            </a:lvl6pPr>
+            <a:lvl7pPr>
+              <a:defRPr sz="1800"/>
+            </a:lvl7pPr>
+            <a:lvl8pPr>
+              <a:defRPr sz="1800"/>
+            </a:lvl8pPr>
+            <a:lvl9pPr>
+              <a:defRPr sz="1800"/>
+            </a:lvl9pPr>
+          </a:lstStyle>
+          <a:p>
+            <a:pPr lvl="0"/>
+            <a:r>
+              <a:rPr lang="en-US" dirty="0" smtClean="0"/>
+              <a:t>Click to edit Master text styles</a:t>
+            </a:r>
+          </a:p>
+          <a:p>
+            <a:pPr lvl="1"/>
+            <a:r>
+              <a:rPr lang="en-US" dirty="0" smtClean="0"/>
+              <a:t>Second level</a:t>
+            </a:r>
+          </a:p>
+          <a:p>
+            <a:pPr lvl="2"/>
+            <a:r>
+              <a:rPr lang="en-US" dirty="0" smtClean="0"/>
+              <a:t>Third level</a:t>
+            </a:r>
+          </a:p>
+          <a:p>
+            <a:pPr lvl="3"/>
+            <a:r>
+              <a:rPr lang="en-US" dirty="0" smtClean="0"/>
+              <a:t>Fourth level</a:t>
+            </a:r>
+          </a:p>
+          <a:p>
+            <a:pPr lvl="4"/>
+            <a:r>
+              <a:rPr lang="en-US" dirty="0" smtClean="0"/>
+              <a:t>Fifth level</a:t>
+            </a:r>
+            <a:endParaRPr lang="en-US" dirty="0"/>
+          </a:p>
+        </p:txBody>
+      </p:sp>
+      <p:sp>
+        <p:nvSpPr>
+          <p:cNvPr id="7" name="Slide Number Placeholder 6"/>
+          <p:cNvSpPr>
+            <a:spLocks noGrp="1"/>
+          </p:cNvSpPr>
+          <p:nvPr>
+            <p:ph type="sldNum" sz="quarter" idx="12"/>
+          </p:nvPr>
+        </p:nvSpPr>
+        <p:spPr/>
+        <p:txBody>
+          <a:bodyPr/>
+          <a:lstStyle/>
+          <a:p>
+            <a:fld id="{6F99343D-46AE-4C14-8296-D13D823691DC}" type="slidenum">
+              <a:rPr lang="en-US" smtClean="0"/>
+              <a:pPr/>
+              <a:t>‹#›</a:t>
+            </a:fld>
+            <a:endParaRPr lang="en-US" dirty="0"/>
+          </a:p>
+        </p:txBody>
+      </p:sp>
+    </p:spTree>
+  </p:cSld>
+  <p:clrMapOvr>
+    <a:masterClrMapping/>
+  </p:clrMapOvr>
+</p:sldLayout>
+</file>
+
+<file path=ppt/slideLayouts/slideLayout6.xml><?xml version="1.0" encoding="utf-8"?>
+<p:sldLayout xmlns:a="http://schemas.openxmlformats.org/drawingml/2006/main" xmlns:r="http://schemas.openxmlformats.org/officeDocument/2006/relationships" xmlns:p="http://schemas.openxmlformats.org/presentationml/2006/main" type="twoObj" preserve="1">
+  <p:cSld name="Two Content Bigger Right">
+    <p:spTree>
+      <p:nvGrpSpPr>
+        <p:cNvPr id="1" name=""/>
+        <p:cNvGrpSpPr/>
+        <p:nvPr/>
+      </p:nvGrpSpPr>
+      <p:grpSpPr>
+        <a:xfrm>
+          <a:off x="0" y="0"/>
+          <a:ext cx="0" cy="0"/>
+          <a:chOff x="0" y="0"/>
+          <a:chExt cx="0" cy="0"/>
+        </a:xfrm>
+      </p:grpSpPr>
+      <p:sp>
+        <p:nvSpPr>
+          <p:cNvPr id="2" name="Title 1"/>
+          <p:cNvSpPr>
+            <a:spLocks noGrp="1"/>
+          </p:cNvSpPr>
+          <p:nvPr>
+            <p:ph type="title"/>
+          </p:nvPr>
+        </p:nvSpPr>
+        <p:spPr/>
+        <p:txBody>
+          <a:bodyPr/>
+          <a:lstStyle/>
+          <a:p>
+            <a:r>
+              <a:rPr lang="en-US" smtClean="0"/>
+              <a:t>Click to edit Master title style</a:t>
+            </a:r>
+            <a:endParaRPr lang="en-US"/>
+          </a:p>
+        </p:txBody>
+      </p:sp>
+      <p:sp>
+        <p:nvSpPr>
+          <p:cNvPr id="3" name="Content Placeholder 2"/>
+          <p:cNvSpPr>
+            <a:spLocks noGrp="1"/>
+          </p:cNvSpPr>
+          <p:nvPr>
+            <p:ph sz="half" idx="1"/>
+          </p:nvPr>
+        </p:nvSpPr>
+        <p:spPr>
+          <a:xfrm>
+            <a:off x="457200" y="1600200"/>
+            <a:ext cx="3048000" cy="4525963"/>
+          </a:xfrm>
+        </p:spPr>
+        <p:txBody>
+          <a:bodyPr/>
+          <a:lstStyle>
+            <a:lvl1pPr>
+              <a:defRPr sz="2800"/>
+            </a:lvl1pPr>
+            <a:lvl2pPr>
+              <a:defRPr sz="2400"/>
+            </a:lvl2pPr>
+            <a:lvl3pPr>
+              <a:defRPr sz="2000"/>
+            </a:lvl3pPr>
+            <a:lvl4pPr>
+              <a:defRPr sz="1800"/>
+            </a:lvl4pPr>
+            <a:lvl5pPr>
+              <a:defRPr sz="1800"/>
+            </a:lvl5pPr>
+            <a:lvl6pPr>
+              <a:defRPr sz="1800"/>
+            </a:lvl6pPr>
+            <a:lvl7pPr>
+              <a:defRPr sz="1800"/>
+            </a:lvl7pPr>
+            <a:lvl8pPr>
+              <a:defRPr sz="1800"/>
+            </a:lvl8pPr>
+            <a:lvl9pPr>
+              <a:defRPr sz="1800"/>
+            </a:lvl9pPr>
+          </a:lstStyle>
+          <a:p>
+            <a:pPr lvl="0"/>
+            <a:r>
+              <a:rPr lang="en-US" dirty="0" smtClean="0"/>
+              <a:t>Click to edit Master text styles</a:t>
+            </a:r>
+          </a:p>
+          <a:p>
+            <a:pPr lvl="1"/>
+            <a:r>
+              <a:rPr lang="en-US" dirty="0" smtClean="0"/>
+              <a:t>Second level</a:t>
+            </a:r>
+          </a:p>
+          <a:p>
+            <a:pPr lvl="2"/>
+            <a:r>
+              <a:rPr lang="en-US" dirty="0" smtClean="0"/>
+              <a:t>Third level</a:t>
+            </a:r>
+          </a:p>
+          <a:p>
+            <a:pPr lvl="3"/>
+            <a:r>
+              <a:rPr lang="en-US" dirty="0" smtClean="0"/>
+              <a:t>Fourth level</a:t>
+            </a:r>
+          </a:p>
+          <a:p>
+            <a:pPr lvl="4"/>
+            <a:r>
+              <a:rPr lang="en-US" dirty="0" smtClean="0"/>
+              <a:t>Fifth level</a:t>
+            </a:r>
+            <a:endParaRPr lang="en-US" dirty="0"/>
+          </a:p>
+        </p:txBody>
+      </p:sp>
+      <p:sp>
+        <p:nvSpPr>
+          <p:cNvPr id="4" name="Content Placeholder 3"/>
+          <p:cNvSpPr>
+            <a:spLocks noGrp="1"/>
+          </p:cNvSpPr>
+          <p:nvPr>
+            <p:ph sz="half" idx="2"/>
+          </p:nvPr>
+        </p:nvSpPr>
+        <p:spPr>
+          <a:xfrm>
+            <a:off x="3657600" y="1600200"/>
+            <a:ext cx="5029200" cy="4525963"/>
+          </a:xfrm>
+        </p:spPr>
+        <p:txBody>
+          <a:bodyPr/>
+          <a:lstStyle>
+            <a:lvl1pPr>
+              <a:defRPr sz="2800"/>
+            </a:lvl1pPr>
+            <a:lvl2pPr>
+              <a:defRPr sz="2400"/>
+            </a:lvl2pPr>
+            <a:lvl3pPr>
+              <a:defRPr sz="2000"/>
+            </a:lvl3pPr>
+            <a:lvl4pPr>
+              <a:defRPr sz="1800"/>
+            </a:lvl4pPr>
+            <a:lvl5pPr>
+              <a:defRPr sz="1800"/>
+            </a:lvl5pPr>
+            <a:lvl6pPr>
+              <a:defRPr sz="1800"/>
+            </a:lvl6pPr>
+            <a:lvl7pPr>
+              <a:defRPr sz="1800"/>
+            </a:lvl7pPr>
+            <a:lvl8pPr>
+              <a:defRPr sz="1800"/>
+            </a:lvl8pPr>
+            <a:lvl9pPr>
+              <a:defRPr sz="1800"/>
+            </a:lvl9pPr>
+          </a:lstStyle>
+          <a:p>
+            <a:pPr lvl="0"/>
+            <a:r>
+              <a:rPr lang="en-US" dirty="0" smtClean="0"/>
+              <a:t>Click to edit Master text styles</a:t>
+            </a:r>
+          </a:p>
+          <a:p>
+            <a:pPr lvl="1"/>
+            <a:r>
+              <a:rPr lang="en-US" dirty="0" smtClean="0"/>
+              <a:t>Second level</a:t>
+            </a:r>
+          </a:p>
+          <a:p>
+            <a:pPr lvl="2"/>
+            <a:r>
+              <a:rPr lang="en-US" dirty="0" smtClean="0"/>
+              <a:t>Third level</a:t>
+            </a:r>
+          </a:p>
+          <a:p>
+            <a:pPr lvl="3"/>
+            <a:r>
+              <a:rPr lang="en-US" dirty="0" smtClean="0"/>
+              <a:t>Fourth level</a:t>
+            </a:r>
+          </a:p>
+          <a:p>
+            <a:pPr lvl="4"/>
+            <a:r>
+              <a:rPr lang="en-US" dirty="0" smtClean="0"/>
+              <a:t>Fifth level</a:t>
+            </a:r>
+            <a:endParaRPr lang="en-US" dirty="0"/>
+          </a:p>
+        </p:txBody>
+      </p:sp>
+      <p:sp>
+        <p:nvSpPr>
+          <p:cNvPr id="7" name="Slide Number Placeholder 6"/>
+          <p:cNvSpPr>
+            <a:spLocks noGrp="1"/>
+          </p:cNvSpPr>
+          <p:nvPr>
+            <p:ph type="sldNum" sz="quarter" idx="12"/>
+          </p:nvPr>
+        </p:nvSpPr>
+        <p:spPr/>
+        <p:txBody>
+          <a:bodyPr/>
+          <a:lstStyle/>
+          <a:p>
+            <a:fld id="{6F99343D-46AE-4C14-8296-D13D823691DC}" type="slidenum">
+              <a:rPr lang="en-US" smtClean="0"/>
+              <a:pPr/>
+              <a:t>‹#›</a:t>
+            </a:fld>
+            <a:endParaRPr lang="en-US" dirty="0"/>
+          </a:p>
+        </p:txBody>
+      </p:sp>
+    </p:spTree>
+  </p:cSld>
+  <p:clrMapOvr>
+    <a:masterClrMapping/>
+  </p:clrMapOvr>
+</p:sldLayout>
+</file>
+
+<file path=ppt/slideLayouts/slideLayout7.xml><?xml version="1.0" encoding="utf-8"?>
 <p:sldLayout xmlns:a="http://schemas.openxmlformats.org/drawingml/2006/main" xmlns:r="http://schemas.openxmlformats.org/officeDocument/2006/relationships" xmlns:p="http://schemas.openxmlformats.org/presentationml/2006/main" type="twoTxTwoObj" preserve="1">
   <p:cSld name="Comparison">
     <p:spTree>
@@ -2020,7 +2942,7 @@
 </p:sldLayout>
 </file>
 
-<file path=ppt/slideLayouts/slideLayout6.xml><?xml version="1.0" encoding="utf-8"?>
+<file path=ppt/slideLayouts/slideLayout8.xml><?xml version="1.0" encoding="utf-8"?>
 <p:sldLayout xmlns:a="http://schemas.openxmlformats.org/drawingml/2006/main" xmlns:r="http://schemas.openxmlformats.org/officeDocument/2006/relationships" xmlns:p="http://schemas.openxmlformats.org/presentationml/2006/main" type="titleOnly" preserve="1">
   <p:cSld name="Title Only">
     <p:spTree>
@@ -2092,7 +3014,7 @@
 </p:sldLayout>
 </file>
 
-<file path=ppt/slideLayouts/slideLayout7.xml><?xml version="1.0" encoding="utf-8"?>
+<file path=ppt/slideLayouts/slideLayout9.xml><?xml version="1.0" encoding="utf-8"?>
 <p:sldLayout xmlns:a="http://schemas.openxmlformats.org/drawingml/2006/main" xmlns:r="http://schemas.openxmlformats.org/officeDocument/2006/relationships" xmlns:p="http://schemas.openxmlformats.org/presentationml/2006/main" type="blank" preserve="1">
   <p:cSld name="Blank">
     <p:spTree>
@@ -2112,444 +3034,6 @@
       <p:sp>
         <p:nvSpPr>
           <p:cNvPr id="4" name="Slide Number Placeholder 3"/>
-          <p:cNvSpPr>
-            <a:spLocks noGrp="1"/>
-          </p:cNvSpPr>
-          <p:nvPr>
-            <p:ph type="sldNum" sz="quarter" idx="12"/>
-          </p:nvPr>
-        </p:nvSpPr>
-        <p:spPr/>
-        <p:txBody>
-          <a:bodyPr/>
-          <a:lstStyle/>
-          <a:p>
-            <a:fld id="{6F99343D-46AE-4C14-8296-D13D823691DC}" type="slidenum">
-              <a:rPr lang="en-US" smtClean="0"/>
-              <a:pPr/>
-              <a:t>‹#›</a:t>
-            </a:fld>
-            <a:endParaRPr lang="en-US" dirty="0"/>
-          </a:p>
-        </p:txBody>
-      </p:sp>
-    </p:spTree>
-  </p:cSld>
-  <p:clrMapOvr>
-    <a:masterClrMapping/>
-  </p:clrMapOvr>
-</p:sldLayout>
-</file>
-
-<file path=ppt/slideLayouts/slideLayout8.xml><?xml version="1.0" encoding="utf-8"?>
-<p:sldLayout xmlns:a="http://schemas.openxmlformats.org/drawingml/2006/main" xmlns:r="http://schemas.openxmlformats.org/officeDocument/2006/relationships" xmlns:p="http://schemas.openxmlformats.org/presentationml/2006/main" type="objTx" preserve="1">
-  <p:cSld name="Content with Caption">
-    <p:spTree>
-      <p:nvGrpSpPr>
-        <p:cNvPr id="1" name=""/>
-        <p:cNvGrpSpPr/>
-        <p:nvPr/>
-      </p:nvGrpSpPr>
-      <p:grpSpPr>
-        <a:xfrm>
-          <a:off x="0" y="0"/>
-          <a:ext cx="0" cy="0"/>
-          <a:chOff x="0" y="0"/>
-          <a:chExt cx="0" cy="0"/>
-        </a:xfrm>
-      </p:grpSpPr>
-      <p:sp>
-        <p:nvSpPr>
-          <p:cNvPr id="2" name="Title 1"/>
-          <p:cNvSpPr>
-            <a:spLocks noGrp="1"/>
-          </p:cNvSpPr>
-          <p:nvPr>
-            <p:ph type="title"/>
-          </p:nvPr>
-        </p:nvSpPr>
-        <p:spPr>
-          <a:xfrm>
-            <a:off x="457200" y="273050"/>
-            <a:ext cx="3008313" cy="1162050"/>
-          </a:xfrm>
-        </p:spPr>
-        <p:txBody>
-          <a:bodyPr anchor="b"/>
-          <a:lstStyle>
-            <a:lvl1pPr algn="l">
-              <a:defRPr sz="2000" b="1"/>
-            </a:lvl1pPr>
-          </a:lstStyle>
-          <a:p>
-            <a:r>
-              <a:rPr lang="en-US" smtClean="0"/>
-              <a:t>Click to edit Master title style</a:t>
-            </a:r>
-            <a:endParaRPr lang="en-US"/>
-          </a:p>
-        </p:txBody>
-      </p:sp>
-      <p:sp>
-        <p:nvSpPr>
-          <p:cNvPr id="3" name="Content Placeholder 2"/>
-          <p:cNvSpPr>
-            <a:spLocks noGrp="1"/>
-          </p:cNvSpPr>
-          <p:nvPr>
-            <p:ph idx="1"/>
-          </p:nvPr>
-        </p:nvSpPr>
-        <p:spPr>
-          <a:xfrm>
-            <a:off x="3575050" y="273050"/>
-            <a:ext cx="5111750" cy="5853113"/>
-          </a:xfrm>
-        </p:spPr>
-        <p:txBody>
-          <a:bodyPr/>
-          <a:lstStyle>
-            <a:lvl1pPr>
-              <a:defRPr sz="3200"/>
-            </a:lvl1pPr>
-            <a:lvl2pPr>
-              <a:defRPr sz="2800"/>
-            </a:lvl2pPr>
-            <a:lvl3pPr>
-              <a:defRPr sz="2400"/>
-            </a:lvl3pPr>
-            <a:lvl4pPr>
-              <a:defRPr sz="2000"/>
-            </a:lvl4pPr>
-            <a:lvl5pPr>
-              <a:defRPr sz="2000"/>
-            </a:lvl5pPr>
-            <a:lvl6pPr>
-              <a:defRPr sz="2000"/>
-            </a:lvl6pPr>
-            <a:lvl7pPr>
-              <a:defRPr sz="2000"/>
-            </a:lvl7pPr>
-            <a:lvl8pPr>
-              <a:defRPr sz="2000"/>
-            </a:lvl8pPr>
-            <a:lvl9pPr>
-              <a:defRPr sz="2000"/>
-            </a:lvl9pPr>
-          </a:lstStyle>
-          <a:p>
-            <a:pPr lvl="0"/>
-            <a:r>
-              <a:rPr lang="en-US" smtClean="0"/>
-              <a:t>Click to edit Master text styles</a:t>
-            </a:r>
-          </a:p>
-          <a:p>
-            <a:pPr lvl="1"/>
-            <a:r>
-              <a:rPr lang="en-US" smtClean="0"/>
-              <a:t>Second level</a:t>
-            </a:r>
-          </a:p>
-          <a:p>
-            <a:pPr lvl="2"/>
-            <a:r>
-              <a:rPr lang="en-US" smtClean="0"/>
-              <a:t>Third level</a:t>
-            </a:r>
-          </a:p>
-          <a:p>
-            <a:pPr lvl="3"/>
-            <a:r>
-              <a:rPr lang="en-US" smtClean="0"/>
-              <a:t>Fourth level</a:t>
-            </a:r>
-          </a:p>
-          <a:p>
-            <a:pPr lvl="4"/>
-            <a:r>
-              <a:rPr lang="en-US" smtClean="0"/>
-              <a:t>Fifth level</a:t>
-            </a:r>
-            <a:endParaRPr lang="en-US"/>
-          </a:p>
-        </p:txBody>
-      </p:sp>
-      <p:sp>
-        <p:nvSpPr>
-          <p:cNvPr id="4" name="Text Placeholder 3"/>
-          <p:cNvSpPr>
-            <a:spLocks noGrp="1"/>
-          </p:cNvSpPr>
-          <p:nvPr>
-            <p:ph type="body" sz="half" idx="2"/>
-          </p:nvPr>
-        </p:nvSpPr>
-        <p:spPr>
-          <a:xfrm>
-            <a:off x="457200" y="1435100"/>
-            <a:ext cx="3008313" cy="4691063"/>
-          </a:xfrm>
-        </p:spPr>
-        <p:txBody>
-          <a:bodyPr/>
-          <a:lstStyle>
-            <a:lvl1pPr marL="0" indent="0">
-              <a:buNone/>
-              <a:defRPr sz="1400"/>
-            </a:lvl1pPr>
-            <a:lvl2pPr marL="457200" indent="0">
-              <a:buNone/>
-              <a:defRPr sz="1200"/>
-            </a:lvl2pPr>
-            <a:lvl3pPr marL="914400" indent="0">
-              <a:buNone/>
-              <a:defRPr sz="1000"/>
-            </a:lvl3pPr>
-            <a:lvl4pPr marL="1371600" indent="0">
-              <a:buNone/>
-              <a:defRPr sz="900"/>
-            </a:lvl4pPr>
-            <a:lvl5pPr marL="1828800" indent="0">
-              <a:buNone/>
-              <a:defRPr sz="900"/>
-            </a:lvl5pPr>
-            <a:lvl6pPr marL="2286000" indent="0">
-              <a:buNone/>
-              <a:defRPr sz="900"/>
-            </a:lvl6pPr>
-            <a:lvl7pPr marL="2743200" indent="0">
-              <a:buNone/>
-              <a:defRPr sz="900"/>
-            </a:lvl7pPr>
-            <a:lvl8pPr marL="3200400" indent="0">
-              <a:buNone/>
-              <a:defRPr sz="900"/>
-            </a:lvl8pPr>
-            <a:lvl9pPr marL="3657600" indent="0">
-              <a:buNone/>
-              <a:defRPr sz="900"/>
-            </a:lvl9pPr>
-          </a:lstStyle>
-          <a:p>
-            <a:pPr lvl="0"/>
-            <a:r>
-              <a:rPr lang="en-US" smtClean="0"/>
-              <a:t>Click to edit Master text styles</a:t>
-            </a:r>
-          </a:p>
-        </p:txBody>
-      </p:sp>
-      <p:sp>
-        <p:nvSpPr>
-          <p:cNvPr id="7" name="Slide Number Placeholder 6"/>
-          <p:cNvSpPr>
-            <a:spLocks noGrp="1"/>
-          </p:cNvSpPr>
-          <p:nvPr>
-            <p:ph type="sldNum" sz="quarter" idx="12"/>
-          </p:nvPr>
-        </p:nvSpPr>
-        <p:spPr/>
-        <p:txBody>
-          <a:bodyPr/>
-          <a:lstStyle/>
-          <a:p>
-            <a:fld id="{6F99343D-46AE-4C14-8296-D13D823691DC}" type="slidenum">
-              <a:rPr lang="en-US" smtClean="0"/>
-              <a:pPr/>
-              <a:t>‹#›</a:t>
-            </a:fld>
-            <a:endParaRPr lang="en-US" dirty="0"/>
-          </a:p>
-        </p:txBody>
-      </p:sp>
-    </p:spTree>
-  </p:cSld>
-  <p:clrMapOvr>
-    <a:masterClrMapping/>
-  </p:clrMapOvr>
-</p:sldLayout>
-</file>
-
-<file path=ppt/slideLayouts/slideLayout9.xml><?xml version="1.0" encoding="utf-8"?>
-<p:sldLayout xmlns:a="http://schemas.openxmlformats.org/drawingml/2006/main" xmlns:r="http://schemas.openxmlformats.org/officeDocument/2006/relationships" xmlns:p="http://schemas.openxmlformats.org/presentationml/2006/main" type="picTx" preserve="1">
-  <p:cSld name="Picture with Caption">
-    <p:spTree>
-      <p:nvGrpSpPr>
-        <p:cNvPr id="1" name=""/>
-        <p:cNvGrpSpPr/>
-        <p:nvPr/>
-      </p:nvGrpSpPr>
-      <p:grpSpPr>
-        <a:xfrm>
-          <a:off x="0" y="0"/>
-          <a:ext cx="0" cy="0"/>
-          <a:chOff x="0" y="0"/>
-          <a:chExt cx="0" cy="0"/>
-        </a:xfrm>
-      </p:grpSpPr>
-      <p:sp>
-        <p:nvSpPr>
-          <p:cNvPr id="2" name="Title 1"/>
-          <p:cNvSpPr>
-            <a:spLocks noGrp="1"/>
-          </p:cNvSpPr>
-          <p:nvPr>
-            <p:ph type="title"/>
-          </p:nvPr>
-        </p:nvSpPr>
-        <p:spPr>
-          <a:xfrm>
-            <a:off x="1792288" y="4800600"/>
-            <a:ext cx="5486400" cy="566738"/>
-          </a:xfrm>
-        </p:spPr>
-        <p:txBody>
-          <a:bodyPr anchor="b"/>
-          <a:lstStyle>
-            <a:lvl1pPr algn="l">
-              <a:defRPr sz="2000" b="1"/>
-            </a:lvl1pPr>
-          </a:lstStyle>
-          <a:p>
-            <a:r>
-              <a:rPr lang="en-US" smtClean="0"/>
-              <a:t>Click to edit Master title style</a:t>
-            </a:r>
-            <a:endParaRPr lang="en-US"/>
-          </a:p>
-        </p:txBody>
-      </p:sp>
-      <p:sp>
-        <p:nvSpPr>
-          <p:cNvPr id="3" name="Picture Placeholder 2"/>
-          <p:cNvSpPr>
-            <a:spLocks noGrp="1"/>
-          </p:cNvSpPr>
-          <p:nvPr>
-            <p:ph type="pic" idx="1"/>
-          </p:nvPr>
-        </p:nvSpPr>
-        <p:spPr>
-          <a:xfrm>
-            <a:off x="1792288" y="612775"/>
-            <a:ext cx="5486400" cy="4114800"/>
-          </a:xfrm>
-        </p:spPr>
-        <p:txBody>
-          <a:bodyPr/>
-          <a:lstStyle>
-            <a:lvl1pPr marL="0" indent="0">
-              <a:buNone/>
-              <a:defRPr sz="3200"/>
-            </a:lvl1pPr>
-            <a:lvl2pPr marL="457200" indent="0">
-              <a:buNone/>
-              <a:defRPr sz="2800"/>
-            </a:lvl2pPr>
-            <a:lvl3pPr marL="914400" indent="0">
-              <a:buNone/>
-              <a:defRPr sz="2400"/>
-            </a:lvl3pPr>
-            <a:lvl4pPr marL="1371600" indent="0">
-              <a:buNone/>
-              <a:defRPr sz="2000"/>
-            </a:lvl4pPr>
-            <a:lvl5pPr marL="1828800" indent="0">
-              <a:buNone/>
-              <a:defRPr sz="2000"/>
-            </a:lvl5pPr>
-            <a:lvl6pPr marL="2286000" indent="0">
-              <a:buNone/>
-              <a:defRPr sz="2000"/>
-            </a:lvl6pPr>
-            <a:lvl7pPr marL="2743200" indent="0">
-              <a:buNone/>
-              <a:defRPr sz="2000"/>
-            </a:lvl7pPr>
-            <a:lvl8pPr marL="3200400" indent="0">
-              <a:buNone/>
-              <a:defRPr sz="2000"/>
-            </a:lvl8pPr>
-            <a:lvl9pPr marL="3657600" indent="0">
-              <a:buNone/>
-              <a:defRPr sz="2000"/>
-            </a:lvl9pPr>
-          </a:lstStyle>
-          <a:p>
-            <a:endParaRPr lang="en-US" dirty="0"/>
-          </a:p>
-        </p:txBody>
-      </p:sp>
-      <p:sp>
-        <p:nvSpPr>
-          <p:cNvPr id="4" name="Text Placeholder 3"/>
-          <p:cNvSpPr>
-            <a:spLocks noGrp="1"/>
-          </p:cNvSpPr>
-          <p:nvPr>
-            <p:ph type="body" sz="half" idx="2"/>
-          </p:nvPr>
-        </p:nvSpPr>
-        <p:spPr>
-          <a:xfrm>
-            <a:off x="1792288" y="5367338"/>
-            <a:ext cx="5486400" cy="804862"/>
-          </a:xfrm>
-        </p:spPr>
-        <p:txBody>
-          <a:bodyPr/>
-          <a:lstStyle>
-            <a:lvl1pPr marL="0" indent="0">
-              <a:buNone/>
-              <a:defRPr sz="1400"/>
-            </a:lvl1pPr>
-            <a:lvl2pPr marL="457200" indent="0">
-              <a:buNone/>
-              <a:defRPr sz="1200"/>
-            </a:lvl2pPr>
-            <a:lvl3pPr marL="914400" indent="0">
-              <a:buNone/>
-              <a:defRPr sz="1000"/>
-            </a:lvl3pPr>
-            <a:lvl4pPr marL="1371600" indent="0">
-              <a:buNone/>
-              <a:defRPr sz="900"/>
-            </a:lvl4pPr>
-            <a:lvl5pPr marL="1828800" indent="0">
-              <a:buNone/>
-              <a:defRPr sz="900"/>
-            </a:lvl5pPr>
-            <a:lvl6pPr marL="2286000" indent="0">
-              <a:buNone/>
-              <a:defRPr sz="900"/>
-            </a:lvl6pPr>
-            <a:lvl7pPr marL="2743200" indent="0">
-              <a:buNone/>
-              <a:defRPr sz="900"/>
-            </a:lvl7pPr>
-            <a:lvl8pPr marL="3200400" indent="0">
-              <a:buNone/>
-              <a:defRPr sz="900"/>
-            </a:lvl8pPr>
-            <a:lvl9pPr marL="3657600" indent="0">
-              <a:buNone/>
-              <a:defRPr sz="900"/>
-            </a:lvl9pPr>
-          </a:lstStyle>
-          <a:p>
-            <a:pPr lvl="0"/>
-            <a:r>
-              <a:rPr lang="en-US" smtClean="0"/>
-              <a:t>Click to edit Master text styles</a:t>
-            </a:r>
-          </a:p>
-        </p:txBody>
-      </p:sp>
-      <p:sp>
-        <p:nvSpPr>
-          <p:cNvPr id="7" name="Slide Number Placeholder 6"/>
           <p:cNvSpPr>
             <a:spLocks noGrp="1"/>
           </p:cNvSpPr>
@@ -2791,7 +3275,7 @@
           <p:nvPr userDrawn="1"/>
         </p:nvPicPr>
         <p:blipFill>
-          <a:blip r:embed="rId13" cstate="print"/>
+          <a:blip r:embed="rId15" cstate="print"/>
           <a:srcRect/>
           <a:stretch>
             <a:fillRect/>
@@ -2831,7 +3315,7 @@
             <p:nvPr userDrawn="1"/>
           </p:nvPicPr>
           <p:blipFill>
-            <a:blip r:embed="rId14" cstate="print"/>
+            <a:blip r:embed="rId16" cstate="print"/>
             <a:srcRect/>
             <a:stretch>
               <a:fillRect/>
@@ -2857,7 +3341,7 @@
             <p:nvPr userDrawn="1"/>
           </p:nvPicPr>
           <p:blipFill>
-            <a:blip r:embed="rId15" cstate="print"/>
+            <a:blip r:embed="rId17" cstate="print"/>
             <a:srcRect/>
             <a:stretch>
               <a:fillRect/>
@@ -2889,13 +3373,15 @@
     <p:sldLayoutId id="2147483650" r:id="rId2"/>
     <p:sldLayoutId id="2147483651" r:id="rId3"/>
     <p:sldLayoutId id="2147483652" r:id="rId4"/>
-    <p:sldLayoutId id="2147483653" r:id="rId5"/>
-    <p:sldLayoutId id="2147483654" r:id="rId6"/>
-    <p:sldLayoutId id="2147483655" r:id="rId7"/>
-    <p:sldLayoutId id="2147483656" r:id="rId8"/>
-    <p:sldLayoutId id="2147483657" r:id="rId9"/>
-    <p:sldLayoutId id="2147483658" r:id="rId10"/>
-    <p:sldLayoutId id="2147483659" r:id="rId11"/>
+    <p:sldLayoutId id="2147483660" r:id="rId5"/>
+    <p:sldLayoutId id="2147483661" r:id="rId6"/>
+    <p:sldLayoutId id="2147483653" r:id="rId7"/>
+    <p:sldLayoutId id="2147483654" r:id="rId8"/>
+    <p:sldLayoutId id="2147483655" r:id="rId9"/>
+    <p:sldLayoutId id="2147483656" r:id="rId10"/>
+    <p:sldLayoutId id="2147483657" r:id="rId11"/>
+    <p:sldLayoutId id="2147483658" r:id="rId12"/>
+    <p:sldLayoutId id="2147483659" r:id="rId13"/>
   </p:sldLayoutIdLst>
   <p:hf hdr="0" ftr="0" dt="0"/>
   <p:txStyles>
@@ -3348,8 +3834,27 @@
             </a:r>
             <a:r>
               <a:rPr lang="en-US" dirty="0" smtClean="0"/>
-              <a:t> 2.5.1</a:t>
-            </a:r>
+              <a:t> </a:t>
+            </a:r>
+            <a:r>
+              <a:rPr lang="en-US" dirty="0" smtClean="0"/>
+              <a:t>2.5.1</a:t>
+            </a:r>
+          </a:p>
+          <a:p>
+            <a:r>
+              <a:rPr lang="en-US" dirty="0" smtClean="0">
+                <a:hlinkClick r:id="rId2"/>
+              </a:rPr>
+              <a:t>http://cxf.apache.org</a:t>
+            </a:r>
+            <a:endParaRPr lang="en-US" dirty="0" smtClean="0"/>
+          </a:p>
+          <a:p>
+            <a:pPr>
+              <a:buNone/>
+            </a:pPr>
+            <a:endParaRPr lang="en-US" dirty="0" smtClean="0"/>
           </a:p>
           <a:p>
             <a:pPr lvl="1"/>
@@ -3435,7 +3940,7 @@
       </p:sp>
       <p:sp>
         <p:nvSpPr>
-          <p:cNvPr id="3" name="Content Placeholder 2"/>
+          <p:cNvPr id="6" name="Content Placeholder 5"/>
           <p:cNvSpPr>
             <a:spLocks noGrp="1"/>
           </p:cNvSpPr>
@@ -3448,29 +3953,60 @@
           <a:bodyPr/>
           <a:lstStyle/>
           <a:p>
-            <a:endParaRPr lang="en-US"/>
-          </a:p>
-        </p:txBody>
-      </p:sp>
-      <p:sp>
-        <p:nvSpPr>
-          <p:cNvPr id="4" name="Content Placeholder 3"/>
-          <p:cNvSpPr>
-            <a:spLocks noGrp="1"/>
-          </p:cNvSpPr>
+            <a:r>
+              <a:rPr lang="en-US" dirty="0" smtClean="0"/>
+              <a:t>Open source web single sign-on solution</a:t>
+            </a:r>
+          </a:p>
+          <a:p>
+            <a:r>
+              <a:rPr lang="en-US" dirty="0" smtClean="0"/>
+              <a:t>Widely adopted </a:t>
+            </a:r>
+            <a:r>
+              <a:rPr lang="en-US" dirty="0" smtClean="0"/>
+              <a:t>by post-secondary education industry</a:t>
+            </a:r>
+            <a:endParaRPr lang="en-US" dirty="0" smtClean="0"/>
+          </a:p>
+          <a:p>
+            <a:r>
+              <a:rPr lang="en-US" dirty="0" smtClean="0"/>
+              <a:t>Implements </a:t>
+            </a:r>
+            <a:r>
+              <a:rPr lang="en-US" dirty="0" smtClean="0">
+                <a:hlinkClick r:id="rId2"/>
+              </a:rPr>
+              <a:t>SAML Web Browser SSO Profile</a:t>
+            </a:r>
+            <a:endParaRPr lang="en-US" dirty="0" smtClean="0"/>
+          </a:p>
+        </p:txBody>
+      </p:sp>
+      <p:pic>
+        <p:nvPicPr>
+          <p:cNvPr id="8" name="Content Placeholder 7" descr="shibboleth-featured.jpg"/>
+          <p:cNvPicPr>
+            <a:picLocks noGrp="1" noChangeAspect="1"/>
+          </p:cNvPicPr>
           <p:nvPr>
             <p:ph sz="half" idx="2"/>
           </p:nvPr>
-        </p:nvSpPr>
-        <p:spPr/>
-        <p:txBody>
-          <a:bodyPr/>
-          <a:lstStyle/>
-          <a:p>
-            <a:endParaRPr lang="en-US"/>
-          </a:p>
-        </p:txBody>
-      </p:sp>
+        </p:nvPicPr>
+        <p:blipFill>
+          <a:blip r:embed="rId3" cstate="print"/>
+          <a:stretch>
+            <a:fillRect/>
+          </a:stretch>
+        </p:blipFill>
+        <p:spPr>
+          <a:xfrm>
+            <a:off x="5638800" y="2339181"/>
+            <a:ext cx="3048000" cy="3048000"/>
+          </a:xfrm>
+        </p:spPr>
+      </p:pic>
       <p:sp>
         <p:nvSpPr>
           <p:cNvPr id="5" name="Slide Number Placeholder 4"/>
@@ -3522,30 +4058,90 @@
       </p:grpSpPr>
       <p:sp>
         <p:nvSpPr>
-          <p:cNvPr id="2" name="Title 1"/>
-          <p:cNvSpPr>
-            <a:spLocks noGrp="1"/>
-          </p:cNvSpPr>
-          <p:nvPr>
-            <p:ph type="ctrTitle"/>
-          </p:nvPr>
-        </p:nvSpPr>
-        <p:spPr/>
-        <p:txBody>
-          <a:bodyPr/>
-          <a:lstStyle/>
-          <a:p>
-            <a:r>
-              <a:rPr lang="en-US" dirty="0" smtClean="0"/>
-              <a:t>Provider overview</a:t>
-            </a:r>
-            <a:endParaRPr lang="en-US" dirty="0"/>
-          </a:p>
-        </p:txBody>
-      </p:sp>
-      <p:sp>
-        <p:nvSpPr>
-          <p:cNvPr id="3" name="Slide Number Placeholder 2"/>
+          <p:cNvPr id="5" name="Content Placeholder 4"/>
+          <p:cNvSpPr>
+            <a:spLocks noGrp="1"/>
+          </p:cNvSpPr>
+          <p:nvPr>
+            <p:ph idx="1"/>
+          </p:nvPr>
+        </p:nvSpPr>
+        <p:spPr>
+          <a:xfrm>
+            <a:off x="457200" y="609600"/>
+            <a:ext cx="8229600" cy="5516563"/>
+          </a:xfrm>
+        </p:spPr>
+        <p:txBody>
+          <a:bodyPr/>
+          <a:lstStyle/>
+          <a:p>
+            <a:r>
+              <a:rPr lang="en-US" dirty="0" smtClean="0"/>
+              <a:t>Shibboleth Home:</a:t>
+            </a:r>
+          </a:p>
+          <a:p>
+            <a:pPr>
+              <a:buNone/>
+            </a:pPr>
+            <a:r>
+              <a:rPr lang="en-US" dirty="0" smtClean="0"/>
+              <a:t>	</a:t>
+            </a:r>
+            <a:r>
+              <a:rPr lang="en-US" dirty="0" smtClean="0">
+                <a:hlinkClick r:id="rId2"/>
+              </a:rPr>
+              <a:t>http://shibboleth.internet2.edu</a:t>
+            </a:r>
+            <a:r>
+              <a:rPr lang="en-US" dirty="0" smtClean="0">
+                <a:hlinkClick r:id="rId2"/>
+              </a:rPr>
+              <a:t>/</a:t>
+            </a:r>
+            <a:endParaRPr lang="en-US" dirty="0" smtClean="0"/>
+          </a:p>
+          <a:p>
+            <a:r>
+              <a:rPr lang="en-US" dirty="0" smtClean="0"/>
+              <a:t>SAML Web Browser SSO Profile:</a:t>
+            </a:r>
+          </a:p>
+          <a:p>
+            <a:pPr>
+              <a:buNone/>
+            </a:pPr>
+            <a:r>
+              <a:rPr lang="en-US" dirty="0" smtClean="0"/>
+              <a:t>	</a:t>
+            </a:r>
+            <a:r>
+              <a:rPr lang="en-US" dirty="0" smtClean="0">
+                <a:hlinkClick r:id="rId3"/>
+              </a:rPr>
+              <a:t>http://</a:t>
+            </a:r>
+            <a:r>
+              <a:rPr lang="en-US" dirty="0" smtClean="0">
+                <a:hlinkClick r:id="rId3"/>
+              </a:rPr>
+              <a:t>www.oasis-open.org/committees/download.php/35389/sstc-saml-profiles-errata-2.0-wd-06-diff.pdf</a:t>
+            </a:r>
+            <a:endParaRPr lang="en-US" dirty="0" smtClean="0"/>
+          </a:p>
+          <a:p>
+            <a:pPr>
+              <a:buNone/>
+            </a:pPr>
+            <a:endParaRPr lang="en-US" dirty="0"/>
+          </a:p>
+        </p:txBody>
+      </p:sp>
+      <p:sp>
+        <p:nvSpPr>
+          <p:cNvPr id="2" name="Slide Number Placeholder 1"/>
           <p:cNvSpPr>
             <a:spLocks noGrp="1"/>
           </p:cNvSpPr>
@@ -3572,13 +4168,6 @@
   <p:clrMapOvr>
     <a:masterClrMapping/>
   </p:clrMapOvr>
-  <p:timing>
-    <p:tnLst>
-      <p:par>
-        <p:cTn id="1" dur="indefinite" restart="never" nodeType="tmRoot"/>
-      </p:par>
-    </p:tnLst>
-  </p:timing>
 </p:sld>
 </file>
 
@@ -3616,7 +4205,7 @@
           <a:p>
             <a:r>
               <a:rPr lang="en-US" dirty="0" smtClean="0"/>
-              <a:t>Translation layer</a:t>
+              <a:t>Provider overview</a:t>
             </a:r>
             <a:endParaRPr lang="en-US" dirty="0"/>
           </a:p>
@@ -3651,6 +4240,13 @@
   <p:clrMapOvr>
     <a:masterClrMapping/>
   </p:clrMapOvr>
+  <p:timing>
+    <p:tnLst>
+      <p:par>
+        <p:cTn id="1" dur="indefinite" restart="never" nodeType="tmRoot"/>
+      </p:par>
+    </p:tnLst>
+  </p:timing>
 </p:sld>
 </file>
 
@@ -3673,7 +4269,30 @@
       </p:grpSpPr>
       <p:sp>
         <p:nvSpPr>
-          <p:cNvPr id="2" name="Slide Number Placeholder 1"/>
+          <p:cNvPr id="2" name="Title 1"/>
+          <p:cNvSpPr>
+            <a:spLocks noGrp="1"/>
+          </p:cNvSpPr>
+          <p:nvPr>
+            <p:ph type="ctrTitle"/>
+          </p:nvPr>
+        </p:nvSpPr>
+        <p:spPr/>
+        <p:txBody>
+          <a:bodyPr/>
+          <a:lstStyle/>
+          <a:p>
+            <a:r>
+              <a:rPr lang="en-US" dirty="0" smtClean="0"/>
+              <a:t>Translation layer</a:t>
+            </a:r>
+            <a:endParaRPr lang="en-US" dirty="0"/>
+          </a:p>
+        </p:txBody>
+      </p:sp>
+      <p:sp>
+        <p:nvSpPr>
+          <p:cNvPr id="3" name="Slide Number Placeholder 2"/>
           <p:cNvSpPr>
             <a:spLocks noGrp="1"/>
           </p:cNvSpPr>
@@ -3692,25 +4311,6 @@
               <a:t>14</a:t>
             </a:fld>
             <a:endParaRPr lang="en-US" dirty="0"/>
-          </a:p>
-        </p:txBody>
-      </p:sp>
-      <p:sp>
-        <p:nvSpPr>
-          <p:cNvPr id="3" name="Title 2"/>
-          <p:cNvSpPr>
-            <a:spLocks noGrp="1"/>
-          </p:cNvSpPr>
-          <p:nvPr>
-            <p:ph type="ctrTitle"/>
-          </p:nvPr>
-        </p:nvSpPr>
-        <p:spPr/>
-        <p:txBody>
-          <a:bodyPr/>
-          <a:lstStyle/>
-          <a:p>
-            <a:endParaRPr lang="en-US"/>
           </a:p>
         </p:txBody>
       </p:sp>
@@ -4092,9 +4692,6 @@
               </a:rPr>
               <a:t>Upgrade schedule flexibility</a:t>
             </a:r>
-            <a:endParaRPr lang="en-US" dirty="0" smtClean="0">
-              <a:latin typeface="Trebuchet MS" pitchFamily="34" charset="0"/>
-            </a:endParaRPr>
           </a:p>
           <a:p>
             <a:r>
@@ -4117,29 +4714,8 @@
               <a:rPr lang="en-US" dirty="0" smtClean="0">
                 <a:latin typeface="Trebuchet MS" pitchFamily="34" charset="0"/>
               </a:rPr>
-              <a:t>TokenProvider</a:t>
-            </a:r>
-            <a:r>
-              <a:rPr lang="en-US" dirty="0" smtClean="0">
-                <a:latin typeface="Trebuchet MS" pitchFamily="34" charset="0"/>
-              </a:rPr>
-              <a:t> and </a:t>
-            </a:r>
-            <a:r>
-              <a:rPr lang="en-US" dirty="0" smtClean="0">
-                <a:latin typeface="Trebuchet MS" pitchFamily="34" charset="0"/>
-              </a:rPr>
-              <a:t>DataServerAbstraction</a:t>
-            </a:r>
-            <a:r>
-              <a:rPr lang="en-US" dirty="0" smtClean="0">
-                <a:latin typeface="Trebuchet MS" pitchFamily="34" charset="0"/>
-              </a:rPr>
-              <a:t> interfaces</a:t>
-            </a:r>
-            <a:endParaRPr lang="en-US" dirty="0" smtClean="0">
-              <a:latin typeface="Trebuchet MS" pitchFamily="34" charset="0"/>
-            </a:endParaRPr>
+              <a:t>TokenProvider and DataServerAbstraction interfaces</a:t>
+            </a:r>
           </a:p>
         </p:txBody>
       </p:sp>
@@ -4319,8 +4895,8 @@
         </p:blipFill>
         <p:spPr>
           <a:xfrm>
-            <a:off x="685800" y="2209800"/>
-            <a:ext cx="2667000" cy="2607251"/>
+            <a:off x="685800" y="2362200"/>
+            <a:ext cx="2819400" cy="2756236"/>
           </a:xfrm>
         </p:spPr>
       </p:pic>
@@ -4334,12 +4910,7 @@
             <p:ph sz="half" idx="2"/>
           </p:nvPr>
         </p:nvSpPr>
-        <p:spPr>
-          <a:xfrm>
-            <a:off x="3733800" y="1600200"/>
-            <a:ext cx="4953000" cy="4525963"/>
-          </a:xfrm>
-        </p:spPr>
+        <p:spPr/>
         <p:txBody>
           <a:bodyPr>
             <a:normAutofit/>
@@ -4471,8 +5042,8 @@
         </p:blipFill>
         <p:spPr>
           <a:xfrm>
-            <a:off x="1219200" y="1676400"/>
-            <a:ext cx="1882054" cy="3450432"/>
+            <a:off x="990600" y="1524000"/>
+            <a:ext cx="1996354" cy="3659982"/>
           </a:xfrm>
         </p:spPr>
       </p:pic>
@@ -4486,12 +5057,7 @@
             <p:ph sz="half" idx="2"/>
           </p:nvPr>
         </p:nvSpPr>
-        <p:spPr>
-          <a:xfrm>
-            <a:off x="3733800" y="1600200"/>
-            <a:ext cx="4953000" cy="4525963"/>
-          </a:xfrm>
-        </p:spPr>
+        <p:spPr/>
         <p:txBody>
           <a:bodyPr/>
           <a:lstStyle/>
@@ -4504,7 +5070,19 @@
           <a:p>
             <a:r>
               <a:rPr lang="en-US" dirty="0" smtClean="0"/>
-              <a:t>Meteor developed using JDK 1.6.0 update 26</a:t>
+              <a:t>Meteor developed using JDK 1.6.0 update </a:t>
+            </a:r>
+            <a:r>
+              <a:rPr lang="en-US" dirty="0" smtClean="0"/>
+              <a:t>26</a:t>
+            </a:r>
+          </a:p>
+          <a:p>
+            <a:r>
+              <a:rPr lang="en-US" dirty="0" smtClean="0">
+                <a:hlinkClick r:id="rId4"/>
+              </a:rPr>
+              <a:t>http://www.oracle.com/technetwork/java/javase/overview/index.html</a:t>
             </a:r>
             <a:endParaRPr lang="en-US" dirty="0"/>
           </a:p>
@@ -4604,20 +5182,13 @@
           <a:bodyPr/>
           <a:lstStyle/>
           <a:p>
-            <a:pPr>
-              <a:buNone/>
-            </a:pPr>
             <a:r>
               <a:rPr lang="en-US" dirty="0" smtClean="0"/>
               <a:t>Build and </a:t>
             </a:r>
             <a:r>
               <a:rPr lang="en-US" u="sng" dirty="0" smtClean="0"/>
-              <a:t>d</a:t>
-            </a:r>
-            <a:r>
-              <a:rPr lang="en-US" u="sng" dirty="0" smtClean="0"/>
-              <a:t>ependency management tool</a:t>
+              <a:t>dependency management tool</a:t>
             </a:r>
             <a:r>
               <a:rPr lang="en-US" dirty="0" smtClean="0"/>
@@ -4648,7 +5219,27 @@
               <a:rPr lang="en-US" dirty="0" smtClean="0">
                 <a:latin typeface="Trebuchet MS" pitchFamily="34" charset="0"/>
               </a:rPr>
-              <a:t>Uniform directory structure across all Maven projects</a:t>
+              <a:t>Uniform directory structure across all Maven </a:t>
+            </a:r>
+            <a:r>
+              <a:rPr lang="en-US" dirty="0" smtClean="0">
+                <a:latin typeface="Trebuchet MS" pitchFamily="34" charset="0"/>
+              </a:rPr>
+              <a:t>projects</a:t>
+            </a:r>
+          </a:p>
+          <a:p>
+            <a:r>
+              <a:rPr lang="en-US" dirty="0" smtClean="0">
+                <a:hlinkClick r:id="rId3"/>
+              </a:rPr>
+              <a:t>http</a:t>
+            </a:r>
+            <a:r>
+              <a:rPr lang="en-US" dirty="0" smtClean="0">
+                <a:hlinkClick r:id="rId3"/>
+              </a:rPr>
+              <a:t>://maven.apache.org/</a:t>
             </a:r>
             <a:endParaRPr lang="en-US" dirty="0">
               <a:latin typeface="Trebuchet MS" pitchFamily="34" charset="0"/>
@@ -4887,9 +5478,6 @@
               </a:rPr>
               <a:t>src</a:t>
             </a:r>
-            <a:endParaRPr lang="en-US" sz="2000" dirty="0" smtClean="0">
-              <a:latin typeface="Trebuchet MS" pitchFamily="34" charset="0"/>
-            </a:endParaRPr>
           </a:p>
           <a:p>
             <a:pPr marL="1252538" lvl="2">
@@ -4902,13 +5490,7 @@
               <a:rPr lang="en-US" sz="2000" dirty="0" smtClean="0">
                 <a:latin typeface="Trebuchet MS" pitchFamily="34" charset="0"/>
               </a:rPr>
-              <a:t>m</a:t>
-            </a:r>
-            <a:r>
-              <a:rPr lang="en-US" sz="2000" dirty="0" smtClean="0">
-                <a:latin typeface="Trebuchet MS" pitchFamily="34" charset="0"/>
-              </a:rPr>
-              <a:t>ain</a:t>
+              <a:t>main</a:t>
             </a:r>
           </a:p>
           <a:p>
@@ -4922,13 +5504,7 @@
               <a:rPr lang="en-US" dirty="0" smtClean="0">
                 <a:latin typeface="Trebuchet MS" pitchFamily="34" charset="0"/>
               </a:rPr>
-              <a:t>j</a:t>
-            </a:r>
-            <a:r>
-              <a:rPr lang="en-US" dirty="0" smtClean="0">
-                <a:latin typeface="Trebuchet MS" pitchFamily="34" charset="0"/>
-              </a:rPr>
-              <a:t>ava</a:t>
+              <a:t>java</a:t>
             </a:r>
           </a:p>
           <a:p>
@@ -4942,13 +5518,7 @@
               <a:rPr lang="en-US" dirty="0" smtClean="0">
                 <a:latin typeface="Trebuchet MS" pitchFamily="34" charset="0"/>
               </a:rPr>
-              <a:t>r</a:t>
-            </a:r>
-            <a:r>
-              <a:rPr lang="en-US" dirty="0" smtClean="0">
-                <a:latin typeface="Trebuchet MS" pitchFamily="34" charset="0"/>
-              </a:rPr>
-              <a:t>esources</a:t>
+              <a:t>resources</a:t>
             </a:r>
           </a:p>
           <a:p>
@@ -4964,9 +5534,6 @@
               </a:rPr>
               <a:t>webapp</a:t>
             </a:r>
-            <a:endParaRPr lang="en-US" dirty="0" smtClean="0">
-              <a:latin typeface="Trebuchet MS" pitchFamily="34" charset="0"/>
-            </a:endParaRPr>
           </a:p>
           <a:p>
             <a:pPr marL="1252538" lvl="2">
@@ -4979,13 +5546,7 @@
               <a:rPr lang="en-US" sz="2000" dirty="0" smtClean="0">
                 <a:latin typeface="Trebuchet MS" pitchFamily="34" charset="0"/>
               </a:rPr>
-              <a:t>t</a:t>
-            </a:r>
-            <a:r>
-              <a:rPr lang="en-US" sz="2000" dirty="0" smtClean="0">
-                <a:latin typeface="Trebuchet MS" pitchFamily="34" charset="0"/>
-              </a:rPr>
-              <a:t>est</a:t>
+              <a:t>test</a:t>
             </a:r>
           </a:p>
           <a:p>
@@ -5027,13 +5588,7 @@
               <a:rPr lang="en-US" sz="2000" dirty="0" smtClean="0">
                 <a:latin typeface="Trebuchet MS" pitchFamily="34" charset="0"/>
               </a:rPr>
-              <a:t>t</a:t>
-            </a:r>
-            <a:r>
-              <a:rPr lang="en-US" sz="2000" dirty="0" smtClean="0">
-                <a:latin typeface="Trebuchet MS" pitchFamily="34" charset="0"/>
-              </a:rPr>
-              <a:t>arget</a:t>
+              <a:t>target</a:t>
             </a:r>
           </a:p>
           <a:p>

--- a/docs/webinar/MeteorWebinarPresentation.pptx
+++ b/docs/webinar/MeteorWebinarPresentation.pptx
@@ -5,7 +5,7 @@
     <p:sldMasterId id="2147483662" r:id="rId1"/>
   </p:sldMasterIdLst>
   <p:notesMasterIdLst>
-    <p:notesMasterId r:id="rId36"/>
+    <p:notesMasterId r:id="rId53"/>
   </p:notesMasterIdLst>
   <p:sldIdLst>
     <p:sldId id="256" r:id="rId2"/>
@@ -40,8 +40,25 @@
     <p:sldId id="289" r:id="rId31"/>
     <p:sldId id="290" r:id="rId32"/>
     <p:sldId id="285" r:id="rId33"/>
-    <p:sldId id="261" r:id="rId34"/>
-    <p:sldId id="292" r:id="rId35"/>
+    <p:sldId id="306" r:id="rId34"/>
+    <p:sldId id="313" r:id="rId35"/>
+    <p:sldId id="314" r:id="rId36"/>
+    <p:sldId id="261" r:id="rId37"/>
+    <p:sldId id="292" r:id="rId38"/>
+    <p:sldId id="293" r:id="rId39"/>
+    <p:sldId id="294" r:id="rId40"/>
+    <p:sldId id="295" r:id="rId41"/>
+    <p:sldId id="300" r:id="rId42"/>
+    <p:sldId id="301" r:id="rId43"/>
+    <p:sldId id="303" r:id="rId44"/>
+    <p:sldId id="304" r:id="rId45"/>
+    <p:sldId id="305" r:id="rId46"/>
+    <p:sldId id="297" r:id="rId47"/>
+    <p:sldId id="299" r:id="rId48"/>
+    <p:sldId id="309" r:id="rId49"/>
+    <p:sldId id="307" r:id="rId50"/>
+    <p:sldId id="308" r:id="rId51"/>
+    <p:sldId id="315" r:id="rId52"/>
   </p:sldIdLst>
   <p:sldSz cx="9144000" cy="6858000" type="screen4x3"/>
   <p:notesSz cx="6858000" cy="9144000"/>
@@ -226,7 +243,7 @@
             <a:fld id="{1E6F8DA6-047C-40A3-BE76-EC29CC9786AA}" type="datetimeFigureOut">
               <a:rPr lang="en-US" smtClean="0"/>
               <a:pPr/>
-              <a:t>3/2/2012</a:t>
+              <a:t>3/6/2012</a:t>
             </a:fld>
             <a:endParaRPr lang="en-US" dirty="0"/>
           </a:p>
@@ -634,7 +651,15 @@
             </a:r>
             <a:r>
               <a:rPr lang="en-US" baseline="0" dirty="0" smtClean="0"/>
-              <a:t>s it easy to bring new developers up to speed with how the project is organized</a:t>
+              <a:t>s it easy to bring new developers up to </a:t>
+            </a:r>
+            <a:r>
+              <a:rPr lang="en-US" baseline="0" dirty="0" smtClean="0"/>
+              <a:t>sp.eed </a:t>
+            </a:r>
+            <a:r>
+              <a:rPr lang="en-US" baseline="0" dirty="0" smtClean="0"/>
+              <a:t>with how the project is organized</a:t>
             </a:r>
             <a:endParaRPr lang="en-US" dirty="0"/>
           </a:p>
@@ -808,14 +833,6 @@
           </a:bodyPr>
           <a:lstStyle/>
           <a:p>
-            <a:r>
-              <a:rPr lang="en-US" dirty="0" smtClean="0"/>
-              <a:t>Tim,</a:t>
-            </a:r>
-            <a:r>
-              <a:rPr lang="en-US" baseline="0" dirty="0" smtClean="0"/>
-              <a:t> is the Meteor Technical Design document going to be public? (or with the same scope as this presentation?)</a:t>
-            </a:r>
             <a:endParaRPr lang="en-US" dirty="0"/>
           </a:p>
         </p:txBody>
@@ -898,10 +915,6 @@
           </a:bodyPr>
           <a:lstStyle/>
           <a:p>
-            <a:r>
-              <a:rPr lang="en-US" dirty="0" smtClean="0"/>
-              <a:t>In all slides, test hyperlinks</a:t>
-            </a:r>
             <a:endParaRPr lang="en-US" dirty="0"/>
           </a:p>
         </p:txBody>
@@ -984,10 +997,6 @@
           </a:bodyPr>
           <a:lstStyle/>
           <a:p>
-            <a:r>
-              <a:rPr lang="en-US" dirty="0" smtClean="0"/>
-              <a:t>TODO: what are the actual primary and failover URLs?</a:t>
-            </a:r>
             <a:endParaRPr lang="en-US" dirty="0"/>
           </a:p>
         </p:txBody>
@@ -1011,6 +1020,88 @@
               <a:rPr lang="en-US" smtClean="0"/>
               <a:pPr/>
               <a:t>27</a:t>
+            </a:fld>
+            <a:endParaRPr lang="en-US" dirty="0"/>
+          </a:p>
+        </p:txBody>
+      </p:sp>
+    </p:spTree>
+  </p:cSld>
+  <p:clrMapOvr>
+    <a:masterClrMapping/>
+  </p:clrMapOvr>
+</p:notes>
+</file>
+
+<file path=ppt/notesSlides/notesSlide7.xml><?xml version="1.0" encoding="utf-8"?>
+<p:notes xmlns:a="http://schemas.openxmlformats.org/drawingml/2006/main" xmlns:r="http://schemas.openxmlformats.org/officeDocument/2006/relationships" xmlns:p="http://schemas.openxmlformats.org/presentationml/2006/main">
+  <p:cSld>
+    <p:spTree>
+      <p:nvGrpSpPr>
+        <p:cNvPr id="1" name=""/>
+        <p:cNvGrpSpPr/>
+        <p:nvPr/>
+      </p:nvGrpSpPr>
+      <p:grpSpPr>
+        <a:xfrm>
+          <a:off x="0" y="0"/>
+          <a:ext cx="0" cy="0"/>
+          <a:chOff x="0" y="0"/>
+          <a:chExt cx="0" cy="0"/>
+        </a:xfrm>
+      </p:grpSpPr>
+      <p:sp>
+        <p:nvSpPr>
+          <p:cNvPr id="2" name="Slide Image Placeholder 1"/>
+          <p:cNvSpPr>
+            <a:spLocks noGrp="1" noRot="1" noChangeAspect="1"/>
+          </p:cNvSpPr>
+          <p:nvPr>
+            <p:ph type="sldImg"/>
+          </p:nvPr>
+        </p:nvSpPr>
+        <p:spPr/>
+      </p:sp>
+      <p:sp>
+        <p:nvSpPr>
+          <p:cNvPr id="3" name="Notes Placeholder 2"/>
+          <p:cNvSpPr>
+            <a:spLocks noGrp="1"/>
+          </p:cNvSpPr>
+          <p:nvPr>
+            <p:ph type="body" idx="1"/>
+          </p:nvPr>
+        </p:nvSpPr>
+        <p:spPr/>
+        <p:txBody>
+          <a:bodyPr>
+            <a:normAutofit/>
+          </a:bodyPr>
+          <a:lstStyle/>
+          <a:p>
+            <a:endParaRPr lang="en-US" baseline="0" dirty="0" smtClean="0"/>
+          </a:p>
+        </p:txBody>
+      </p:sp>
+      <p:sp>
+        <p:nvSpPr>
+          <p:cNvPr id="4" name="Slide Number Placeholder 3"/>
+          <p:cNvSpPr>
+            <a:spLocks noGrp="1"/>
+          </p:cNvSpPr>
+          <p:nvPr>
+            <p:ph type="sldNum" sz="quarter" idx="10"/>
+          </p:nvPr>
+        </p:nvSpPr>
+        <p:spPr/>
+        <p:txBody>
+          <a:bodyPr/>
+          <a:lstStyle/>
+          <a:p>
+            <a:fld id="{0B19AB0A-2976-47C5-8627-5DED1FABBA64}" type="slidenum">
+              <a:rPr lang="en-US" smtClean="0"/>
+              <a:pPr/>
+              <a:t>47</a:t>
             </a:fld>
             <a:endParaRPr lang="en-US" dirty="0"/>
           </a:p>
@@ -1206,7 +1297,7 @@
             <a:fld id="{8B326010-446D-415F-A982-518930E087F7}" type="datetimeFigureOut">
               <a:rPr lang="en-US" smtClean="0"/>
               <a:pPr/>
-              <a:t>3/2/2012</a:t>
+              <a:t>3/6/2012</a:t>
             </a:fld>
             <a:endParaRPr lang="en-US"/>
           </a:p>
@@ -1480,7 +1571,7 @@
             <a:fld id="{8B326010-446D-415F-A982-518930E087F7}" type="datetimeFigureOut">
               <a:rPr lang="en-US" smtClean="0"/>
               <a:pPr/>
-              <a:t>3/2/2012</a:t>
+              <a:t>3/6/2012</a:t>
             </a:fld>
             <a:endParaRPr lang="en-US"/>
           </a:p>
@@ -1730,7 +1821,7 @@
             <a:fld id="{8B326010-446D-415F-A982-518930E087F7}" type="datetimeFigureOut">
               <a:rPr lang="en-US" smtClean="0"/>
               <a:pPr/>
-              <a:t>3/2/2012</a:t>
+              <a:t>3/6/2012</a:t>
             </a:fld>
             <a:endParaRPr lang="en-US"/>
           </a:p>
@@ -1897,7 +1988,7 @@
             <a:fld id="{8B326010-446D-415F-A982-518930E087F7}" type="datetimeFigureOut">
               <a:rPr lang="en-US" smtClean="0"/>
               <a:pPr/>
-              <a:t>3/2/2012</a:t>
+              <a:t>3/6/2012</a:t>
             </a:fld>
             <a:endParaRPr lang="en-US"/>
           </a:p>
@@ -2074,7 +2165,7 @@
             <a:fld id="{8B326010-446D-415F-A982-518930E087F7}" type="datetimeFigureOut">
               <a:rPr lang="en-US" smtClean="0"/>
               <a:pPr/>
-              <a:t>3/2/2012</a:t>
+              <a:t>3/6/2012</a:t>
             </a:fld>
             <a:endParaRPr lang="en-US"/>
           </a:p>
@@ -2549,7 +2640,7 @@
             <a:fld id="{8B326010-446D-415F-A982-518930E087F7}" type="datetimeFigureOut">
               <a:rPr lang="en-US" smtClean="0"/>
               <a:pPr/>
-              <a:t>3/2/2012</a:t>
+              <a:t>3/6/2012</a:t>
             </a:fld>
             <a:endParaRPr lang="en-US"/>
           </a:p>
@@ -2792,7 +2883,7 @@
             <a:fld id="{8B326010-446D-415F-A982-518930E087F7}" type="datetimeFigureOut">
               <a:rPr lang="en-US" smtClean="0"/>
               <a:pPr/>
-              <a:t>3/2/2012</a:t>
+              <a:t>3/6/2012</a:t>
             </a:fld>
             <a:endParaRPr lang="en-US"/>
           </a:p>
@@ -3078,7 +3169,7 @@
             <a:fld id="{8B326010-446D-415F-A982-518930E087F7}" type="datetimeFigureOut">
               <a:rPr lang="en-US" smtClean="0"/>
               <a:pPr/>
-              <a:t>3/2/2012</a:t>
+              <a:t>3/6/2012</a:t>
             </a:fld>
             <a:endParaRPr lang="en-US"/>
           </a:p>
@@ -3363,7 +3454,7 @@
             <a:fld id="{8B326010-446D-415F-A982-518930E087F7}" type="datetimeFigureOut">
               <a:rPr lang="en-US" smtClean="0"/>
               <a:pPr/>
-              <a:t>3/2/2012</a:t>
+              <a:t>3/6/2012</a:t>
             </a:fld>
             <a:endParaRPr lang="en-US"/>
           </a:p>
@@ -3648,7 +3739,7 @@
             <a:fld id="{8B326010-446D-415F-A982-518930E087F7}" type="datetimeFigureOut">
               <a:rPr lang="en-US" smtClean="0"/>
               <a:pPr/>
-              <a:t>3/2/2012</a:t>
+              <a:t>3/6/2012</a:t>
             </a:fld>
             <a:endParaRPr lang="en-US"/>
           </a:p>
@@ -4067,7 +4158,7 @@
             <a:fld id="{8B326010-446D-415F-A982-518930E087F7}" type="datetimeFigureOut">
               <a:rPr lang="en-US" smtClean="0"/>
               <a:pPr/>
-              <a:t>3/2/2012</a:t>
+              <a:t>3/6/2012</a:t>
             </a:fld>
             <a:endParaRPr lang="en-US"/>
           </a:p>
@@ -4182,7 +4273,7 @@
             <a:fld id="{8B326010-446D-415F-A982-518930E087F7}" type="datetimeFigureOut">
               <a:rPr lang="en-US" smtClean="0"/>
               <a:pPr/>
-              <a:t>3/2/2012</a:t>
+              <a:t>3/6/2012</a:t>
             </a:fld>
             <a:endParaRPr lang="en-US"/>
           </a:p>
@@ -4274,7 +4365,7 @@
             <a:fld id="{8B326010-446D-415F-A982-518930E087F7}" type="datetimeFigureOut">
               <a:rPr lang="en-US" smtClean="0"/>
               <a:pPr/>
-              <a:t>3/2/2012</a:t>
+              <a:t>3/6/2012</a:t>
             </a:fld>
             <a:endParaRPr lang="en-US"/>
           </a:p>
@@ -4487,7 +4578,7 @@
             <a:fld id="{8B326010-446D-415F-A982-518930E087F7}" type="datetimeFigureOut">
               <a:rPr lang="en-US" smtClean="0"/>
               <a:pPr/>
-              <a:t>3/2/2012</a:t>
+              <a:t>3/6/2012</a:t>
             </a:fld>
             <a:endParaRPr lang="en-US"/>
           </a:p>
@@ -8217,8 +8308,19 @@
           <a:p>
             <a:r>
               <a:rPr lang="en-US" dirty="0" smtClean="0"/>
-              <a:t>Translation layer</a:t>
-            </a:r>
+              <a:t>Translation </a:t>
+            </a:r>
+            <a:r>
+              <a:rPr lang="en-US" dirty="0" smtClean="0"/>
+              <a:t>layer</a:t>
+            </a:r>
+          </a:p>
+          <a:p>
+            <a:r>
+              <a:rPr lang="en-US" dirty="0" smtClean="0"/>
+              <a:t>Q &amp; A</a:t>
+            </a:r>
+            <a:endParaRPr lang="en-US" dirty="0" smtClean="0"/>
           </a:p>
           <a:p>
             <a:endParaRPr lang="en-US" dirty="0" smtClean="0"/>
@@ -8317,7 +8419,7 @@
         <p:spPr/>
         <p:txBody>
           <a:bodyPr>
-            <a:normAutofit fontScale="92500"/>
+            <a:normAutofit/>
           </a:bodyPr>
           <a:lstStyle/>
           <a:p>
@@ -8340,23 +8442,6 @@
             <a:r>
               <a:rPr lang="en-US" dirty="0" smtClean="0"/>
               <a:t>:</a:t>
-            </a:r>
-          </a:p>
-          <a:p>
-            <a:pPr marL="228600" lvl="1" indent="0">
-              <a:buNone/>
-            </a:pPr>
-            <a:r>
-              <a:rPr lang="en-US" sz="2200" dirty="0" smtClean="0"/>
-              <a:t>(UI Provider WAR, package </a:t>
-            </a:r>
-            <a:r>
-              <a:rPr lang="en-US" sz="2200" dirty="0" err="1" smtClean="0"/>
-              <a:t>org.meteornetwork.meteor.provider.ui.token</a:t>
-            </a:r>
-            <a:r>
-              <a:rPr lang="en-US" sz="2200" dirty="0" smtClean="0"/>
-              <a:t>)</a:t>
             </a:r>
             <a:endParaRPr lang="en-US" sz="2200" dirty="0" smtClean="0"/>
           </a:p>
@@ -8683,7 +8768,7 @@
           <a:p>
             <a:r>
               <a:rPr lang="en-US" dirty="0" smtClean="0"/>
-              <a:t>Shibboleth Login Example</a:t>
+              <a:t>Shibboleth Token Provider Example</a:t>
             </a:r>
             <a:endParaRPr lang="en-US" dirty="0"/>
           </a:p>
@@ -9251,8 +9336,12 @@
           <a:lstStyle/>
           <a:p>
             <a:r>
-              <a:rPr lang="en-US" dirty="0" smtClean="0"/>
-              <a:t>Token Provider</a:t>
+              <a:rPr lang="en-US" dirty="0" err="1" smtClean="0"/>
+              <a:t>TokenProvider</a:t>
+            </a:r>
+            <a:r>
+              <a:rPr lang="en-US" dirty="0" smtClean="0"/>
+              <a:t> Java Interface</a:t>
             </a:r>
             <a:endParaRPr lang="en-US" dirty="0"/>
           </a:p>
@@ -9271,47 +9360,17 @@
         <p:spPr/>
         <p:txBody>
           <a:bodyPr>
-            <a:normAutofit fontScale="92500" lnSpcReduction="10000"/>
+            <a:normAutofit/>
           </a:bodyPr>
           <a:lstStyle/>
           <a:p>
             <a:r>
               <a:rPr lang="en-US" dirty="0" smtClean="0"/>
-              <a:t>In </a:t>
-            </a:r>
-            <a:r>
-              <a:rPr lang="en-US" dirty="0" err="1" smtClean="0"/>
-              <a:t>meteorlib</a:t>
-            </a:r>
-            <a:r>
-              <a:rPr lang="en-US" dirty="0" smtClean="0"/>
-              <a:t> JAR</a:t>
-            </a:r>
-          </a:p>
-          <a:p>
-            <a:pPr>
-              <a:spcBef>
-                <a:spcPts val="0"/>
-              </a:spcBef>
-              <a:buNone/>
-            </a:pPr>
-            <a:r>
-              <a:rPr lang="en-US" sz="2000" dirty="0" smtClean="0"/>
-              <a:t>	(package </a:t>
-            </a:r>
-            <a:r>
-              <a:rPr lang="en-US" sz="2000" dirty="0" err="1" smtClean="0"/>
-              <a:t>org.meteornetwork.meteor.common.abstraction.token</a:t>
-            </a:r>
-            <a:r>
-              <a:rPr lang="en-US" sz="2000" dirty="0" smtClean="0"/>
-              <a:t>)</a:t>
-            </a:r>
-          </a:p>
-          <a:p>
-            <a:r>
-              <a:rPr lang="en-US" dirty="0" smtClean="0"/>
-              <a:t>Interface requires one method:</a:t>
+              <a:t>Specifies </a:t>
+            </a:r>
+            <a:r>
+              <a:rPr lang="en-US" dirty="0" smtClean="0"/>
+              <a:t>one method:</a:t>
             </a:r>
           </a:p>
           <a:p>
@@ -9367,40 +9426,13 @@
             </a:r>
             <a:r>
               <a:rPr lang="en-US" dirty="0" smtClean="0"/>
-              <a:t> class from </a:t>
-            </a:r>
-            <a:r>
-              <a:rPr lang="en-US" dirty="0" err="1" smtClean="0"/>
-              <a:t>meteorsaml</a:t>
-            </a:r>
-            <a:r>
-              <a:rPr lang="en-US" dirty="0" smtClean="0"/>
-              <a:t> JAR </a:t>
-            </a:r>
-          </a:p>
-          <a:p>
-            <a:pPr>
-              <a:spcBef>
-                <a:spcPts val="0"/>
-              </a:spcBef>
-              <a:buNone/>
-            </a:pPr>
-            <a:r>
-              <a:rPr lang="en-US" sz="2000" dirty="0" smtClean="0"/>
-              <a:t>	</a:t>
-            </a:r>
-            <a:r>
-              <a:rPr lang="en-US" sz="2000" dirty="0" smtClean="0"/>
-              <a:t>(package </a:t>
-            </a:r>
-            <a:r>
-              <a:rPr lang="en-US" sz="2000" dirty="0" err="1" smtClean="0"/>
-              <a:t>org.meteornetwork.meteor.saml</a:t>
-            </a:r>
-            <a:r>
-              <a:rPr lang="en-US" sz="2000" dirty="0" smtClean="0"/>
-              <a:t>) </a:t>
-            </a:r>
+              <a:t> </a:t>
+            </a:r>
+            <a:r>
+              <a:rPr lang="en-US" dirty="0" smtClean="0"/>
+              <a:t>class</a:t>
+            </a:r>
+            <a:endParaRPr lang="en-US" sz="2000" dirty="0" smtClean="0"/>
           </a:p>
           <a:p>
             <a:pPr lvl="1"/>
@@ -9422,7 +9454,6 @@
               <a:rPr lang="en-US" dirty="0" smtClean="0"/>
               <a:t>Consumes and produces Meteor 4.0 SAML assertion</a:t>
             </a:r>
-            <a:endParaRPr lang="en-US" dirty="0" smtClean="0"/>
           </a:p>
           <a:p>
             <a:endParaRPr lang="en-US" dirty="0" smtClean="0"/>
@@ -11655,8 +11686,17 @@
             </a:r>
             <a:r>
               <a:rPr lang="en-US" dirty="0" smtClean="0"/>
-              <a:t>:</a:t>
-            </a:r>
+              <a:t> (</a:t>
+            </a:r>
+            <a:r>
+              <a:rPr lang="en-US" dirty="0" err="1" smtClean="0"/>
+              <a:t>src</a:t>
+            </a:r>
+            <a:r>
+              <a:rPr lang="en-US" dirty="0" smtClean="0"/>
+              <a:t>/main/resources):</a:t>
+            </a:r>
+            <a:endParaRPr lang="en-US" dirty="0" smtClean="0"/>
           </a:p>
           <a:p>
             <a:pPr marL="742950" indent="-285750">
@@ -11685,29 +11725,7 @@
                   <a:srgbClr val="0000FF"/>
                 </a:solidFill>
               </a:rPr>
-              <a:t>http://localhost:8580/meteorregistry/services/RegistryService</a:t>
-            </a:r>
-          </a:p>
-          <a:p>
-            <a:pPr lvl="1">
-              <a:buNone/>
-            </a:pPr>
-            <a:r>
-              <a:rPr lang="en-US" dirty="0" smtClean="0"/>
-              <a:t>(Failover connection)</a:t>
-            </a:r>
-          </a:p>
-          <a:p>
-            <a:pPr lvl="1">
-              <a:buNone/>
-            </a:pPr>
-            <a:r>
-              <a:rPr lang="en-US" dirty="0" err="1" smtClean="0"/>
-              <a:t>directory.ws.failover.url</a:t>
-            </a:r>
-            <a:r>
-              <a:rPr lang="en-US" dirty="0" smtClean="0"/>
-              <a:t>=</a:t>
+              <a:t>http</a:t>
             </a:r>
             <a:r>
               <a:rPr lang="en-US" dirty="0" smtClean="0">
@@ -11715,7 +11733,58 @@
                   <a:srgbClr val="0000FF"/>
                 </a:solidFill>
               </a:rPr>
-              <a:t>http://localhost:8580/meteorregistry/services/RegistryService-failover</a:t>
+              <a:t>://[url to clearinghouse primary registry]</a:t>
+            </a:r>
+            <a:endParaRPr lang="en-US" dirty="0" smtClean="0">
+              <a:solidFill>
+                <a:srgbClr val="0000FF"/>
+              </a:solidFill>
+            </a:endParaRPr>
+          </a:p>
+          <a:p>
+            <a:pPr lvl="1">
+              <a:buNone/>
+            </a:pPr>
+            <a:r>
+              <a:rPr lang="en-US" dirty="0" smtClean="0"/>
+              <a:t>(Failover connection)</a:t>
+            </a:r>
+          </a:p>
+          <a:p>
+            <a:pPr lvl="1">
+              <a:buNone/>
+            </a:pPr>
+            <a:r>
+              <a:rPr lang="en-US" dirty="0" err="1" smtClean="0"/>
+              <a:t>directory.ws.failover.url</a:t>
+            </a:r>
+            <a:r>
+              <a:rPr lang="en-US" dirty="0" smtClean="0"/>
+              <a:t>=</a:t>
+            </a:r>
+            <a:r>
+              <a:rPr lang="en-US" dirty="0" smtClean="0">
+                <a:solidFill>
+                  <a:srgbClr val="0000FF"/>
+                </a:solidFill>
+              </a:rPr>
+              <a:t>http</a:t>
+            </a:r>
+            <a:r>
+              <a:rPr lang="en-US" dirty="0" smtClean="0">
+                <a:solidFill>
+                  <a:srgbClr val="0000FF"/>
+                </a:solidFill>
+              </a:rPr>
+              <a:t>://</a:t>
+            </a:r>
+            <a:r>
+              <a:rPr lang="en-US" dirty="0" smtClean="0">
+                <a:solidFill>
+                  <a:srgbClr val="0000FF"/>
+                </a:solidFill>
+              </a:rPr>
+              <a:t>[url to clearinghouse failover registry]</a:t>
             </a:r>
             <a:endParaRPr lang="en-US" dirty="0">
               <a:solidFill>
@@ -12595,7 +12664,7 @@
         <p:spPr/>
         <p:txBody>
           <a:bodyPr>
-            <a:normAutofit lnSpcReduction="10000"/>
+            <a:normAutofit/>
           </a:bodyPr>
           <a:lstStyle/>
           <a:p>
@@ -12612,30 +12681,6 @@
             <a:r>
               <a:rPr lang="en-US" dirty="0" smtClean="0"/>
               <a:t>:</a:t>
-            </a:r>
-          </a:p>
-          <a:p>
-            <a:pPr>
-              <a:spcBef>
-                <a:spcPts val="0"/>
-              </a:spcBef>
-              <a:buNone/>
-            </a:pPr>
-            <a:r>
-              <a:rPr lang="en-US" dirty="0" smtClean="0"/>
-              <a:t>	</a:t>
-            </a:r>
-            <a:r>
-              <a:rPr lang="en-US" sz="2000" dirty="0" smtClean="0"/>
-              <a:t>(Data Provider WAR, package </a:t>
-            </a:r>
-            <a:r>
-              <a:rPr lang="en-US" sz="2000" dirty="0" err="1" smtClean="0"/>
-              <a:t>org.meteornetwork.meteor.provider.data</a:t>
-            </a:r>
-            <a:r>
-              <a:rPr lang="en-US" sz="2000" dirty="0" smtClean="0"/>
-              <a:t>)</a:t>
             </a:r>
             <a:endParaRPr lang="en-US" sz="2000" dirty="0" smtClean="0"/>
           </a:p>
@@ -12647,15 +12692,7 @@
             </a:r>
             <a:r>
               <a:rPr lang="en-US" dirty="0" smtClean="0"/>
-              <a:t> – gets </a:t>
-            </a:r>
-            <a:r>
-              <a:rPr lang="en-US" dirty="0" smtClean="0"/>
-              <a:t>data </a:t>
-            </a:r>
-            <a:r>
-              <a:rPr lang="en-US" dirty="0" smtClean="0"/>
-              <a:t>from a remote resource</a:t>
+              <a:t> – gets data from a remote resource</a:t>
             </a:r>
           </a:p>
           <a:p>
@@ -12677,15 +12714,7 @@
             </a:r>
             <a:r>
               <a:rPr lang="en-US" dirty="0" smtClean="0"/>
-              <a:t> – gets data from a file (</a:t>
-            </a:r>
-            <a:r>
-              <a:rPr lang="en-US" dirty="0" smtClean="0"/>
-              <a:t>testing</a:t>
-            </a:r>
-            <a:r>
-              <a:rPr lang="en-US" dirty="0" smtClean="0"/>
-              <a:t>)</a:t>
+              <a:t> – gets data from a file (testing)</a:t>
             </a:r>
             <a:endParaRPr lang="en-US" sz="2000" dirty="0" smtClean="0"/>
           </a:p>
@@ -12756,13 +12785,19 @@
         </p:nvSpPr>
         <p:spPr/>
         <p:txBody>
-          <a:bodyPr/>
+          <a:bodyPr>
+            <a:normAutofit fontScale="90000"/>
+          </a:bodyPr>
           <a:lstStyle/>
           <a:p>
             <a:r>
               <a:rPr lang="en-US" dirty="0" err="1" smtClean="0"/>
               <a:t>DataServerAbstraction</a:t>
             </a:r>
+            <a:r>
+              <a:rPr lang="en-US" dirty="0" smtClean="0"/>
+              <a:t> Java Interface</a:t>
+            </a:r>
             <a:endParaRPr lang="en-US" dirty="0"/>
           </a:p>
         </p:txBody>
@@ -12780,21 +12815,17 @@
         <p:spPr/>
         <p:txBody>
           <a:bodyPr>
-            <a:normAutofit fontScale="92500" lnSpcReduction="10000"/>
+            <a:normAutofit/>
           </a:bodyPr>
           <a:lstStyle/>
           <a:p>
             <a:r>
               <a:rPr lang="en-US" dirty="0" smtClean="0"/>
-              <a:t>In </a:t>
-            </a:r>
-            <a:r>
-              <a:rPr lang="en-US" dirty="0" err="1" smtClean="0"/>
-              <a:t>meteorlib</a:t>
-            </a:r>
-            <a:r>
-              <a:rPr lang="en-US" dirty="0" smtClean="0"/>
-              <a:t> JAR</a:t>
+              <a:t>Specifies </a:t>
+            </a:r>
+            <a:r>
+              <a:rPr lang="en-US" dirty="0" smtClean="0"/>
+              <a:t>one method:</a:t>
             </a:r>
           </a:p>
           <a:p>
@@ -12809,44 +12840,6 @@
               <a:t>	</a:t>
             </a:r>
             <a:r>
-              <a:rPr lang="en-US" sz="2200" dirty="0" smtClean="0"/>
-              <a:t>(package </a:t>
-            </a:r>
-            <a:r>
-              <a:rPr lang="en-US" sz="2200" dirty="0" err="1" smtClean="0"/>
-              <a:t>org.meteornetwork.meteor.common.abstraction.data</a:t>
-            </a:r>
-            <a:r>
-              <a:rPr lang="en-US" sz="2200" dirty="0" smtClean="0"/>
-              <a:t>)</a:t>
-            </a:r>
-          </a:p>
-          <a:p>
-            <a:r>
-              <a:rPr lang="en-US" dirty="0" smtClean="0"/>
-              <a:t>Interface requires </a:t>
-            </a:r>
-            <a:r>
-              <a:rPr lang="en-US" dirty="0" smtClean="0"/>
-              <a:t>one </a:t>
-            </a:r>
-            <a:r>
-              <a:rPr lang="en-US" dirty="0" smtClean="0"/>
-              <a:t>method:</a:t>
-            </a:r>
-          </a:p>
-          <a:p>
-            <a:pPr>
-              <a:spcBef>
-                <a:spcPts val="0"/>
-              </a:spcBef>
-              <a:buNone/>
-            </a:pPr>
-            <a:r>
-              <a:rPr lang="en-US" dirty="0" smtClean="0"/>
-              <a:t>	</a:t>
-            </a:r>
-            <a:r>
               <a:rPr lang="en-US" sz="2000" dirty="0" err="1" smtClean="0">
                 <a:latin typeface="Consolas" pitchFamily="49" charset="0"/>
               </a:rPr>
@@ -12894,9 +12887,6 @@
               </a:rPr>
               <a:t>)</a:t>
             </a:r>
-            <a:endParaRPr lang="en-US" sz="2000" dirty="0" smtClean="0">
-              <a:latin typeface="Consolas" pitchFamily="49" charset="0"/>
-            </a:endParaRPr>
           </a:p>
           <a:p>
             <a:r>
@@ -12931,11 +12921,7 @@
             </a:r>
             <a:r>
               <a:rPr lang="en-US" dirty="0" smtClean="0"/>
-              <a:t> </a:t>
-            </a:r>
-            <a:r>
-              <a:rPr lang="en-US" dirty="0" smtClean="0"/>
-              <a:t>– the root object generated by Castor XML for the Meteor 4.0 Schema</a:t>
+              <a:t> – the root object generated by Castor XML for the Meteor 4.0 Schema</a:t>
             </a:r>
             <a:endParaRPr lang="en-US" dirty="0"/>
           </a:p>
@@ -13228,7 +13214,168 @@
       </p:grpSpPr>
       <p:sp>
         <p:nvSpPr>
-          <p:cNvPr id="3" name="Slide Number Placeholder 2"/>
+          <p:cNvPr id="2" name="Title 1"/>
+          <p:cNvSpPr>
+            <a:spLocks noGrp="1"/>
+          </p:cNvSpPr>
+          <p:nvPr>
+            <p:ph type="title"/>
+          </p:nvPr>
+        </p:nvSpPr>
+        <p:spPr/>
+        <p:txBody>
+          <a:bodyPr>
+            <a:normAutofit/>
+          </a:bodyPr>
+          <a:lstStyle/>
+          <a:p>
+            <a:r>
+              <a:rPr lang="en-US" dirty="0" smtClean="0"/>
+              <a:t>Referenced </a:t>
+            </a:r>
+            <a:r>
+              <a:rPr lang="en-US" dirty="0" smtClean="0"/>
+              <a:t>Classes</a:t>
+            </a:r>
+            <a:endParaRPr lang="en-US" dirty="0"/>
+          </a:p>
+        </p:txBody>
+      </p:sp>
+      <p:sp>
+        <p:nvSpPr>
+          <p:cNvPr id="3" name="Content Placeholder 2"/>
+          <p:cNvSpPr>
+            <a:spLocks noGrp="1"/>
+          </p:cNvSpPr>
+          <p:nvPr>
+            <p:ph idx="1"/>
+          </p:nvPr>
+        </p:nvSpPr>
+        <p:spPr/>
+        <p:txBody>
+          <a:bodyPr>
+            <a:normAutofit/>
+          </a:bodyPr>
+          <a:lstStyle/>
+          <a:p>
+            <a:pPr>
+              <a:buNone/>
+            </a:pPr>
+            <a:r>
+              <a:rPr lang="en-US" sz="2400" dirty="0" smtClean="0"/>
+              <a:t>meteorlib.jar:</a:t>
+            </a:r>
+          </a:p>
+          <a:p>
+            <a:pPr>
+              <a:buBlip>
+                <a:blip r:embed="rId2"/>
+              </a:buBlip>
+            </a:pPr>
+            <a:r>
+              <a:rPr lang="en-US" sz="2400" dirty="0" err="1" smtClean="0"/>
+              <a:t>org.meteornetwork.meteor.common.abstraction.token</a:t>
+            </a:r>
+            <a:endParaRPr lang="en-US" sz="2400" dirty="0" smtClean="0"/>
+          </a:p>
+          <a:p>
+            <a:pPr lvl="1">
+              <a:buFont typeface="Arial" pitchFamily="34" charset="0"/>
+              <a:buChar char="•"/>
+            </a:pPr>
+            <a:r>
+              <a:rPr lang="en-US" sz="2000" dirty="0" err="1" smtClean="0"/>
+              <a:t>TokenProvider</a:t>
+            </a:r>
+            <a:endParaRPr lang="en-US" sz="2000" dirty="0" smtClean="0"/>
+          </a:p>
+          <a:p>
+            <a:pPr>
+              <a:buBlip>
+                <a:blip r:embed="rId2"/>
+              </a:buBlip>
+            </a:pPr>
+            <a:r>
+              <a:rPr lang="en-US" sz="2400" dirty="0" err="1" smtClean="0"/>
+              <a:t>org.meteornetwork.meteor.common.abstraction.data</a:t>
+            </a:r>
+            <a:endParaRPr lang="en-US" sz="2400" dirty="0" smtClean="0"/>
+          </a:p>
+          <a:p>
+            <a:pPr lvl="1">
+              <a:buFont typeface="Arial" pitchFamily="34" charset="0"/>
+              <a:buChar char="•"/>
+            </a:pPr>
+            <a:r>
+              <a:rPr lang="en-US" sz="2000" dirty="0" err="1" smtClean="0"/>
+              <a:t>DataServerAbstraction</a:t>
+            </a:r>
+            <a:endParaRPr lang="en-US" sz="2000" dirty="0" smtClean="0"/>
+          </a:p>
+          <a:p>
+            <a:pPr lvl="1">
+              <a:buFont typeface="Arial" pitchFamily="34" charset="0"/>
+              <a:buChar char="•"/>
+            </a:pPr>
+            <a:r>
+              <a:rPr lang="en-US" sz="2000" dirty="0" err="1" smtClean="0"/>
+              <a:t>MeteorContext</a:t>
+            </a:r>
+            <a:endParaRPr lang="en-US" sz="2000" dirty="0" smtClean="0"/>
+          </a:p>
+          <a:p>
+            <a:pPr lvl="1">
+              <a:buFont typeface="Arial" pitchFamily="34" charset="0"/>
+              <a:buChar char="•"/>
+            </a:pPr>
+            <a:r>
+              <a:rPr lang="en-US" sz="2000" dirty="0" err="1" smtClean="0"/>
+              <a:t>MeteorDataResposeMessage</a:t>
+            </a:r>
+            <a:endParaRPr lang="en-US" sz="2000" dirty="0" smtClean="0"/>
+          </a:p>
+          <a:p>
+            <a:pPr>
+              <a:buBlip>
+                <a:blip r:embed="rId2"/>
+              </a:buBlip>
+            </a:pPr>
+            <a:r>
+              <a:rPr lang="en-US" sz="2400" dirty="0" err="1" smtClean="0"/>
+              <a:t>org.meteornetwork.meteor.common.xml.dataresponse</a:t>
+            </a:r>
+            <a:endParaRPr lang="en-US" sz="2400" dirty="0" smtClean="0"/>
+          </a:p>
+          <a:p>
+            <a:pPr lvl="1">
+              <a:buFont typeface="Arial" pitchFamily="34" charset="0"/>
+              <a:buChar char="•"/>
+            </a:pPr>
+            <a:r>
+              <a:rPr lang="en-US" sz="2000" dirty="0" err="1" smtClean="0"/>
+              <a:t>MeteorRsMsg</a:t>
+            </a:r>
+            <a:endParaRPr lang="en-US" sz="2000" dirty="0" smtClean="0"/>
+          </a:p>
+          <a:p>
+            <a:pPr>
+              <a:buNone/>
+            </a:pPr>
+            <a:endParaRPr lang="en-US" sz="2400" dirty="0" smtClean="0"/>
+          </a:p>
+          <a:p>
+            <a:pPr>
+              <a:buBlip>
+                <a:blip r:embed="rId2"/>
+              </a:buBlip>
+            </a:pPr>
+            <a:endParaRPr lang="en-US" sz="2400" dirty="0" smtClean="0"/>
+          </a:p>
+        </p:txBody>
+      </p:sp>
+      <p:sp>
+        <p:nvSpPr>
+          <p:cNvPr id="4" name="Slide Number Placeholder 3"/>
           <p:cNvSpPr>
             <a:spLocks noGrp="1"/>
           </p:cNvSpPr>
@@ -13246,29 +13393,6 @@
               <a:pPr/>
               <a:t>33</a:t>
             </a:fld>
-            <a:endParaRPr lang="en-US" dirty="0"/>
-          </a:p>
-        </p:txBody>
-      </p:sp>
-      <p:sp>
-        <p:nvSpPr>
-          <p:cNvPr id="2" name="Title 1"/>
-          <p:cNvSpPr>
-            <a:spLocks noGrp="1"/>
-          </p:cNvSpPr>
-          <p:nvPr>
-            <p:ph type="ctrTitle"/>
-          </p:nvPr>
-        </p:nvSpPr>
-        <p:spPr/>
-        <p:txBody>
-          <a:bodyPr/>
-          <a:lstStyle/>
-          <a:p>
-            <a:r>
-              <a:rPr lang="en-US" dirty="0" smtClean="0"/>
-              <a:t>Translation layer</a:t>
-            </a:r>
             <a:endParaRPr lang="en-US" dirty="0"/>
           </a:p>
         </p:txBody>
@@ -13300,7 +13424,7 @@
       </p:grpSpPr>
       <p:sp>
         <p:nvSpPr>
-          <p:cNvPr id="4" name="Title 3"/>
+          <p:cNvPr id="2" name="Title 1"/>
           <p:cNvSpPr>
             <a:spLocks noGrp="1"/>
           </p:cNvSpPr>
@@ -13310,12 +13434,18 @@
         </p:nvSpPr>
         <p:spPr/>
         <p:txBody>
-          <a:bodyPr/>
-          <a:lstStyle/>
-          <a:p>
-            <a:r>
-              <a:rPr lang="en-US" dirty="0" smtClean="0"/>
-              <a:t>Adapter Pattern</a:t>
+          <a:bodyPr>
+            <a:normAutofit/>
+          </a:bodyPr>
+          <a:lstStyle/>
+          <a:p>
+            <a:r>
+              <a:rPr lang="en-US" dirty="0" smtClean="0"/>
+              <a:t>Referenced </a:t>
+            </a:r>
+            <a:r>
+              <a:rPr lang="en-US" dirty="0" smtClean="0"/>
+              <a:t>Classes</a:t>
             </a:r>
             <a:endParaRPr lang="en-US" dirty="0"/>
           </a:p>
@@ -13323,51 +13453,129 @@
       </p:sp>
       <p:sp>
         <p:nvSpPr>
-          <p:cNvPr id="12" name="Content Placeholder 11"/>
-          <p:cNvSpPr>
-            <a:spLocks noGrp="1"/>
-          </p:cNvSpPr>
-          <p:nvPr>
-            <p:ph sz="half" idx="2"/>
+          <p:cNvPr id="3" name="Content Placeholder 2"/>
+          <p:cNvSpPr>
+            <a:spLocks noGrp="1"/>
+          </p:cNvSpPr>
+          <p:nvPr>
+            <p:ph idx="1"/>
           </p:nvPr>
         </p:nvSpPr>
         <p:spPr/>
         <p:txBody>
-          <a:bodyPr/>
-          <a:lstStyle/>
-          <a:p>
-            <a:r>
-              <a:rPr lang="en-US" dirty="0" smtClean="0"/>
-              <a:t>Target code is written to interface, knows nothing of underlying </a:t>
-            </a:r>
-            <a:r>
-              <a:rPr lang="en-US" dirty="0" smtClean="0"/>
-              <a:t>implementations</a:t>
-            </a:r>
-            <a:endParaRPr lang="en-US" dirty="0" smtClean="0"/>
-          </a:p>
-          <a:p>
-            <a:r>
-              <a:rPr lang="en-US" dirty="0" smtClean="0"/>
-              <a:t>Adapters implement interface to make </a:t>
-            </a:r>
-            <a:r>
-              <a:rPr lang="en-US" dirty="0" smtClean="0"/>
-              <a:t>client code compatible </a:t>
-            </a:r>
-            <a:r>
-              <a:rPr lang="en-US" dirty="0" smtClean="0"/>
-              <a:t>with target code</a:t>
-            </a:r>
-          </a:p>
-          <a:p>
-            <a:endParaRPr lang="en-US" dirty="0"/>
-          </a:p>
-        </p:txBody>
-      </p:sp>
-      <p:sp>
-        <p:nvSpPr>
-          <p:cNvPr id="2" name="Slide Number Placeholder 1"/>
+          <a:bodyPr>
+            <a:normAutofit/>
+          </a:bodyPr>
+          <a:lstStyle/>
+          <a:p>
+            <a:pPr>
+              <a:buNone/>
+            </a:pPr>
+            <a:r>
+              <a:rPr lang="en-US" sz="2400" dirty="0" err="1" smtClean="0"/>
+              <a:t>uiprovider.war</a:t>
+            </a:r>
+            <a:r>
+              <a:rPr lang="en-US" sz="2400" dirty="0" smtClean="0"/>
+              <a:t>:</a:t>
+            </a:r>
+          </a:p>
+          <a:p>
+            <a:pPr>
+              <a:buBlip>
+                <a:blip r:embed="rId2"/>
+              </a:buBlip>
+            </a:pPr>
+            <a:r>
+              <a:rPr lang="en-US" sz="2400" dirty="0" err="1" smtClean="0"/>
+              <a:t>org.meteornetwork.meteor.provider.ui.token</a:t>
+            </a:r>
+            <a:endParaRPr lang="en-US" sz="2400" dirty="0" smtClean="0"/>
+          </a:p>
+          <a:p>
+            <a:pPr lvl="1">
+              <a:buFont typeface="Arial" pitchFamily="34" charset="0"/>
+              <a:buChar char="•"/>
+            </a:pPr>
+            <a:r>
+              <a:rPr lang="en-US" sz="2000" dirty="0" err="1" smtClean="0"/>
+              <a:t>SampleTokenProvider</a:t>
+            </a:r>
+            <a:endParaRPr lang="en-US" sz="2000" dirty="0" smtClean="0"/>
+          </a:p>
+          <a:p>
+            <a:pPr lvl="1">
+              <a:buFont typeface="Arial" pitchFamily="34" charset="0"/>
+              <a:buChar char="•"/>
+            </a:pPr>
+            <a:r>
+              <a:rPr lang="en-US" sz="2000" dirty="0" err="1" smtClean="0"/>
+              <a:t>ShibbolethTokenProvider</a:t>
+            </a:r>
+            <a:endParaRPr lang="en-US" sz="2000" dirty="0" smtClean="0"/>
+          </a:p>
+          <a:p>
+            <a:pPr marL="514350" indent="-457200">
+              <a:buNone/>
+            </a:pPr>
+            <a:endParaRPr lang="en-US" sz="2400" dirty="0" smtClean="0"/>
+          </a:p>
+          <a:p>
+            <a:pPr marL="514350" indent="-457200">
+              <a:buNone/>
+            </a:pPr>
+            <a:r>
+              <a:rPr lang="en-US" sz="2400" dirty="0" smtClean="0"/>
+              <a:t>meteorsaml.jar</a:t>
+            </a:r>
+          </a:p>
+          <a:p>
+            <a:pPr>
+              <a:buBlip>
+                <a:blip r:embed="rId2"/>
+              </a:buBlip>
+            </a:pPr>
+            <a:r>
+              <a:rPr lang="en-US" sz="2400" dirty="0" err="1" smtClean="0"/>
+              <a:t>org.meteornetwork.meteor.saml</a:t>
+            </a:r>
+            <a:endParaRPr lang="en-US" sz="2400" dirty="0" smtClean="0"/>
+          </a:p>
+          <a:p>
+            <a:pPr lvl="1">
+              <a:buFont typeface="Arial" pitchFamily="34" charset="0"/>
+              <a:buChar char="•"/>
+            </a:pPr>
+            <a:r>
+              <a:rPr lang="en-US" sz="2000" dirty="0" err="1" smtClean="0"/>
+              <a:t>SecurityToken</a:t>
+            </a:r>
+            <a:endParaRPr lang="en-US" sz="2000" dirty="0" smtClean="0"/>
+          </a:p>
+          <a:p>
+            <a:pPr lvl="1">
+              <a:buFont typeface="Arial" pitchFamily="34" charset="0"/>
+              <a:buChar char="•"/>
+            </a:pPr>
+            <a:r>
+              <a:rPr lang="en-US" sz="2000" dirty="0" err="1" smtClean="0"/>
+              <a:t>SecurityTokenImpl</a:t>
+            </a:r>
+            <a:endParaRPr lang="en-US" sz="2000" dirty="0" smtClean="0"/>
+          </a:p>
+          <a:p>
+            <a:pPr>
+              <a:buBlip>
+                <a:blip r:embed="rId2"/>
+              </a:buBlip>
+            </a:pPr>
+            <a:endParaRPr lang="en-US" sz="2400" dirty="0" smtClean="0"/>
+          </a:p>
+        </p:txBody>
+      </p:sp>
+      <p:sp>
+        <p:nvSpPr>
+          <p:cNvPr id="4" name="Slide Number Placeholder 3"/>
           <p:cNvSpPr>
             <a:spLocks noGrp="1"/>
           </p:cNvSpPr>
@@ -13389,16 +13597,1115 @@
           </a:p>
         </p:txBody>
       </p:sp>
-      <p:sp>
-        <p:nvSpPr>
-          <p:cNvPr id="13" name="Rectangle 12"/>
+    </p:spTree>
+  </p:cSld>
+  <p:clrMapOvr>
+    <a:masterClrMapping/>
+  </p:clrMapOvr>
+</p:sld>
+</file>
+
+<file path=ppt/slides/slide35.xml><?xml version="1.0" encoding="utf-8"?>
+<p:sld xmlns:a="http://schemas.openxmlformats.org/drawingml/2006/main" xmlns:r="http://schemas.openxmlformats.org/officeDocument/2006/relationships" xmlns:p="http://schemas.openxmlformats.org/presentationml/2006/main">
+  <p:cSld>
+    <p:spTree>
+      <p:nvGrpSpPr>
+        <p:cNvPr id="1" name=""/>
+        <p:cNvGrpSpPr/>
+        <p:nvPr/>
+      </p:nvGrpSpPr>
+      <p:grpSpPr>
+        <a:xfrm>
+          <a:off x="0" y="0"/>
+          <a:ext cx="0" cy="0"/>
+          <a:chOff x="0" y="0"/>
+          <a:chExt cx="0" cy="0"/>
+        </a:xfrm>
+      </p:grpSpPr>
+      <p:sp>
+        <p:nvSpPr>
+          <p:cNvPr id="2" name="Title 1"/>
+          <p:cNvSpPr>
+            <a:spLocks noGrp="1"/>
+          </p:cNvSpPr>
+          <p:nvPr>
+            <p:ph type="title"/>
+          </p:nvPr>
+        </p:nvSpPr>
+        <p:spPr/>
+        <p:txBody>
+          <a:bodyPr>
+            <a:normAutofit/>
+          </a:bodyPr>
+          <a:lstStyle/>
+          <a:p>
+            <a:r>
+              <a:rPr lang="en-US" dirty="0" smtClean="0"/>
+              <a:t>Referenced </a:t>
+            </a:r>
+            <a:r>
+              <a:rPr lang="en-US" dirty="0" smtClean="0"/>
+              <a:t>Classes</a:t>
+            </a:r>
+            <a:endParaRPr lang="en-US" dirty="0"/>
+          </a:p>
+        </p:txBody>
+      </p:sp>
+      <p:sp>
+        <p:nvSpPr>
+          <p:cNvPr id="3" name="Content Placeholder 2"/>
+          <p:cNvSpPr>
+            <a:spLocks noGrp="1"/>
+          </p:cNvSpPr>
+          <p:nvPr>
+            <p:ph idx="1"/>
+          </p:nvPr>
+        </p:nvSpPr>
+        <p:spPr/>
+        <p:txBody>
+          <a:bodyPr>
+            <a:normAutofit/>
+          </a:bodyPr>
+          <a:lstStyle/>
+          <a:p>
+            <a:pPr>
+              <a:buNone/>
+            </a:pPr>
+            <a:r>
+              <a:rPr lang="en-US" sz="2400" dirty="0" err="1" smtClean="0"/>
+              <a:t>d</a:t>
+            </a:r>
+            <a:r>
+              <a:rPr lang="en-US" sz="2400" dirty="0" err="1" smtClean="0"/>
+              <a:t>ataprovider.war</a:t>
+            </a:r>
+            <a:r>
+              <a:rPr lang="en-US" sz="2400" dirty="0" smtClean="0"/>
+              <a:t>:</a:t>
+            </a:r>
+            <a:endParaRPr lang="en-US" sz="2000" dirty="0" smtClean="0"/>
+          </a:p>
+          <a:p>
+            <a:pPr>
+              <a:buBlip>
+                <a:blip r:embed="rId2"/>
+              </a:buBlip>
+            </a:pPr>
+            <a:r>
+              <a:rPr lang="en-US" sz="2400" dirty="0" err="1" smtClean="0"/>
+              <a:t>o</a:t>
+            </a:r>
+            <a:r>
+              <a:rPr lang="en-US" sz="2400" dirty="0" err="1" smtClean="0"/>
+              <a:t>rg.meteornetwork.meteor.provider.data</a:t>
+            </a:r>
+            <a:endParaRPr lang="en-US" sz="2400" dirty="0" smtClean="0"/>
+          </a:p>
+          <a:p>
+            <a:pPr lvl="1">
+              <a:buFont typeface="Arial" pitchFamily="34" charset="0"/>
+              <a:buChar char="•"/>
+            </a:pPr>
+            <a:r>
+              <a:rPr lang="en-US" sz="2000" dirty="0" err="1" smtClean="0"/>
+              <a:t>RemoteDataServer</a:t>
+            </a:r>
+            <a:endParaRPr lang="en-US" sz="2000" dirty="0" smtClean="0"/>
+          </a:p>
+          <a:p>
+            <a:pPr lvl="1">
+              <a:buFont typeface="Arial" pitchFamily="34" charset="0"/>
+              <a:buChar char="•"/>
+            </a:pPr>
+            <a:r>
+              <a:rPr lang="en-US" sz="2000" dirty="0" err="1" smtClean="0"/>
+              <a:t>HPCDataServer</a:t>
+            </a:r>
+            <a:endParaRPr lang="en-US" sz="2000" dirty="0" smtClean="0"/>
+          </a:p>
+          <a:p>
+            <a:pPr lvl="1">
+              <a:buFont typeface="Arial" pitchFamily="34" charset="0"/>
+              <a:buChar char="•"/>
+            </a:pPr>
+            <a:r>
+              <a:rPr lang="en-US" sz="2000" dirty="0" err="1" smtClean="0"/>
+              <a:t>FileDataServer</a:t>
+            </a:r>
+            <a:endParaRPr lang="en-US" sz="2000" dirty="0" smtClean="0"/>
+          </a:p>
+          <a:p>
+            <a:pPr>
+              <a:buNone/>
+            </a:pPr>
+            <a:endParaRPr lang="en-US" sz="2400" dirty="0" smtClean="0"/>
+          </a:p>
+        </p:txBody>
+      </p:sp>
+      <p:sp>
+        <p:nvSpPr>
+          <p:cNvPr id="4" name="Slide Number Placeholder 3"/>
+          <p:cNvSpPr>
+            <a:spLocks noGrp="1"/>
+          </p:cNvSpPr>
+          <p:nvPr>
+            <p:ph type="sldNum" sz="quarter" idx="12"/>
+          </p:nvPr>
+        </p:nvSpPr>
+        <p:spPr/>
+        <p:txBody>
+          <a:bodyPr/>
+          <a:lstStyle/>
+          <a:p>
+            <a:fld id="{6F99343D-46AE-4C14-8296-D13D823691DC}" type="slidenum">
+              <a:rPr lang="en-US" smtClean="0"/>
+              <a:pPr/>
+              <a:t>35</a:t>
+            </a:fld>
+            <a:endParaRPr lang="en-US" dirty="0"/>
+          </a:p>
+        </p:txBody>
+      </p:sp>
+    </p:spTree>
+  </p:cSld>
+  <p:clrMapOvr>
+    <a:masterClrMapping/>
+  </p:clrMapOvr>
+</p:sld>
+</file>
+
+<file path=ppt/slides/slide36.xml><?xml version="1.0" encoding="utf-8"?>
+<p:sld xmlns:a="http://schemas.openxmlformats.org/drawingml/2006/main" xmlns:r="http://schemas.openxmlformats.org/officeDocument/2006/relationships" xmlns:p="http://schemas.openxmlformats.org/presentationml/2006/main">
+  <p:cSld>
+    <p:spTree>
+      <p:nvGrpSpPr>
+        <p:cNvPr id="1" name=""/>
+        <p:cNvGrpSpPr/>
+        <p:nvPr/>
+      </p:nvGrpSpPr>
+      <p:grpSpPr>
+        <a:xfrm>
+          <a:off x="0" y="0"/>
+          <a:ext cx="0" cy="0"/>
+          <a:chOff x="0" y="0"/>
+          <a:chExt cx="0" cy="0"/>
+        </a:xfrm>
+      </p:grpSpPr>
+      <p:sp>
+        <p:nvSpPr>
+          <p:cNvPr id="3" name="Slide Number Placeholder 2"/>
+          <p:cNvSpPr>
+            <a:spLocks noGrp="1"/>
+          </p:cNvSpPr>
+          <p:nvPr>
+            <p:ph type="sldNum" sz="quarter" idx="12"/>
+          </p:nvPr>
+        </p:nvSpPr>
+        <p:spPr/>
+        <p:txBody>
+          <a:bodyPr/>
+          <a:lstStyle/>
+          <a:p>
+            <a:fld id="{6F99343D-46AE-4C14-8296-D13D823691DC}" type="slidenum">
+              <a:rPr lang="en-US" smtClean="0"/>
+              <a:pPr/>
+              <a:t>36</a:t>
+            </a:fld>
+            <a:endParaRPr lang="en-US" dirty="0"/>
+          </a:p>
+        </p:txBody>
+      </p:sp>
+      <p:sp>
+        <p:nvSpPr>
+          <p:cNvPr id="2" name="Title 1"/>
+          <p:cNvSpPr>
+            <a:spLocks noGrp="1"/>
+          </p:cNvSpPr>
+          <p:nvPr>
+            <p:ph type="ctrTitle"/>
+          </p:nvPr>
+        </p:nvSpPr>
+        <p:spPr/>
+        <p:txBody>
+          <a:bodyPr/>
+          <a:lstStyle/>
+          <a:p>
+            <a:r>
+              <a:rPr lang="en-US" dirty="0" smtClean="0"/>
+              <a:t>Translation layer</a:t>
+            </a:r>
+            <a:endParaRPr lang="en-US" dirty="0"/>
+          </a:p>
+        </p:txBody>
+      </p:sp>
+    </p:spTree>
+  </p:cSld>
+  <p:clrMapOvr>
+    <a:masterClrMapping/>
+  </p:clrMapOvr>
+</p:sld>
+</file>
+
+<file path=ppt/slides/slide37.xml><?xml version="1.0" encoding="utf-8"?>
+<p:sld xmlns:a="http://schemas.openxmlformats.org/drawingml/2006/main" xmlns:r="http://schemas.openxmlformats.org/officeDocument/2006/relationships" xmlns:p="http://schemas.openxmlformats.org/presentationml/2006/main">
+  <p:cSld>
+    <p:spTree>
+      <p:nvGrpSpPr>
+        <p:cNvPr id="1" name=""/>
+        <p:cNvGrpSpPr/>
+        <p:nvPr/>
+      </p:nvGrpSpPr>
+      <p:grpSpPr>
+        <a:xfrm>
+          <a:off x="0" y="0"/>
+          <a:ext cx="0" cy="0"/>
+          <a:chOff x="0" y="0"/>
+          <a:chExt cx="0" cy="0"/>
+        </a:xfrm>
+      </p:grpSpPr>
+      <p:sp>
+        <p:nvSpPr>
+          <p:cNvPr id="4" name="Title 3"/>
+          <p:cNvSpPr>
+            <a:spLocks noGrp="1"/>
+          </p:cNvSpPr>
+          <p:nvPr>
+            <p:ph type="title"/>
+          </p:nvPr>
+        </p:nvSpPr>
+        <p:spPr/>
+        <p:txBody>
+          <a:bodyPr/>
+          <a:lstStyle/>
+          <a:p>
+            <a:r>
+              <a:rPr lang="en-US" dirty="0" smtClean="0"/>
+              <a:t>Adapter Pattern</a:t>
+            </a:r>
+            <a:endParaRPr lang="en-US" dirty="0"/>
+          </a:p>
+        </p:txBody>
+      </p:sp>
+      <p:sp>
+        <p:nvSpPr>
+          <p:cNvPr id="12" name="Content Placeholder 11"/>
+          <p:cNvSpPr>
+            <a:spLocks noGrp="1"/>
+          </p:cNvSpPr>
+          <p:nvPr>
+            <p:ph sz="half" idx="2"/>
+          </p:nvPr>
+        </p:nvSpPr>
+        <p:spPr/>
+        <p:txBody>
+          <a:bodyPr>
+            <a:normAutofit lnSpcReduction="10000"/>
+          </a:bodyPr>
+          <a:lstStyle/>
+          <a:p>
+            <a:r>
+              <a:rPr lang="en-US" dirty="0" smtClean="0"/>
+              <a:t>Design pattern used for Meteor translation layer</a:t>
+            </a:r>
+          </a:p>
+          <a:p>
+            <a:r>
+              <a:rPr lang="en-US" dirty="0" smtClean="0"/>
+              <a:t>Target code is written to interface, knows nothing of underlying implementations</a:t>
+            </a:r>
+          </a:p>
+          <a:p>
+            <a:r>
+              <a:rPr lang="en-US" dirty="0" smtClean="0"/>
+              <a:t>Adapters implement interface to make client code compatible with target code</a:t>
+            </a:r>
+          </a:p>
+          <a:p>
+            <a:endParaRPr lang="en-US" dirty="0"/>
+          </a:p>
+        </p:txBody>
+      </p:sp>
+      <p:sp>
+        <p:nvSpPr>
+          <p:cNvPr id="2" name="Slide Number Placeholder 1"/>
+          <p:cNvSpPr>
+            <a:spLocks noGrp="1"/>
+          </p:cNvSpPr>
+          <p:nvPr>
+            <p:ph type="sldNum" sz="quarter" idx="12"/>
+          </p:nvPr>
+        </p:nvSpPr>
+        <p:spPr/>
+        <p:txBody>
+          <a:bodyPr/>
+          <a:lstStyle/>
+          <a:p>
+            <a:fld id="{6F99343D-46AE-4C14-8296-D13D823691DC}" type="slidenum">
+              <a:rPr lang="en-US" smtClean="0"/>
+              <a:pPr/>
+              <a:t>37</a:t>
+            </a:fld>
+            <a:endParaRPr lang="en-US" dirty="0"/>
+          </a:p>
+        </p:txBody>
+      </p:sp>
+      <p:sp>
+        <p:nvSpPr>
+          <p:cNvPr id="31" name="TextBox 30"/>
+          <p:cNvSpPr txBox="1"/>
+          <p:nvPr/>
+        </p:nvSpPr>
+        <p:spPr>
+          <a:xfrm>
+            <a:off x="381000" y="4495800"/>
+            <a:ext cx="1447800" cy="307777"/>
+          </a:xfrm>
+          <a:prstGeom prst="rect">
+            <a:avLst/>
+          </a:prstGeom>
+          <a:noFill/>
+        </p:spPr>
+        <p:txBody>
+          <a:bodyPr wrap="square" rtlCol="0">
+            <a:spAutoFit/>
+          </a:bodyPr>
+          <a:lstStyle/>
+          <a:p>
+            <a:pPr algn="ctr"/>
+            <a:r>
+              <a:rPr lang="en-US" sz="1400" i="1" dirty="0" smtClean="0"/>
+              <a:t>Interacts with</a:t>
+            </a:r>
+            <a:endParaRPr lang="en-US" sz="1400" i="1" dirty="0"/>
+          </a:p>
+        </p:txBody>
+      </p:sp>
+      <p:grpSp>
+        <p:nvGrpSpPr>
+          <p:cNvPr id="21" name="Group 20"/>
+          <p:cNvGrpSpPr/>
+          <p:nvPr/>
+        </p:nvGrpSpPr>
+        <p:grpSpPr>
+          <a:xfrm>
+            <a:off x="533400" y="1676400"/>
+            <a:ext cx="4191000" cy="3962400"/>
+            <a:chOff x="533400" y="1676400"/>
+            <a:chExt cx="4191000" cy="3962400"/>
+          </a:xfrm>
+        </p:grpSpPr>
+        <p:sp>
+          <p:nvSpPr>
+            <p:cNvPr id="13" name="Rectangle 12"/>
+            <p:cNvSpPr/>
+            <p:nvPr/>
+          </p:nvSpPr>
+          <p:spPr>
+            <a:xfrm>
+              <a:off x="1981200" y="1676400"/>
+              <a:ext cx="1143000" cy="762000"/>
+            </a:xfrm>
+            <a:prstGeom prst="rect">
+              <a:avLst/>
+            </a:prstGeom>
+          </p:spPr>
+          <p:style>
+            <a:lnRef idx="2">
+              <a:schemeClr val="accent1">
+                <a:shade val="50000"/>
+              </a:schemeClr>
+            </a:lnRef>
+            <a:fillRef idx="1">
+              <a:schemeClr val="accent1"/>
+            </a:fillRef>
+            <a:effectRef idx="0">
+              <a:schemeClr val="accent1"/>
+            </a:effectRef>
+            <a:fontRef idx="minor">
+              <a:schemeClr val="lt1"/>
+            </a:fontRef>
+          </p:style>
+          <p:txBody>
+            <a:bodyPr rtlCol="0" anchor="ctr"/>
+            <a:lstStyle/>
+            <a:p>
+              <a:pPr algn="ctr"/>
+              <a:r>
+                <a:rPr lang="en-US" dirty="0" smtClean="0"/>
+                <a:t>Target Code</a:t>
+              </a:r>
+              <a:endParaRPr lang="en-US" dirty="0"/>
+            </a:p>
+          </p:txBody>
+        </p:sp>
+        <p:sp>
+          <p:nvSpPr>
+            <p:cNvPr id="14" name="Rectangle 13"/>
+            <p:cNvSpPr/>
+            <p:nvPr/>
+          </p:nvSpPr>
+          <p:spPr>
+            <a:xfrm>
+              <a:off x="1981200" y="2971800"/>
+              <a:ext cx="1143000" cy="762000"/>
+            </a:xfrm>
+            <a:prstGeom prst="rect">
+              <a:avLst/>
+            </a:prstGeom>
+          </p:spPr>
+          <p:style>
+            <a:lnRef idx="2">
+              <a:schemeClr val="accent1">
+                <a:shade val="50000"/>
+              </a:schemeClr>
+            </a:lnRef>
+            <a:fillRef idx="1">
+              <a:schemeClr val="accent1"/>
+            </a:fillRef>
+            <a:effectRef idx="0">
+              <a:schemeClr val="accent1"/>
+            </a:effectRef>
+            <a:fontRef idx="minor">
+              <a:schemeClr val="lt1"/>
+            </a:fontRef>
+          </p:style>
+          <p:txBody>
+            <a:bodyPr rtlCol="0" anchor="ctr"/>
+            <a:lstStyle/>
+            <a:p>
+              <a:pPr algn="ctr"/>
+              <a:r>
+                <a:rPr lang="en-US" dirty="0" smtClean="0"/>
+                <a:t>Adapter Interface</a:t>
+              </a:r>
+              <a:endParaRPr lang="en-US" dirty="0"/>
+            </a:p>
+          </p:txBody>
+        </p:sp>
+        <p:sp>
+          <p:nvSpPr>
+            <p:cNvPr id="15" name="Rectangle 14"/>
+            <p:cNvSpPr/>
+            <p:nvPr/>
+          </p:nvSpPr>
+          <p:spPr>
+            <a:xfrm>
+              <a:off x="609600" y="3657600"/>
+              <a:ext cx="990600" cy="762000"/>
+            </a:xfrm>
+            <a:prstGeom prst="rect">
+              <a:avLst/>
+            </a:prstGeom>
+          </p:spPr>
+          <p:style>
+            <a:lnRef idx="2">
+              <a:schemeClr val="dk1"/>
+            </a:lnRef>
+            <a:fillRef idx="1">
+              <a:schemeClr val="lt1"/>
+            </a:fillRef>
+            <a:effectRef idx="0">
+              <a:schemeClr val="dk1"/>
+            </a:effectRef>
+            <a:fontRef idx="minor">
+              <a:schemeClr val="dk1"/>
+            </a:fontRef>
+          </p:style>
+          <p:txBody>
+            <a:bodyPr rtlCol="0" anchor="ctr"/>
+            <a:lstStyle/>
+            <a:p>
+              <a:pPr algn="ctr"/>
+              <a:r>
+                <a:rPr lang="en-US" dirty="0" smtClean="0"/>
+                <a:t>Adapter </a:t>
+              </a:r>
+              <a:r>
+                <a:rPr lang="en-US" dirty="0" err="1" smtClean="0"/>
+                <a:t>Impl</a:t>
+              </a:r>
+              <a:r>
+                <a:rPr lang="en-US" dirty="0" smtClean="0"/>
+                <a:t> 1</a:t>
+              </a:r>
+              <a:endParaRPr lang="en-US" dirty="0"/>
+            </a:p>
+          </p:txBody>
+        </p:sp>
+        <p:sp>
+          <p:nvSpPr>
+            <p:cNvPr id="16" name="Rectangle 15"/>
+            <p:cNvSpPr/>
+            <p:nvPr/>
+          </p:nvSpPr>
+          <p:spPr>
+            <a:xfrm>
+              <a:off x="3505200" y="3657600"/>
+              <a:ext cx="990600" cy="762000"/>
+            </a:xfrm>
+            <a:prstGeom prst="rect">
+              <a:avLst/>
+            </a:prstGeom>
+          </p:spPr>
+          <p:style>
+            <a:lnRef idx="2">
+              <a:schemeClr val="dk1"/>
+            </a:lnRef>
+            <a:fillRef idx="1">
+              <a:schemeClr val="lt1"/>
+            </a:fillRef>
+            <a:effectRef idx="0">
+              <a:schemeClr val="dk1"/>
+            </a:effectRef>
+            <a:fontRef idx="minor">
+              <a:schemeClr val="dk1"/>
+            </a:fontRef>
+          </p:style>
+          <p:txBody>
+            <a:bodyPr rtlCol="0" anchor="ctr"/>
+            <a:lstStyle/>
+            <a:p>
+              <a:pPr algn="ctr"/>
+              <a:r>
+                <a:rPr lang="en-US" dirty="0" smtClean="0"/>
+                <a:t>Adapter </a:t>
+              </a:r>
+              <a:r>
+                <a:rPr lang="en-US" dirty="0" err="1" smtClean="0"/>
+                <a:t>Impl</a:t>
+              </a:r>
+              <a:r>
+                <a:rPr lang="en-US" dirty="0" smtClean="0"/>
+                <a:t> 2</a:t>
+              </a:r>
+              <a:endParaRPr lang="en-US" dirty="0"/>
+            </a:p>
+          </p:txBody>
+        </p:sp>
+        <p:sp>
+          <p:nvSpPr>
+            <p:cNvPr id="17" name="Rectangle 16"/>
+            <p:cNvSpPr/>
+            <p:nvPr/>
+          </p:nvSpPr>
+          <p:spPr>
+            <a:xfrm>
+              <a:off x="609600" y="4876800"/>
+              <a:ext cx="990600" cy="762000"/>
+            </a:xfrm>
+            <a:prstGeom prst="rect">
+              <a:avLst/>
+            </a:prstGeom>
+          </p:spPr>
+          <p:style>
+            <a:lnRef idx="2">
+              <a:schemeClr val="dk1"/>
+            </a:lnRef>
+            <a:fillRef idx="1">
+              <a:schemeClr val="lt1"/>
+            </a:fillRef>
+            <a:effectRef idx="0">
+              <a:schemeClr val="dk1"/>
+            </a:effectRef>
+            <a:fontRef idx="minor">
+              <a:schemeClr val="dk1"/>
+            </a:fontRef>
+          </p:style>
+          <p:txBody>
+            <a:bodyPr rtlCol="0" anchor="ctr"/>
+            <a:lstStyle/>
+            <a:p>
+              <a:pPr algn="ctr"/>
+              <a:r>
+                <a:rPr lang="en-US" dirty="0" smtClean="0"/>
+                <a:t>Client 1</a:t>
+              </a:r>
+              <a:endParaRPr lang="en-US" dirty="0"/>
+            </a:p>
+          </p:txBody>
+        </p:sp>
+        <p:sp>
+          <p:nvSpPr>
+            <p:cNvPr id="18" name="Rectangle 17"/>
+            <p:cNvSpPr/>
+            <p:nvPr/>
+          </p:nvSpPr>
+          <p:spPr>
+            <a:xfrm>
+              <a:off x="3505200" y="4876800"/>
+              <a:ext cx="990600" cy="762000"/>
+            </a:xfrm>
+            <a:prstGeom prst="rect">
+              <a:avLst/>
+            </a:prstGeom>
+          </p:spPr>
+          <p:style>
+            <a:lnRef idx="2">
+              <a:schemeClr val="dk1"/>
+            </a:lnRef>
+            <a:fillRef idx="1">
+              <a:schemeClr val="lt1"/>
+            </a:fillRef>
+            <a:effectRef idx="0">
+              <a:schemeClr val="dk1"/>
+            </a:effectRef>
+            <a:fontRef idx="minor">
+              <a:schemeClr val="dk1"/>
+            </a:fontRef>
+          </p:style>
+          <p:txBody>
+            <a:bodyPr rtlCol="0" anchor="ctr"/>
+            <a:lstStyle/>
+            <a:p>
+              <a:pPr algn="ctr"/>
+              <a:r>
+                <a:rPr lang="en-US" dirty="0" smtClean="0"/>
+                <a:t>Client 2</a:t>
+              </a:r>
+              <a:endParaRPr lang="en-US" dirty="0"/>
+            </a:p>
+          </p:txBody>
+        </p:sp>
+        <p:cxnSp>
+          <p:nvCxnSpPr>
+            <p:cNvPr id="20" name="Straight Arrow Connector 19"/>
+            <p:cNvCxnSpPr>
+              <a:stCxn id="17" idx="0"/>
+              <a:endCxn id="15" idx="2"/>
+            </p:cNvCxnSpPr>
+            <p:nvPr/>
+          </p:nvCxnSpPr>
+          <p:spPr>
+            <a:xfrm flipV="1">
+              <a:off x="1104900" y="4419600"/>
+              <a:ext cx="0" cy="457200"/>
+            </a:xfrm>
+            <a:prstGeom prst="straightConnector1">
+              <a:avLst/>
+            </a:prstGeom>
+            <a:ln>
+              <a:tailEnd type="none"/>
+            </a:ln>
+          </p:spPr>
+          <p:style>
+            <a:lnRef idx="1">
+              <a:schemeClr val="accent1"/>
+            </a:lnRef>
+            <a:fillRef idx="0">
+              <a:schemeClr val="accent1"/>
+            </a:fillRef>
+            <a:effectRef idx="0">
+              <a:schemeClr val="accent1"/>
+            </a:effectRef>
+            <a:fontRef idx="minor">
+              <a:schemeClr val="tx1"/>
+            </a:fontRef>
+          </p:style>
+        </p:cxnSp>
+        <p:cxnSp>
+          <p:nvCxnSpPr>
+            <p:cNvPr id="22" name="Straight Arrow Connector 21"/>
+            <p:cNvCxnSpPr>
+              <a:stCxn id="18" idx="0"/>
+              <a:endCxn id="16" idx="2"/>
+            </p:cNvCxnSpPr>
+            <p:nvPr/>
+          </p:nvCxnSpPr>
+          <p:spPr>
+            <a:xfrm flipV="1">
+              <a:off x="4000500" y="4419600"/>
+              <a:ext cx="0" cy="457200"/>
+            </a:xfrm>
+            <a:prstGeom prst="straightConnector1">
+              <a:avLst/>
+            </a:prstGeom>
+            <a:ln>
+              <a:tailEnd type="none"/>
+            </a:ln>
+          </p:spPr>
+          <p:style>
+            <a:lnRef idx="1">
+              <a:schemeClr val="accent1"/>
+            </a:lnRef>
+            <a:fillRef idx="0">
+              <a:schemeClr val="accent1"/>
+            </a:fillRef>
+            <a:effectRef idx="0">
+              <a:schemeClr val="accent1"/>
+            </a:effectRef>
+            <a:fontRef idx="minor">
+              <a:schemeClr val="tx1"/>
+            </a:fontRef>
+          </p:style>
+        </p:cxnSp>
+        <p:cxnSp>
+          <p:nvCxnSpPr>
+            <p:cNvPr id="24" name="Shape 23"/>
+            <p:cNvCxnSpPr>
+              <a:stCxn id="15" idx="0"/>
+              <a:endCxn id="14" idx="1"/>
+            </p:cNvCxnSpPr>
+            <p:nvPr/>
+          </p:nvCxnSpPr>
+          <p:spPr>
+            <a:xfrm rot="5400000" flipH="1" flipV="1">
+              <a:off x="1390650" y="3067050"/>
+              <a:ext cx="304800" cy="876300"/>
+            </a:xfrm>
+            <a:prstGeom prst="bentConnector2">
+              <a:avLst/>
+            </a:prstGeom>
+            <a:ln>
+              <a:tailEnd type="arrow"/>
+            </a:ln>
+          </p:spPr>
+          <p:style>
+            <a:lnRef idx="1">
+              <a:schemeClr val="accent1"/>
+            </a:lnRef>
+            <a:fillRef idx="0">
+              <a:schemeClr val="accent1"/>
+            </a:fillRef>
+            <a:effectRef idx="0">
+              <a:schemeClr val="accent1"/>
+            </a:effectRef>
+            <a:fontRef idx="minor">
+              <a:schemeClr val="tx1"/>
+            </a:fontRef>
+          </p:style>
+        </p:cxnSp>
+        <p:cxnSp>
+          <p:nvCxnSpPr>
+            <p:cNvPr id="26" name="Shape 25"/>
+            <p:cNvCxnSpPr>
+              <a:stCxn id="16" idx="0"/>
+              <a:endCxn id="14" idx="3"/>
+            </p:cNvCxnSpPr>
+            <p:nvPr/>
+          </p:nvCxnSpPr>
+          <p:spPr>
+            <a:xfrm rot="16200000" flipV="1">
+              <a:off x="3409950" y="3067050"/>
+              <a:ext cx="304800" cy="876300"/>
+            </a:xfrm>
+            <a:prstGeom prst="bentConnector2">
+              <a:avLst/>
+            </a:prstGeom>
+            <a:ln>
+              <a:tailEnd type="arrow"/>
+            </a:ln>
+          </p:spPr>
+          <p:style>
+            <a:lnRef idx="1">
+              <a:schemeClr val="accent1"/>
+            </a:lnRef>
+            <a:fillRef idx="0">
+              <a:schemeClr val="accent1"/>
+            </a:fillRef>
+            <a:effectRef idx="0">
+              <a:schemeClr val="accent1"/>
+            </a:effectRef>
+            <a:fontRef idx="minor">
+              <a:schemeClr val="tx1"/>
+            </a:fontRef>
+          </p:style>
+        </p:cxnSp>
+        <p:cxnSp>
+          <p:nvCxnSpPr>
+            <p:cNvPr id="29" name="Straight Connector 28"/>
+            <p:cNvCxnSpPr>
+              <a:stCxn id="14" idx="0"/>
+              <a:endCxn id="13" idx="2"/>
+            </p:cNvCxnSpPr>
+            <p:nvPr/>
+          </p:nvCxnSpPr>
+          <p:spPr>
+            <a:xfrm flipV="1">
+              <a:off x="2552700" y="2438400"/>
+              <a:ext cx="0" cy="533400"/>
+            </a:xfrm>
+            <a:prstGeom prst="line">
+              <a:avLst/>
+            </a:prstGeom>
+          </p:spPr>
+          <p:style>
+            <a:lnRef idx="1">
+              <a:schemeClr val="accent1"/>
+            </a:lnRef>
+            <a:fillRef idx="0">
+              <a:schemeClr val="accent1"/>
+            </a:fillRef>
+            <a:effectRef idx="0">
+              <a:schemeClr val="accent1"/>
+            </a:effectRef>
+            <a:fontRef idx="minor">
+              <a:schemeClr val="tx1"/>
+            </a:fontRef>
+          </p:style>
+        </p:cxnSp>
+        <p:sp>
+          <p:nvSpPr>
+            <p:cNvPr id="30" name="TextBox 29"/>
+            <p:cNvSpPr txBox="1"/>
+            <p:nvPr/>
+          </p:nvSpPr>
+          <p:spPr>
+            <a:xfrm>
+              <a:off x="1828800" y="2548890"/>
+              <a:ext cx="1447800" cy="307777"/>
+            </a:xfrm>
+            <a:prstGeom prst="rect">
+              <a:avLst/>
+            </a:prstGeom>
+            <a:noFill/>
+          </p:spPr>
+          <p:txBody>
+            <a:bodyPr wrap="square" rtlCol="0">
+              <a:spAutoFit/>
+            </a:bodyPr>
+            <a:lstStyle/>
+            <a:p>
+              <a:pPr algn="ctr"/>
+              <a:r>
+                <a:rPr lang="en-US" sz="1400" i="1" dirty="0" smtClean="0"/>
+                <a:t>Interacts with</a:t>
+              </a:r>
+              <a:endParaRPr lang="en-US" sz="1400" i="1" dirty="0"/>
+            </a:p>
+          </p:txBody>
+        </p:sp>
+        <p:sp>
+          <p:nvSpPr>
+            <p:cNvPr id="32" name="TextBox 31"/>
+            <p:cNvSpPr txBox="1"/>
+            <p:nvPr/>
+          </p:nvSpPr>
+          <p:spPr>
+            <a:xfrm>
+              <a:off x="3276600" y="4495800"/>
+              <a:ext cx="1447800" cy="307777"/>
+            </a:xfrm>
+            <a:prstGeom prst="rect">
+              <a:avLst/>
+            </a:prstGeom>
+            <a:noFill/>
+          </p:spPr>
+          <p:txBody>
+            <a:bodyPr wrap="square" rtlCol="0">
+              <a:spAutoFit/>
+            </a:bodyPr>
+            <a:lstStyle/>
+            <a:p>
+              <a:pPr algn="ctr"/>
+              <a:r>
+                <a:rPr lang="en-US" sz="1400" i="1" dirty="0" smtClean="0"/>
+                <a:t>Interacts with</a:t>
+              </a:r>
+              <a:endParaRPr lang="en-US" sz="1400" i="1" dirty="0"/>
+            </a:p>
+          </p:txBody>
+        </p:sp>
+        <p:sp>
+          <p:nvSpPr>
+            <p:cNvPr id="33" name="TextBox 32"/>
+            <p:cNvSpPr txBox="1"/>
+            <p:nvPr/>
+          </p:nvSpPr>
+          <p:spPr>
+            <a:xfrm>
+              <a:off x="533400" y="3048000"/>
+              <a:ext cx="1143000" cy="307777"/>
+            </a:xfrm>
+            <a:prstGeom prst="rect">
+              <a:avLst/>
+            </a:prstGeom>
+            <a:noFill/>
+          </p:spPr>
+          <p:txBody>
+            <a:bodyPr wrap="square" rtlCol="0">
+              <a:spAutoFit/>
+            </a:bodyPr>
+            <a:lstStyle/>
+            <a:p>
+              <a:pPr algn="ctr"/>
+              <a:r>
+                <a:rPr lang="en-US" sz="1400" i="1" dirty="0" smtClean="0"/>
+                <a:t>Implements</a:t>
+              </a:r>
+              <a:endParaRPr lang="en-US" sz="1400" i="1" dirty="0"/>
+            </a:p>
+          </p:txBody>
+        </p:sp>
+        <p:sp>
+          <p:nvSpPr>
+            <p:cNvPr id="34" name="TextBox 33"/>
+            <p:cNvSpPr txBox="1"/>
+            <p:nvPr/>
+          </p:nvSpPr>
+          <p:spPr>
+            <a:xfrm>
+              <a:off x="3429000" y="3048000"/>
+              <a:ext cx="1143000" cy="307777"/>
+            </a:xfrm>
+            <a:prstGeom prst="rect">
+              <a:avLst/>
+            </a:prstGeom>
+            <a:noFill/>
+          </p:spPr>
+          <p:txBody>
+            <a:bodyPr wrap="square" rtlCol="0">
+              <a:spAutoFit/>
+            </a:bodyPr>
+            <a:lstStyle/>
+            <a:p>
+              <a:pPr algn="ctr"/>
+              <a:r>
+                <a:rPr lang="en-US" sz="1400" i="1" dirty="0" smtClean="0"/>
+                <a:t>Implements</a:t>
+              </a:r>
+              <a:endParaRPr lang="en-US" sz="1400" i="1" dirty="0"/>
+            </a:p>
+          </p:txBody>
+        </p:sp>
+      </p:grpSp>
+    </p:spTree>
+  </p:cSld>
+  <p:clrMapOvr>
+    <a:masterClrMapping/>
+  </p:clrMapOvr>
+</p:sld>
+</file>
+
+<file path=ppt/slides/slide38.xml><?xml version="1.0" encoding="utf-8"?>
+<p:sld xmlns:a="http://schemas.openxmlformats.org/drawingml/2006/main" xmlns:r="http://schemas.openxmlformats.org/officeDocument/2006/relationships" xmlns:p="http://schemas.openxmlformats.org/presentationml/2006/main">
+  <p:cSld>
+    <p:spTree>
+      <p:nvGrpSpPr>
+        <p:cNvPr id="1" name=""/>
+        <p:cNvGrpSpPr/>
+        <p:nvPr/>
+      </p:nvGrpSpPr>
+      <p:grpSpPr>
+        <a:xfrm>
+          <a:off x="0" y="0"/>
+          <a:ext cx="0" cy="0"/>
+          <a:chOff x="0" y="0"/>
+          <a:chExt cx="0" cy="0"/>
+        </a:xfrm>
+      </p:grpSpPr>
+      <p:sp>
+        <p:nvSpPr>
+          <p:cNvPr id="2" name="Title 1"/>
+          <p:cNvSpPr>
+            <a:spLocks noGrp="1"/>
+          </p:cNvSpPr>
+          <p:nvPr>
+            <p:ph type="title"/>
+          </p:nvPr>
+        </p:nvSpPr>
+        <p:spPr/>
+        <p:txBody>
+          <a:bodyPr/>
+          <a:lstStyle/>
+          <a:p>
+            <a:r>
+              <a:rPr lang="en-US" dirty="0" smtClean="0"/>
+              <a:t>Meteor Translation Layers</a:t>
+            </a:r>
+            <a:endParaRPr lang="en-US" dirty="0"/>
+          </a:p>
+        </p:txBody>
+      </p:sp>
+      <p:sp>
+        <p:nvSpPr>
+          <p:cNvPr id="6" name="Text Placeholder 5"/>
+          <p:cNvSpPr>
+            <a:spLocks noGrp="1"/>
+          </p:cNvSpPr>
+          <p:nvPr>
+            <p:ph type="body" idx="1"/>
+          </p:nvPr>
+        </p:nvSpPr>
+        <p:spPr>
+          <a:xfrm>
+            <a:off x="1371600" y="1382713"/>
+            <a:ext cx="2209800" cy="639762"/>
+          </a:xfrm>
+        </p:spPr>
+        <p:txBody>
+          <a:bodyPr/>
+          <a:lstStyle/>
+          <a:p>
+            <a:r>
+              <a:rPr lang="en-US" dirty="0" smtClean="0"/>
+              <a:t>Access Provider</a:t>
+            </a:r>
+            <a:endParaRPr lang="en-US" dirty="0"/>
+          </a:p>
+        </p:txBody>
+      </p:sp>
+      <p:sp>
+        <p:nvSpPr>
+          <p:cNvPr id="8" name="Text Placeholder 7"/>
+          <p:cNvSpPr>
+            <a:spLocks noGrp="1"/>
+          </p:cNvSpPr>
+          <p:nvPr>
+            <p:ph type="body" sz="quarter" idx="3"/>
+          </p:nvPr>
+        </p:nvSpPr>
+        <p:spPr>
+          <a:xfrm>
+            <a:off x="5711825" y="1382713"/>
+            <a:ext cx="1984375" cy="639762"/>
+          </a:xfrm>
+        </p:spPr>
+        <p:txBody>
+          <a:bodyPr/>
+          <a:lstStyle/>
+          <a:p>
+            <a:r>
+              <a:rPr lang="en-US" dirty="0" smtClean="0"/>
+              <a:t>Data Provider</a:t>
+            </a:r>
+            <a:endParaRPr lang="en-US" dirty="0"/>
+          </a:p>
+        </p:txBody>
+      </p:sp>
+      <p:sp>
+        <p:nvSpPr>
+          <p:cNvPr id="5" name="Slide Number Placeholder 4"/>
+          <p:cNvSpPr>
+            <a:spLocks noGrp="1"/>
+          </p:cNvSpPr>
+          <p:nvPr>
+            <p:ph type="sldNum" sz="quarter" idx="12"/>
+          </p:nvPr>
+        </p:nvSpPr>
+        <p:spPr/>
+        <p:txBody>
+          <a:bodyPr/>
+          <a:lstStyle/>
+          <a:p>
+            <a:fld id="{6F99343D-46AE-4C14-8296-D13D823691DC}" type="slidenum">
+              <a:rPr lang="en-US" smtClean="0"/>
+              <a:pPr/>
+              <a:t>38</a:t>
+            </a:fld>
+            <a:endParaRPr lang="en-US" dirty="0"/>
+          </a:p>
+        </p:txBody>
+      </p:sp>
+      <p:sp>
+        <p:nvSpPr>
+          <p:cNvPr id="11" name="Rectangle 10"/>
           <p:cNvSpPr/>
           <p:nvPr/>
         </p:nvSpPr>
         <p:spPr>
           <a:xfrm>
-            <a:off x="1981200" y="1676400"/>
-            <a:ext cx="1143000" cy="762000"/>
+            <a:off x="1966546" y="2209800"/>
+            <a:ext cx="1011115" cy="674077"/>
           </a:xfrm>
           <a:prstGeom prst="rect">
             <a:avLst/>
@@ -13426,23 +14733,23 @@
           <a:p>
             <a:pPr algn="ctr"/>
             <a:r>
-              <a:rPr lang="en-US" dirty="0" smtClean="0"/>
-              <a:t>Target Code</a:t>
-            </a:r>
-            <a:endParaRPr lang="en-US" dirty="0"/>
-          </a:p>
-        </p:txBody>
-      </p:sp>
-      <p:sp>
-        <p:nvSpPr>
-          <p:cNvPr id="14" name="Rectangle 13"/>
+              <a:rPr lang="en-US" sz="1200" dirty="0" smtClean="0"/>
+              <a:t>Data Query Service</a:t>
+            </a:r>
+            <a:endParaRPr lang="en-US" sz="1200" dirty="0"/>
+          </a:p>
+        </p:txBody>
+      </p:sp>
+      <p:sp>
+        <p:nvSpPr>
+          <p:cNvPr id="12" name="Rectangle 11"/>
           <p:cNvSpPr/>
           <p:nvPr/>
         </p:nvSpPr>
         <p:spPr>
           <a:xfrm>
-            <a:off x="1981200" y="2971800"/>
-            <a:ext cx="1143000" cy="762000"/>
+            <a:off x="1966546" y="3276600"/>
+            <a:ext cx="1011115" cy="674077"/>
           </a:xfrm>
           <a:prstGeom prst="rect">
             <a:avLst/>
@@ -13470,23 +14777,304 @@
           <a:p>
             <a:pPr algn="ctr"/>
             <a:r>
-              <a:rPr lang="en-US" dirty="0" smtClean="0"/>
-              <a:t>Adapter Interface</a:t>
-            </a:r>
-            <a:endParaRPr lang="en-US" dirty="0"/>
-          </a:p>
-        </p:txBody>
-      </p:sp>
-      <p:sp>
-        <p:nvSpPr>
-          <p:cNvPr id="15" name="Rectangle 14"/>
+              <a:rPr lang="en-US" sz="1200" dirty="0" smtClean="0"/>
+              <a:t>Data Query</a:t>
+            </a:r>
+          </a:p>
+          <a:p>
+            <a:pPr algn="ctr"/>
+            <a:r>
+              <a:rPr lang="en-US" sz="1200" dirty="0" smtClean="0"/>
+              <a:t>Adapter (AP)</a:t>
+            </a:r>
+            <a:endParaRPr lang="en-US" sz="1200" dirty="0"/>
+          </a:p>
+        </p:txBody>
+      </p:sp>
+      <p:sp>
+        <p:nvSpPr>
+          <p:cNvPr id="13" name="Rectangle 12"/>
           <p:cNvSpPr/>
           <p:nvPr/>
         </p:nvSpPr>
         <p:spPr>
           <a:xfrm>
-            <a:off x="609600" y="3657600"/>
-            <a:ext cx="990600" cy="762000"/>
+            <a:off x="609600" y="3974123"/>
+            <a:ext cx="1143000" cy="674077"/>
+          </a:xfrm>
+          <a:prstGeom prst="rect">
+            <a:avLst/>
+          </a:prstGeom>
+        </p:spPr>
+        <p:style>
+          <a:lnRef idx="2">
+            <a:schemeClr val="accent6">
+              <a:shade val="50000"/>
+            </a:schemeClr>
+          </a:lnRef>
+          <a:fillRef idx="1">
+            <a:schemeClr val="accent6"/>
+          </a:fillRef>
+          <a:effectRef idx="0">
+            <a:schemeClr val="accent6"/>
+          </a:effectRef>
+          <a:fontRef idx="minor">
+            <a:schemeClr val="lt1"/>
+          </a:fontRef>
+        </p:style>
+        <p:txBody>
+          <a:bodyPr rtlCol="0" anchor="ctr"/>
+          <a:lstStyle/>
+          <a:p>
+            <a:pPr algn="ctr"/>
+            <a:r>
+              <a:rPr lang="en-US" sz="1200" b="1" dirty="0" smtClean="0"/>
+              <a:t>Current Data Query Adapter </a:t>
+            </a:r>
+          </a:p>
+          <a:p>
+            <a:pPr algn="ctr"/>
+            <a:r>
+              <a:rPr lang="en-US" sz="1200" b="1" dirty="0" err="1" smtClean="0"/>
+              <a:t>Impl</a:t>
+            </a:r>
+            <a:endParaRPr lang="en-US" sz="1200" b="1" dirty="0"/>
+          </a:p>
+        </p:txBody>
+      </p:sp>
+      <p:sp>
+        <p:nvSpPr>
+          <p:cNvPr id="14" name="Rectangle 13"/>
+          <p:cNvSpPr/>
+          <p:nvPr/>
+        </p:nvSpPr>
+        <p:spPr>
+          <a:xfrm>
+            <a:off x="3200400" y="3962400"/>
+            <a:ext cx="1143000" cy="674077"/>
+          </a:xfrm>
+          <a:prstGeom prst="rect">
+            <a:avLst/>
+          </a:prstGeom>
+        </p:spPr>
+        <p:style>
+          <a:lnRef idx="2">
+            <a:schemeClr val="accent6">
+              <a:shade val="50000"/>
+            </a:schemeClr>
+          </a:lnRef>
+          <a:fillRef idx="1">
+            <a:schemeClr val="accent6"/>
+          </a:fillRef>
+          <a:effectRef idx="0">
+            <a:schemeClr val="accent6"/>
+          </a:effectRef>
+          <a:fontRef idx="minor">
+            <a:schemeClr val="lt1"/>
+          </a:fontRef>
+        </p:style>
+        <p:txBody>
+          <a:bodyPr rtlCol="0" anchor="ctr"/>
+          <a:lstStyle/>
+          <a:p>
+            <a:pPr algn="ctr"/>
+            <a:r>
+              <a:rPr lang="en-US" sz="1200" b="1" dirty="0" smtClean="0"/>
+              <a:t>HPC Data Query Adapter </a:t>
+            </a:r>
+            <a:r>
+              <a:rPr lang="en-US" sz="1200" b="1" dirty="0" err="1" smtClean="0"/>
+              <a:t>Impl</a:t>
+            </a:r>
+            <a:endParaRPr lang="en-US" sz="1200" b="1" dirty="0"/>
+          </a:p>
+        </p:txBody>
+      </p:sp>
+      <p:cxnSp>
+        <p:nvCxnSpPr>
+          <p:cNvPr id="17" name="Straight Arrow Connector 16"/>
+          <p:cNvCxnSpPr>
+            <a:endCxn id="13" idx="2"/>
+          </p:cNvCxnSpPr>
+          <p:nvPr/>
+        </p:nvCxnSpPr>
+        <p:spPr>
+          <a:xfrm flipV="1">
+            <a:off x="1181100" y="4648200"/>
+            <a:ext cx="0" cy="328246"/>
+          </a:xfrm>
+          <a:prstGeom prst="straightConnector1">
+            <a:avLst/>
+          </a:prstGeom>
+          <a:ln>
+            <a:tailEnd type="none"/>
+          </a:ln>
+        </p:spPr>
+        <p:style>
+          <a:lnRef idx="1">
+            <a:schemeClr val="accent1"/>
+          </a:lnRef>
+          <a:fillRef idx="0">
+            <a:schemeClr val="accent1"/>
+          </a:fillRef>
+          <a:effectRef idx="0">
+            <a:schemeClr val="accent1"/>
+          </a:effectRef>
+          <a:fontRef idx="minor">
+            <a:schemeClr val="tx1"/>
+          </a:fontRef>
+        </p:style>
+      </p:cxnSp>
+      <p:cxnSp>
+        <p:nvCxnSpPr>
+          <p:cNvPr id="18" name="Straight Arrow Connector 17"/>
+          <p:cNvCxnSpPr>
+            <a:endCxn id="14" idx="2"/>
+          </p:cNvCxnSpPr>
+          <p:nvPr/>
+        </p:nvCxnSpPr>
+        <p:spPr>
+          <a:xfrm flipV="1">
+            <a:off x="3771900" y="4636477"/>
+            <a:ext cx="0" cy="316523"/>
+          </a:xfrm>
+          <a:prstGeom prst="straightConnector1">
+            <a:avLst/>
+          </a:prstGeom>
+          <a:ln>
+            <a:tailEnd type="none"/>
+          </a:ln>
+        </p:spPr>
+        <p:style>
+          <a:lnRef idx="1">
+            <a:schemeClr val="accent1"/>
+          </a:lnRef>
+          <a:fillRef idx="0">
+            <a:schemeClr val="accent1"/>
+          </a:fillRef>
+          <a:effectRef idx="0">
+            <a:schemeClr val="accent1"/>
+          </a:effectRef>
+          <a:fontRef idx="minor">
+            <a:schemeClr val="tx1"/>
+          </a:fontRef>
+        </p:style>
+      </p:cxnSp>
+      <p:cxnSp>
+        <p:nvCxnSpPr>
+          <p:cNvPr id="19" name="Shape 18"/>
+          <p:cNvCxnSpPr>
+            <a:stCxn id="13" idx="0"/>
+            <a:endCxn id="12" idx="1"/>
+          </p:cNvCxnSpPr>
+          <p:nvPr/>
+        </p:nvCxnSpPr>
+        <p:spPr>
+          <a:xfrm rot="5400000" flipH="1" flipV="1">
+            <a:off x="1393581" y="3401158"/>
+            <a:ext cx="360484" cy="785446"/>
+          </a:xfrm>
+          <a:prstGeom prst="bentConnector2">
+            <a:avLst/>
+          </a:prstGeom>
+          <a:ln>
+            <a:tailEnd type="arrow"/>
+          </a:ln>
+        </p:spPr>
+        <p:style>
+          <a:lnRef idx="1">
+            <a:schemeClr val="accent1"/>
+          </a:lnRef>
+          <a:fillRef idx="0">
+            <a:schemeClr val="accent1"/>
+          </a:fillRef>
+          <a:effectRef idx="0">
+            <a:schemeClr val="accent1"/>
+          </a:effectRef>
+          <a:fontRef idx="minor">
+            <a:schemeClr val="tx1"/>
+          </a:fontRef>
+        </p:style>
+      </p:cxnSp>
+      <p:cxnSp>
+        <p:nvCxnSpPr>
+          <p:cNvPr id="20" name="Shape 19"/>
+          <p:cNvCxnSpPr>
+            <a:stCxn id="14" idx="0"/>
+            <a:endCxn id="12" idx="3"/>
+          </p:cNvCxnSpPr>
+          <p:nvPr/>
+        </p:nvCxnSpPr>
+        <p:spPr>
+          <a:xfrm rot="16200000" flipV="1">
+            <a:off x="3200401" y="3390900"/>
+            <a:ext cx="348761" cy="794239"/>
+          </a:xfrm>
+          <a:prstGeom prst="bentConnector2">
+            <a:avLst/>
+          </a:prstGeom>
+          <a:ln>
+            <a:tailEnd type="arrow"/>
+          </a:ln>
+        </p:spPr>
+        <p:style>
+          <a:lnRef idx="1">
+            <a:schemeClr val="accent1"/>
+          </a:lnRef>
+          <a:fillRef idx="0">
+            <a:schemeClr val="accent1"/>
+          </a:fillRef>
+          <a:effectRef idx="0">
+            <a:schemeClr val="accent1"/>
+          </a:effectRef>
+          <a:fontRef idx="minor">
+            <a:schemeClr val="tx1"/>
+          </a:fontRef>
+        </p:style>
+      </p:cxnSp>
+      <p:cxnSp>
+        <p:nvCxnSpPr>
+          <p:cNvPr id="21" name="Straight Connector 20"/>
+          <p:cNvCxnSpPr>
+            <a:stCxn id="12" idx="0"/>
+            <a:endCxn id="11" idx="2"/>
+          </p:cNvCxnSpPr>
+          <p:nvPr/>
+        </p:nvCxnSpPr>
+        <p:spPr>
+          <a:xfrm flipV="1">
+            <a:off x="2472104" y="2883877"/>
+            <a:ext cx="0" cy="392723"/>
+          </a:xfrm>
+          <a:prstGeom prst="line">
+            <a:avLst/>
+          </a:prstGeom>
+        </p:spPr>
+        <p:style>
+          <a:lnRef idx="1">
+            <a:schemeClr val="accent1"/>
+          </a:lnRef>
+          <a:fillRef idx="0">
+            <a:schemeClr val="accent1"/>
+          </a:fillRef>
+          <a:effectRef idx="0">
+            <a:schemeClr val="accent1"/>
+          </a:effectRef>
+          <a:fontRef idx="minor">
+            <a:schemeClr val="tx1"/>
+          </a:fontRef>
+        </p:style>
+      </p:cxnSp>
+      <p:sp>
+        <p:nvSpPr>
+          <p:cNvPr id="47" name="Rectangle 46"/>
+          <p:cNvSpPr/>
+          <p:nvPr/>
+        </p:nvSpPr>
+        <p:spPr>
+          <a:xfrm>
+            <a:off x="609600" y="4953000"/>
+            <a:ext cx="1371600" cy="674077"/>
           </a:xfrm>
           <a:prstGeom prst="rect">
             <a:avLst/>
@@ -13512,31 +15100,23 @@
           <a:p>
             <a:pPr algn="ctr"/>
             <a:r>
-              <a:rPr lang="en-US" dirty="0" smtClean="0"/>
-              <a:t>Adapter </a:t>
-            </a:r>
-            <a:r>
-              <a:rPr lang="en-US" dirty="0" err="1" smtClean="0"/>
-              <a:t>Impl</a:t>
-            </a:r>
-            <a:r>
-              <a:rPr lang="en-US" dirty="0" smtClean="0"/>
-              <a:t> 1</a:t>
-            </a:r>
-            <a:endParaRPr lang="en-US" dirty="0"/>
-          </a:p>
-        </p:txBody>
-      </p:sp>
-      <p:sp>
-        <p:nvSpPr>
-          <p:cNvPr id="16" name="Rectangle 15"/>
+              <a:rPr lang="en-US" sz="1200" dirty="0" smtClean="0"/>
+              <a:t>Meteor 4.0 Request/Response Data</a:t>
+            </a:r>
+            <a:endParaRPr lang="en-US" sz="1200" dirty="0"/>
+          </a:p>
+        </p:txBody>
+      </p:sp>
+      <p:sp>
+        <p:nvSpPr>
+          <p:cNvPr id="48" name="Rectangle 47"/>
           <p:cNvSpPr/>
           <p:nvPr/>
         </p:nvSpPr>
         <p:spPr>
           <a:xfrm>
-            <a:off x="3505200" y="3657600"/>
-            <a:ext cx="990600" cy="762000"/>
+            <a:off x="2971800" y="4953000"/>
+            <a:ext cx="1371600" cy="674077"/>
           </a:xfrm>
           <a:prstGeom prst="rect">
             <a:avLst/>
@@ -13562,31 +15142,243 @@
           <a:p>
             <a:pPr algn="ctr"/>
             <a:r>
-              <a:rPr lang="en-US" dirty="0" smtClean="0"/>
-              <a:t>Adapter </a:t>
-            </a:r>
-            <a:r>
-              <a:rPr lang="en-US" dirty="0" err="1" smtClean="0"/>
-              <a:t>Impl</a:t>
-            </a:r>
-            <a:r>
-              <a:rPr lang="en-US" dirty="0" smtClean="0"/>
-              <a:t> 2</a:t>
-            </a:r>
-            <a:endParaRPr lang="en-US" dirty="0"/>
-          </a:p>
-        </p:txBody>
-      </p:sp>
-      <p:sp>
-        <p:nvSpPr>
-          <p:cNvPr id="17" name="Rectangle 16"/>
+              <a:rPr lang="en-US" sz="1200" dirty="0" smtClean="0"/>
+              <a:t>Legacy Meteor Request/Response Data (HPC)</a:t>
+            </a:r>
+            <a:endParaRPr lang="en-US" sz="1200" dirty="0"/>
+          </a:p>
+        </p:txBody>
+      </p:sp>
+      <p:sp>
+        <p:nvSpPr>
+          <p:cNvPr id="53" name="Rectangle 52"/>
           <p:cNvSpPr/>
           <p:nvPr/>
         </p:nvSpPr>
         <p:spPr>
           <a:xfrm>
-            <a:off x="609600" y="4876800"/>
-            <a:ext cx="990600" cy="762000"/>
+            <a:off x="4800600" y="3288323"/>
+            <a:ext cx="1143000" cy="674077"/>
+          </a:xfrm>
+          <a:prstGeom prst="rect">
+            <a:avLst/>
+          </a:prstGeom>
+        </p:spPr>
+        <p:style>
+          <a:lnRef idx="2">
+            <a:schemeClr val="accent6">
+              <a:shade val="50000"/>
+            </a:schemeClr>
+          </a:lnRef>
+          <a:fillRef idx="1">
+            <a:schemeClr val="accent6"/>
+          </a:fillRef>
+          <a:effectRef idx="0">
+            <a:schemeClr val="accent6"/>
+          </a:effectRef>
+          <a:fontRef idx="minor">
+            <a:schemeClr val="lt1"/>
+          </a:fontRef>
+        </p:style>
+        <p:txBody>
+          <a:bodyPr rtlCol="0" anchor="ctr"/>
+          <a:lstStyle/>
+          <a:p>
+            <a:pPr algn="ctr"/>
+            <a:r>
+              <a:rPr lang="en-US" sz="1200" b="1" dirty="0" smtClean="0"/>
+              <a:t>Data Query Adapter </a:t>
+            </a:r>
+          </a:p>
+          <a:p>
+            <a:pPr algn="ctr"/>
+            <a:r>
+              <a:rPr lang="en-US" sz="1200" b="1" dirty="0" err="1" smtClean="0"/>
+              <a:t>Impl</a:t>
+            </a:r>
+            <a:endParaRPr lang="en-US" sz="1200" b="1" dirty="0"/>
+          </a:p>
+        </p:txBody>
+      </p:sp>
+      <p:sp>
+        <p:nvSpPr>
+          <p:cNvPr id="54" name="Rectangle 53"/>
+          <p:cNvSpPr/>
+          <p:nvPr/>
+        </p:nvSpPr>
+        <p:spPr>
+          <a:xfrm>
+            <a:off x="7391400" y="3276600"/>
+            <a:ext cx="1143000" cy="674077"/>
+          </a:xfrm>
+          <a:prstGeom prst="rect">
+            <a:avLst/>
+          </a:prstGeom>
+        </p:spPr>
+        <p:style>
+          <a:lnRef idx="2">
+            <a:schemeClr val="accent6">
+              <a:shade val="50000"/>
+            </a:schemeClr>
+          </a:lnRef>
+          <a:fillRef idx="1">
+            <a:schemeClr val="accent6"/>
+          </a:fillRef>
+          <a:effectRef idx="0">
+            <a:schemeClr val="accent6"/>
+          </a:effectRef>
+          <a:fontRef idx="minor">
+            <a:schemeClr val="lt1"/>
+          </a:fontRef>
+        </p:style>
+        <p:txBody>
+          <a:bodyPr rtlCol="0" anchor="ctr"/>
+          <a:lstStyle/>
+          <a:p>
+            <a:pPr algn="ctr"/>
+            <a:r>
+              <a:rPr lang="en-US" sz="1200" b="1" dirty="0" smtClean="0"/>
+              <a:t>HPC Data Query Adapter </a:t>
+            </a:r>
+            <a:r>
+              <a:rPr lang="en-US" sz="1200" b="1" dirty="0" err="1" smtClean="0"/>
+              <a:t>Impl</a:t>
+            </a:r>
+            <a:endParaRPr lang="en-US" sz="1200" b="1" dirty="0"/>
+          </a:p>
+        </p:txBody>
+      </p:sp>
+      <p:sp>
+        <p:nvSpPr>
+          <p:cNvPr id="51" name="Rectangle 50"/>
+          <p:cNvSpPr/>
+          <p:nvPr/>
+        </p:nvSpPr>
+        <p:spPr>
+          <a:xfrm>
+            <a:off x="6157546" y="3974123"/>
+            <a:ext cx="1011115" cy="674077"/>
+          </a:xfrm>
+          <a:prstGeom prst="rect">
+            <a:avLst/>
+          </a:prstGeom>
+        </p:spPr>
+        <p:style>
+          <a:lnRef idx="2">
+            <a:schemeClr val="accent1">
+              <a:shade val="50000"/>
+            </a:schemeClr>
+          </a:lnRef>
+          <a:fillRef idx="1">
+            <a:schemeClr val="accent1"/>
+          </a:fillRef>
+          <a:effectRef idx="0">
+            <a:schemeClr val="accent1"/>
+          </a:effectRef>
+          <a:fontRef idx="minor">
+            <a:schemeClr val="lt1"/>
+          </a:fontRef>
+        </p:style>
+        <p:txBody>
+          <a:bodyPr rtlCol="0" anchor="ctr"/>
+          <a:lstStyle/>
+          <a:p>
+            <a:pPr algn="ctr"/>
+            <a:r>
+              <a:rPr lang="en-US" sz="1200" dirty="0" smtClean="0"/>
+              <a:t>Data Query Adapter (DP)</a:t>
+            </a:r>
+            <a:endParaRPr lang="en-US" sz="1200" dirty="0"/>
+          </a:p>
+        </p:txBody>
+      </p:sp>
+      <p:sp>
+        <p:nvSpPr>
+          <p:cNvPr id="52" name="Rectangle 51"/>
+          <p:cNvSpPr/>
+          <p:nvPr/>
+        </p:nvSpPr>
+        <p:spPr>
+          <a:xfrm>
+            <a:off x="6157546" y="4964723"/>
+            <a:ext cx="1011115" cy="674077"/>
+          </a:xfrm>
+          <a:prstGeom prst="rect">
+            <a:avLst/>
+          </a:prstGeom>
+        </p:spPr>
+        <p:style>
+          <a:lnRef idx="2">
+            <a:schemeClr val="accent1">
+              <a:shade val="50000"/>
+            </a:schemeClr>
+          </a:lnRef>
+          <a:fillRef idx="1">
+            <a:schemeClr val="accent1"/>
+          </a:fillRef>
+          <a:effectRef idx="0">
+            <a:schemeClr val="accent1"/>
+          </a:effectRef>
+          <a:fontRef idx="minor">
+            <a:schemeClr val="lt1"/>
+          </a:fontRef>
+        </p:style>
+        <p:txBody>
+          <a:bodyPr rtlCol="0" anchor="ctr"/>
+          <a:lstStyle/>
+          <a:p>
+            <a:pPr algn="ctr"/>
+            <a:r>
+              <a:rPr lang="en-US" sz="1200" dirty="0" smtClean="0"/>
+              <a:t>Data Provider Manager</a:t>
+            </a:r>
+            <a:endParaRPr lang="en-US" sz="1200" dirty="0"/>
+          </a:p>
+        </p:txBody>
+      </p:sp>
+      <p:cxnSp>
+        <p:nvCxnSpPr>
+          <p:cNvPr id="59" name="Straight Connector 58"/>
+          <p:cNvCxnSpPr>
+            <a:stCxn id="52" idx="0"/>
+            <a:endCxn id="51" idx="2"/>
+          </p:cNvCxnSpPr>
+          <p:nvPr/>
+        </p:nvCxnSpPr>
+        <p:spPr>
+          <a:xfrm flipV="1">
+            <a:off x="6663104" y="4648200"/>
+            <a:ext cx="0" cy="316523"/>
+          </a:xfrm>
+          <a:prstGeom prst="line">
+            <a:avLst/>
+          </a:prstGeom>
+        </p:spPr>
+        <p:style>
+          <a:lnRef idx="1">
+            <a:schemeClr val="accent1"/>
+          </a:lnRef>
+          <a:fillRef idx="0">
+            <a:schemeClr val="accent1"/>
+          </a:fillRef>
+          <a:effectRef idx="0">
+            <a:schemeClr val="accent1"/>
+          </a:effectRef>
+          <a:fontRef idx="minor">
+            <a:schemeClr val="tx1"/>
+          </a:fontRef>
+        </p:style>
+      </p:cxnSp>
+      <p:sp>
+        <p:nvSpPr>
+          <p:cNvPr id="60" name="Rectangle 59"/>
+          <p:cNvSpPr/>
+          <p:nvPr/>
+        </p:nvSpPr>
+        <p:spPr>
+          <a:xfrm>
+            <a:off x="4800600" y="2221523"/>
+            <a:ext cx="1371600" cy="674077"/>
           </a:xfrm>
           <a:prstGeom prst="rect">
             <a:avLst/>
@@ -13612,23 +15404,23 @@
           <a:p>
             <a:pPr algn="ctr"/>
             <a:r>
-              <a:rPr lang="en-US" dirty="0" smtClean="0"/>
-              <a:t>Client 1</a:t>
-            </a:r>
-            <a:endParaRPr lang="en-US" dirty="0"/>
-          </a:p>
-        </p:txBody>
-      </p:sp>
-      <p:sp>
-        <p:nvSpPr>
-          <p:cNvPr id="18" name="Rectangle 17"/>
+              <a:rPr lang="en-US" sz="1200" dirty="0" smtClean="0"/>
+              <a:t>Meteor 4.0 Request/Response Data</a:t>
+            </a:r>
+            <a:endParaRPr lang="en-US" sz="1200" dirty="0"/>
+          </a:p>
+        </p:txBody>
+      </p:sp>
+      <p:sp>
+        <p:nvSpPr>
+          <p:cNvPr id="61" name="Rectangle 60"/>
           <p:cNvSpPr/>
           <p:nvPr/>
         </p:nvSpPr>
         <p:spPr>
           <a:xfrm>
-            <a:off x="3505200" y="4876800"/>
-            <a:ext cx="990600" cy="762000"/>
+            <a:off x="7162800" y="2209800"/>
+            <a:ext cx="1371600" cy="674077"/>
           </a:xfrm>
           <a:prstGeom prst="rect">
             <a:avLst/>
@@ -13654,32 +15446,31 @@
           <a:p>
             <a:pPr algn="ctr"/>
             <a:r>
-              <a:rPr lang="en-US" dirty="0" smtClean="0"/>
-              <a:t>Client 2</a:t>
-            </a:r>
-            <a:endParaRPr lang="en-US" dirty="0"/>
+              <a:rPr lang="en-US" sz="1200" dirty="0" smtClean="0"/>
+              <a:t>Legacy Meteor Request/Response Data (HPC)</a:t>
+            </a:r>
+            <a:endParaRPr lang="en-US" sz="1200" dirty="0"/>
           </a:p>
         </p:txBody>
       </p:sp>
       <p:cxnSp>
         <p:nvCxnSpPr>
-          <p:cNvPr id="20" name="Straight Arrow Connector 19"/>
+          <p:cNvPr id="65" name="Shape 64"/>
           <p:cNvCxnSpPr>
-            <a:stCxn id="17" idx="0"/>
-            <a:endCxn id="15" idx="2"/>
+            <a:stCxn id="53" idx="2"/>
           </p:cNvCxnSpPr>
           <p:nvPr/>
         </p:nvCxnSpPr>
         <p:spPr>
-          <a:xfrm flipV="1">
-            <a:off x="1104900" y="4419600"/>
-            <a:ext cx="0" cy="457200"/>
-          </a:xfrm>
-          <a:prstGeom prst="straightConnector1">
+          <a:xfrm rot="16200000" flipH="1">
+            <a:off x="5590442" y="3744058"/>
+            <a:ext cx="348762" cy="785446"/>
+          </a:xfrm>
+          <a:prstGeom prst="bentConnector2">
             <a:avLst/>
           </a:prstGeom>
           <a:ln>
-            <a:tailEnd type="none"/>
+            <a:tailEnd type="arrow"/>
           </a:ln>
         </p:spPr>
         <p:style>
@@ -13699,23 +15490,22 @@
       </p:cxnSp>
       <p:cxnSp>
         <p:nvCxnSpPr>
-          <p:cNvPr id="22" name="Straight Arrow Connector 21"/>
+          <p:cNvPr id="69" name="Shape 68"/>
           <p:cNvCxnSpPr>
-            <a:stCxn id="18" idx="0"/>
-            <a:endCxn id="16" idx="2"/>
+            <a:stCxn id="54" idx="2"/>
           </p:cNvCxnSpPr>
           <p:nvPr/>
         </p:nvCxnSpPr>
         <p:spPr>
-          <a:xfrm flipV="1">
-            <a:off x="4000500" y="4419600"/>
-            <a:ext cx="0" cy="457200"/>
-          </a:xfrm>
-          <a:prstGeom prst="straightConnector1">
+          <a:xfrm rot="5400000">
+            <a:off x="7385539" y="3733800"/>
+            <a:ext cx="360485" cy="794239"/>
+          </a:xfrm>
+          <a:prstGeom prst="bentConnector2">
             <a:avLst/>
           </a:prstGeom>
           <a:ln>
-            <a:tailEnd type="none"/>
+            <a:tailEnd type="arrow"/>
           </a:ln>
         </p:spPr>
         <p:style>
@@ -13735,24 +15525,20 @@
       </p:cxnSp>
       <p:cxnSp>
         <p:nvCxnSpPr>
-          <p:cNvPr id="24" name="Shape 23"/>
+          <p:cNvPr id="74" name="Straight Connector 73"/>
           <p:cNvCxnSpPr>
-            <a:stCxn id="15" idx="0"/>
-            <a:endCxn id="14" idx="1"/>
+            <a:stCxn id="53" idx="0"/>
           </p:cNvCxnSpPr>
           <p:nvPr/>
         </p:nvCxnSpPr>
         <p:spPr>
-          <a:xfrm rot="5400000" flipH="1" flipV="1">
-            <a:off x="1390650" y="3067050"/>
-            <a:ext cx="304800" cy="876300"/>
-          </a:xfrm>
-          <a:prstGeom prst="bentConnector2">
+          <a:xfrm flipV="1">
+            <a:off x="5372100" y="2883877"/>
+            <a:ext cx="0" cy="404446"/>
+          </a:xfrm>
+          <a:prstGeom prst="line">
             <a:avLst/>
           </a:prstGeom>
-          <a:ln>
-            <a:tailEnd type="arrow"/>
-          </a:ln>
         </p:spPr>
         <p:style>
           <a:lnRef idx="1">
@@ -13771,24 +15557,20 @@
       </p:cxnSp>
       <p:cxnSp>
         <p:nvCxnSpPr>
-          <p:cNvPr id="26" name="Shape 25"/>
+          <p:cNvPr id="50" name="Straight Connector 49"/>
           <p:cNvCxnSpPr>
-            <a:stCxn id="16" idx="0"/>
-            <a:endCxn id="14" idx="3"/>
+            <a:stCxn id="54" idx="0"/>
           </p:cNvCxnSpPr>
           <p:nvPr/>
         </p:nvCxnSpPr>
         <p:spPr>
-          <a:xfrm rot="16200000" flipV="1">
-            <a:off x="3409950" y="3067050"/>
-            <a:ext cx="304800" cy="876300"/>
-          </a:xfrm>
-          <a:prstGeom prst="bentConnector2">
+          <a:xfrm flipV="1">
+            <a:off x="7962900" y="2872154"/>
+            <a:ext cx="952" cy="404446"/>
+          </a:xfrm>
+          <a:prstGeom prst="line">
             <a:avLst/>
           </a:prstGeom>
-          <a:ln>
-            <a:tailEnd type="arrow"/>
-          </a:ln>
         </p:spPr>
         <p:style>
           <a:lnRef idx="1">
@@ -13805,191 +15587,138 @@
           </a:fontRef>
         </p:style>
       </p:cxnSp>
-      <p:cxnSp>
-        <p:nvCxnSpPr>
-          <p:cNvPr id="29" name="Straight Connector 28"/>
-          <p:cNvCxnSpPr>
-            <a:stCxn id="14" idx="0"/>
-            <a:endCxn id="13" idx="2"/>
-          </p:cNvCxnSpPr>
-          <p:nvPr/>
-        </p:nvCxnSpPr>
-        <p:spPr>
-          <a:xfrm flipV="1">
-            <a:off x="2552700" y="2438400"/>
-            <a:ext cx="0" cy="533400"/>
-          </a:xfrm>
-          <a:prstGeom prst="line">
-            <a:avLst/>
-          </a:prstGeom>
-        </p:spPr>
-        <p:style>
-          <a:lnRef idx="1">
-            <a:schemeClr val="accent1"/>
-          </a:lnRef>
-          <a:fillRef idx="0">
-            <a:schemeClr val="accent1"/>
-          </a:fillRef>
-          <a:effectRef idx="0">
-            <a:schemeClr val="accent1"/>
-          </a:effectRef>
-          <a:fontRef idx="minor">
-            <a:schemeClr val="tx1"/>
-          </a:fontRef>
-        </p:style>
-      </p:cxnSp>
-      <p:sp>
-        <p:nvSpPr>
-          <p:cNvPr id="30" name="TextBox 29"/>
-          <p:cNvSpPr txBox="1"/>
-          <p:nvPr/>
-        </p:nvSpPr>
-        <p:spPr>
-          <a:xfrm>
-            <a:off x="1828800" y="2548890"/>
-            <a:ext cx="1447800" cy="307777"/>
-          </a:xfrm>
-          <a:prstGeom prst="rect">
-            <a:avLst/>
-          </a:prstGeom>
-          <a:noFill/>
-        </p:spPr>
-        <p:txBody>
-          <a:bodyPr wrap="square" rtlCol="0">
-            <a:spAutoFit/>
-          </a:bodyPr>
-          <a:lstStyle/>
-          <a:p>
-            <a:pPr algn="ctr"/>
-            <a:r>
-              <a:rPr lang="en-US" sz="1400" i="1" dirty="0" smtClean="0"/>
-              <a:t>Interacts with</a:t>
-            </a:r>
-            <a:endParaRPr lang="en-US" sz="1400" i="1" dirty="0"/>
-          </a:p>
-        </p:txBody>
-      </p:sp>
-      <p:sp>
-        <p:nvSpPr>
-          <p:cNvPr id="31" name="TextBox 30"/>
-          <p:cNvSpPr txBox="1"/>
-          <p:nvPr/>
-        </p:nvSpPr>
-        <p:spPr>
-          <a:xfrm>
-            <a:off x="381000" y="4495800"/>
-            <a:ext cx="1447800" cy="307777"/>
-          </a:xfrm>
-          <a:prstGeom prst="rect">
-            <a:avLst/>
-          </a:prstGeom>
-          <a:noFill/>
-        </p:spPr>
-        <p:txBody>
-          <a:bodyPr wrap="square" rtlCol="0">
-            <a:spAutoFit/>
-          </a:bodyPr>
-          <a:lstStyle/>
-          <a:p>
-            <a:pPr algn="ctr"/>
-            <a:r>
-              <a:rPr lang="en-US" sz="1400" i="1" dirty="0" smtClean="0"/>
-              <a:t>Interacts with</a:t>
-            </a:r>
-            <a:endParaRPr lang="en-US" sz="1400" i="1" dirty="0"/>
-          </a:p>
-        </p:txBody>
-      </p:sp>
-      <p:sp>
-        <p:nvSpPr>
-          <p:cNvPr id="32" name="TextBox 31"/>
-          <p:cNvSpPr txBox="1"/>
-          <p:nvPr/>
-        </p:nvSpPr>
-        <p:spPr>
-          <a:xfrm>
-            <a:off x="3276600" y="4495800"/>
-            <a:ext cx="1447800" cy="307777"/>
-          </a:xfrm>
-          <a:prstGeom prst="rect">
-            <a:avLst/>
-          </a:prstGeom>
-          <a:noFill/>
-        </p:spPr>
-        <p:txBody>
-          <a:bodyPr wrap="square" rtlCol="0">
-            <a:spAutoFit/>
-          </a:bodyPr>
-          <a:lstStyle/>
-          <a:p>
-            <a:pPr algn="ctr"/>
-            <a:r>
-              <a:rPr lang="en-US" sz="1400" i="1" dirty="0" smtClean="0"/>
-              <a:t>Interacts with</a:t>
-            </a:r>
-            <a:endParaRPr lang="en-US" sz="1400" i="1" dirty="0"/>
-          </a:p>
-        </p:txBody>
-      </p:sp>
-      <p:sp>
-        <p:nvSpPr>
-          <p:cNvPr id="33" name="TextBox 32"/>
-          <p:cNvSpPr txBox="1"/>
-          <p:nvPr/>
-        </p:nvSpPr>
-        <p:spPr>
-          <a:xfrm>
-            <a:off x="533400" y="3048000"/>
-            <a:ext cx="1143000" cy="307777"/>
-          </a:xfrm>
-          <a:prstGeom prst="rect">
-            <a:avLst/>
-          </a:prstGeom>
-          <a:noFill/>
-        </p:spPr>
-        <p:txBody>
-          <a:bodyPr wrap="square" rtlCol="0">
-            <a:spAutoFit/>
-          </a:bodyPr>
-          <a:lstStyle/>
-          <a:p>
-            <a:pPr algn="ctr"/>
-            <a:r>
-              <a:rPr lang="en-US" sz="1400" i="1" dirty="0" smtClean="0"/>
-              <a:t>Implements</a:t>
-            </a:r>
-            <a:endParaRPr lang="en-US" sz="1400" i="1" dirty="0"/>
-          </a:p>
-        </p:txBody>
-      </p:sp>
-      <p:sp>
-        <p:nvSpPr>
-          <p:cNvPr id="34" name="TextBox 33"/>
-          <p:cNvSpPr txBox="1"/>
-          <p:nvPr/>
-        </p:nvSpPr>
-        <p:spPr>
-          <a:xfrm>
-            <a:off x="3429000" y="3048000"/>
-            <a:ext cx="1143000" cy="307777"/>
-          </a:xfrm>
-          <a:prstGeom prst="rect">
-            <a:avLst/>
-          </a:prstGeom>
-          <a:noFill/>
-        </p:spPr>
-        <p:txBody>
-          <a:bodyPr wrap="square" rtlCol="0">
-            <a:spAutoFit/>
-          </a:bodyPr>
-          <a:lstStyle/>
-          <a:p>
-            <a:pPr algn="ctr"/>
-            <a:r>
-              <a:rPr lang="en-US" sz="1400" i="1" dirty="0" smtClean="0"/>
-              <a:t>Implements</a:t>
-            </a:r>
-            <a:endParaRPr lang="en-US" sz="1400" i="1" dirty="0"/>
+    </p:spTree>
+  </p:cSld>
+  <p:clrMapOvr>
+    <a:masterClrMapping/>
+  </p:clrMapOvr>
+</p:sld>
+</file>
+
+<file path=ppt/slides/slide39.xml><?xml version="1.0" encoding="utf-8"?>
+<p:sld xmlns:a="http://schemas.openxmlformats.org/drawingml/2006/main" xmlns:r="http://schemas.openxmlformats.org/officeDocument/2006/relationships" xmlns:p="http://schemas.openxmlformats.org/presentationml/2006/main">
+  <p:cSld>
+    <p:spTree>
+      <p:nvGrpSpPr>
+        <p:cNvPr id="1" name=""/>
+        <p:cNvGrpSpPr/>
+        <p:nvPr/>
+      </p:nvGrpSpPr>
+      <p:grpSpPr>
+        <a:xfrm>
+          <a:off x="0" y="0"/>
+          <a:ext cx="0" cy="0"/>
+          <a:chOff x="0" y="0"/>
+          <a:chExt cx="0" cy="0"/>
+        </a:xfrm>
+      </p:grpSpPr>
+      <p:sp>
+        <p:nvSpPr>
+          <p:cNvPr id="8" name="Title 7"/>
+          <p:cNvSpPr>
+            <a:spLocks noGrp="1"/>
+          </p:cNvSpPr>
+          <p:nvPr>
+            <p:ph type="title"/>
+          </p:nvPr>
+        </p:nvSpPr>
+        <p:spPr/>
+        <p:txBody>
+          <a:bodyPr/>
+          <a:lstStyle/>
+          <a:p>
+            <a:r>
+              <a:rPr lang="en-US" dirty="0" smtClean="0"/>
+              <a:t>Access Provider Translation Layer</a:t>
+            </a:r>
+            <a:endParaRPr lang="en-US" dirty="0"/>
+          </a:p>
+        </p:txBody>
+      </p:sp>
+      <p:sp>
+        <p:nvSpPr>
+          <p:cNvPr id="9" name="Content Placeholder 8"/>
+          <p:cNvSpPr>
+            <a:spLocks noGrp="1"/>
+          </p:cNvSpPr>
+          <p:nvPr>
+            <p:ph idx="1"/>
+          </p:nvPr>
+        </p:nvSpPr>
+        <p:spPr/>
+        <p:txBody>
+          <a:bodyPr/>
+          <a:lstStyle/>
+          <a:p>
+            <a:r>
+              <a:rPr lang="en-US" dirty="0" err="1" smtClean="0"/>
+              <a:t>DataQueryService</a:t>
+            </a:r>
+            <a:r>
+              <a:rPr lang="en-US" dirty="0" smtClean="0"/>
+              <a:t> class</a:t>
+            </a:r>
+          </a:p>
+          <a:p>
+            <a:pPr lvl="1">
+              <a:spcBef>
+                <a:spcPts val="0"/>
+              </a:spcBef>
+            </a:pPr>
+            <a:r>
+              <a:rPr lang="en-US" dirty="0" smtClean="0"/>
+              <a:t>Sends </a:t>
+            </a:r>
+            <a:r>
+              <a:rPr lang="en-US" dirty="0" smtClean="0"/>
+              <a:t>asynchronous data requests to a set of data providers</a:t>
+            </a:r>
+          </a:p>
+          <a:p>
+            <a:pPr lvl="1">
+              <a:spcBef>
+                <a:spcPts val="0"/>
+              </a:spcBef>
+            </a:pPr>
+            <a:r>
+              <a:rPr lang="en-US" dirty="0" smtClean="0"/>
+              <a:t>For each DP, creates a </a:t>
+            </a:r>
+            <a:r>
+              <a:rPr lang="en-US" dirty="0" err="1" smtClean="0"/>
+              <a:t>DataQueryAdapter</a:t>
+            </a:r>
+            <a:r>
+              <a:rPr lang="en-US" dirty="0" smtClean="0"/>
+              <a:t> implementation compatible with the DP’s Meteor version</a:t>
+            </a:r>
+          </a:p>
+          <a:p>
+            <a:endParaRPr lang="en-US" dirty="0" smtClean="0"/>
+          </a:p>
+        </p:txBody>
+      </p:sp>
+      <p:sp>
+        <p:nvSpPr>
+          <p:cNvPr id="7" name="Slide Number Placeholder 6"/>
+          <p:cNvSpPr>
+            <a:spLocks noGrp="1"/>
+          </p:cNvSpPr>
+          <p:nvPr>
+            <p:ph type="sldNum" sz="quarter" idx="12"/>
+          </p:nvPr>
+        </p:nvSpPr>
+        <p:spPr/>
+        <p:txBody>
+          <a:bodyPr/>
+          <a:lstStyle/>
+          <a:p>
+            <a:fld id="{6F99343D-46AE-4C14-8296-D13D823691DC}" type="slidenum">
+              <a:rPr lang="en-US" smtClean="0"/>
+              <a:pPr/>
+              <a:t>39</a:t>
+            </a:fld>
+            <a:endParaRPr lang="en-US" dirty="0"/>
           </a:p>
         </p:txBody>
       </p:sp>
@@ -14155,6 +15884,4770 @@
 </p:sld>
 </file>
 
+<file path=ppt/slides/slide40.xml><?xml version="1.0" encoding="utf-8"?>
+<p:sld xmlns:a="http://schemas.openxmlformats.org/drawingml/2006/main" xmlns:r="http://schemas.openxmlformats.org/officeDocument/2006/relationships" xmlns:p="http://schemas.openxmlformats.org/presentationml/2006/main">
+  <p:cSld>
+    <p:spTree>
+      <p:nvGrpSpPr>
+        <p:cNvPr id="1" name=""/>
+        <p:cNvGrpSpPr/>
+        <p:nvPr/>
+      </p:nvGrpSpPr>
+      <p:grpSpPr>
+        <a:xfrm>
+          <a:off x="0" y="0"/>
+          <a:ext cx="0" cy="0"/>
+          <a:chOff x="0" y="0"/>
+          <a:chExt cx="0" cy="0"/>
+        </a:xfrm>
+      </p:grpSpPr>
+      <p:sp>
+        <p:nvSpPr>
+          <p:cNvPr id="2" name="Title 1"/>
+          <p:cNvSpPr>
+            <a:spLocks noGrp="1"/>
+          </p:cNvSpPr>
+          <p:nvPr>
+            <p:ph type="title"/>
+          </p:nvPr>
+        </p:nvSpPr>
+        <p:spPr/>
+        <p:txBody>
+          <a:bodyPr/>
+          <a:lstStyle/>
+          <a:p>
+            <a:r>
+              <a:rPr lang="en-US" dirty="0" smtClean="0"/>
+              <a:t>Access Provider Translation Layer</a:t>
+            </a:r>
+            <a:endParaRPr lang="en-US" dirty="0"/>
+          </a:p>
+        </p:txBody>
+      </p:sp>
+      <p:sp>
+        <p:nvSpPr>
+          <p:cNvPr id="3" name="Content Placeholder 2"/>
+          <p:cNvSpPr>
+            <a:spLocks noGrp="1"/>
+          </p:cNvSpPr>
+          <p:nvPr>
+            <p:ph idx="1"/>
+          </p:nvPr>
+        </p:nvSpPr>
+        <p:spPr/>
+        <p:txBody>
+          <a:bodyPr>
+            <a:normAutofit lnSpcReduction="10000"/>
+          </a:bodyPr>
+          <a:lstStyle/>
+          <a:p>
+            <a:r>
+              <a:rPr lang="en-US" dirty="0" err="1" smtClean="0"/>
+              <a:t>DataQueryAdapter</a:t>
+            </a:r>
+            <a:r>
+              <a:rPr lang="en-US" dirty="0" smtClean="0"/>
+              <a:t> interface</a:t>
+            </a:r>
+          </a:p>
+          <a:p>
+            <a:pPr lvl="1"/>
+            <a:r>
+              <a:rPr lang="en-US" dirty="0" smtClean="0"/>
+              <a:t>Extends </a:t>
+            </a:r>
+            <a:r>
+              <a:rPr lang="en-US" dirty="0" smtClean="0"/>
+              <a:t>the Java Callable&lt;T&gt; interface to support asynchronous requests</a:t>
+            </a:r>
+          </a:p>
+          <a:p>
+            <a:pPr lvl="1"/>
+            <a:r>
+              <a:rPr lang="en-US" dirty="0" smtClean="0"/>
+              <a:t>Specifies methods for accessing Data Provider connection info and query information (e.g. SSN)</a:t>
+            </a:r>
+          </a:p>
+          <a:p>
+            <a:pPr lvl="1"/>
+            <a:r>
+              <a:rPr lang="en-US" dirty="0" smtClean="0"/>
+              <a:t>Implementations:</a:t>
+            </a:r>
+          </a:p>
+          <a:p>
+            <a:pPr lvl="2"/>
+            <a:r>
+              <a:rPr lang="en-US" dirty="0" err="1" smtClean="0"/>
+              <a:t>CurrentVersionDataQueryAdapterImpl</a:t>
+            </a:r>
+            <a:endParaRPr lang="en-US" dirty="0" smtClean="0"/>
+          </a:p>
+          <a:p>
+            <a:pPr lvl="3"/>
+            <a:r>
+              <a:rPr lang="en-US" dirty="0" smtClean="0"/>
+              <a:t>Communicates with Meteor 4.0 Data Providers</a:t>
+            </a:r>
+          </a:p>
+          <a:p>
+            <a:pPr lvl="2"/>
+            <a:r>
+              <a:rPr lang="en-US" dirty="0" err="1" smtClean="0"/>
+              <a:t>HPCDataQueryAdapterImpl</a:t>
+            </a:r>
+            <a:endParaRPr lang="en-US" dirty="0" smtClean="0"/>
+          </a:p>
+          <a:p>
+            <a:pPr lvl="3"/>
+            <a:r>
+              <a:rPr lang="en-US" dirty="0" smtClean="0"/>
+              <a:t>Communicates with legacy Data Providers</a:t>
+            </a:r>
+          </a:p>
+        </p:txBody>
+      </p:sp>
+      <p:sp>
+        <p:nvSpPr>
+          <p:cNvPr id="4" name="Slide Number Placeholder 3"/>
+          <p:cNvSpPr>
+            <a:spLocks noGrp="1"/>
+          </p:cNvSpPr>
+          <p:nvPr>
+            <p:ph type="sldNum" sz="quarter" idx="12"/>
+          </p:nvPr>
+        </p:nvSpPr>
+        <p:spPr/>
+        <p:txBody>
+          <a:bodyPr/>
+          <a:lstStyle/>
+          <a:p>
+            <a:fld id="{6F99343D-46AE-4C14-8296-D13D823691DC}" type="slidenum">
+              <a:rPr lang="en-US" smtClean="0"/>
+              <a:pPr/>
+              <a:t>40</a:t>
+            </a:fld>
+            <a:endParaRPr lang="en-US" dirty="0"/>
+          </a:p>
+        </p:txBody>
+      </p:sp>
+    </p:spTree>
+  </p:cSld>
+  <p:clrMapOvr>
+    <a:masterClrMapping/>
+  </p:clrMapOvr>
+</p:sld>
+</file>
+
+<file path=ppt/slides/slide41.xml><?xml version="1.0" encoding="utf-8"?>
+<p:sld xmlns:a="http://schemas.openxmlformats.org/drawingml/2006/main" xmlns:r="http://schemas.openxmlformats.org/officeDocument/2006/relationships" xmlns:p="http://schemas.openxmlformats.org/presentationml/2006/main">
+  <p:cSld>
+    <p:spTree>
+      <p:nvGrpSpPr>
+        <p:cNvPr id="1" name=""/>
+        <p:cNvGrpSpPr/>
+        <p:nvPr/>
+      </p:nvGrpSpPr>
+      <p:grpSpPr>
+        <a:xfrm>
+          <a:off x="0" y="0"/>
+          <a:ext cx="0" cy="0"/>
+          <a:chOff x="0" y="0"/>
+          <a:chExt cx="0" cy="0"/>
+        </a:xfrm>
+      </p:grpSpPr>
+      <p:sp>
+        <p:nvSpPr>
+          <p:cNvPr id="2" name="Title 1"/>
+          <p:cNvSpPr>
+            <a:spLocks noGrp="1"/>
+          </p:cNvSpPr>
+          <p:nvPr>
+            <p:ph type="title"/>
+          </p:nvPr>
+        </p:nvSpPr>
+        <p:spPr/>
+        <p:txBody>
+          <a:bodyPr/>
+          <a:lstStyle/>
+          <a:p>
+            <a:r>
+              <a:rPr lang="en-US" dirty="0" smtClean="0"/>
+              <a:t>Data Query Example</a:t>
+            </a:r>
+            <a:endParaRPr lang="en-US" dirty="0"/>
+          </a:p>
+        </p:txBody>
+      </p:sp>
+      <p:sp>
+        <p:nvSpPr>
+          <p:cNvPr id="4" name="Slide Number Placeholder 3"/>
+          <p:cNvSpPr>
+            <a:spLocks noGrp="1"/>
+          </p:cNvSpPr>
+          <p:nvPr>
+            <p:ph type="sldNum" sz="quarter" idx="12"/>
+          </p:nvPr>
+        </p:nvSpPr>
+        <p:spPr/>
+        <p:txBody>
+          <a:bodyPr/>
+          <a:lstStyle/>
+          <a:p>
+            <a:fld id="{6F99343D-46AE-4C14-8296-D13D823691DC}" type="slidenum">
+              <a:rPr lang="en-US" smtClean="0"/>
+              <a:pPr/>
+              <a:t>41</a:t>
+            </a:fld>
+            <a:endParaRPr lang="en-US" dirty="0"/>
+          </a:p>
+        </p:txBody>
+      </p:sp>
+      <p:sp>
+        <p:nvSpPr>
+          <p:cNvPr id="7" name="Rectangle 6"/>
+          <p:cNvSpPr/>
+          <p:nvPr/>
+        </p:nvSpPr>
+        <p:spPr>
+          <a:xfrm>
+            <a:off x="685800" y="3307080"/>
+            <a:ext cx="1011115" cy="674077"/>
+          </a:xfrm>
+          <a:prstGeom prst="rect">
+            <a:avLst/>
+          </a:prstGeom>
+        </p:spPr>
+        <p:style>
+          <a:lnRef idx="2">
+            <a:schemeClr val="accent1">
+              <a:shade val="50000"/>
+            </a:schemeClr>
+          </a:lnRef>
+          <a:fillRef idx="1">
+            <a:schemeClr val="accent1"/>
+          </a:fillRef>
+          <a:effectRef idx="0">
+            <a:schemeClr val="accent1"/>
+          </a:effectRef>
+          <a:fontRef idx="minor">
+            <a:schemeClr val="lt1"/>
+          </a:fontRef>
+        </p:style>
+        <p:txBody>
+          <a:bodyPr rtlCol="0" anchor="ctr"/>
+          <a:lstStyle/>
+          <a:p>
+            <a:pPr algn="ctr"/>
+            <a:r>
+              <a:rPr lang="en-US" sz="1200" dirty="0" smtClean="0"/>
+              <a:t>Data Query Service</a:t>
+            </a:r>
+            <a:endParaRPr lang="en-US" sz="1200" dirty="0"/>
+          </a:p>
+        </p:txBody>
+      </p:sp>
+      <p:sp>
+        <p:nvSpPr>
+          <p:cNvPr id="8" name="Rectangle 7"/>
+          <p:cNvSpPr/>
+          <p:nvPr/>
+        </p:nvSpPr>
+        <p:spPr>
+          <a:xfrm>
+            <a:off x="2494085" y="1600200"/>
+            <a:ext cx="1011115" cy="674077"/>
+          </a:xfrm>
+          <a:prstGeom prst="rect">
+            <a:avLst/>
+          </a:prstGeom>
+        </p:spPr>
+        <p:style>
+          <a:lnRef idx="2">
+            <a:schemeClr val="accent1">
+              <a:shade val="50000"/>
+            </a:schemeClr>
+          </a:lnRef>
+          <a:fillRef idx="1">
+            <a:schemeClr val="accent1"/>
+          </a:fillRef>
+          <a:effectRef idx="0">
+            <a:schemeClr val="accent1"/>
+          </a:effectRef>
+          <a:fontRef idx="minor">
+            <a:schemeClr val="lt1"/>
+          </a:fontRef>
+        </p:style>
+        <p:txBody>
+          <a:bodyPr rtlCol="0" anchor="ctr"/>
+          <a:lstStyle/>
+          <a:p>
+            <a:pPr algn="ctr"/>
+            <a:r>
+              <a:rPr lang="en-US" sz="1200" dirty="0" smtClean="0"/>
+              <a:t>Data Query</a:t>
+            </a:r>
+          </a:p>
+          <a:p>
+            <a:pPr algn="ctr"/>
+            <a:r>
+              <a:rPr lang="en-US" sz="1200" dirty="0" smtClean="0"/>
+              <a:t>Adapter</a:t>
+            </a:r>
+            <a:endParaRPr lang="en-US" sz="1200" dirty="0"/>
+          </a:p>
+        </p:txBody>
+      </p:sp>
+      <p:sp>
+        <p:nvSpPr>
+          <p:cNvPr id="9" name="Rectangle 8"/>
+          <p:cNvSpPr/>
+          <p:nvPr/>
+        </p:nvSpPr>
+        <p:spPr>
+          <a:xfrm>
+            <a:off x="2494085" y="2743200"/>
+            <a:ext cx="1011115" cy="674077"/>
+          </a:xfrm>
+          <a:prstGeom prst="rect">
+            <a:avLst/>
+          </a:prstGeom>
+        </p:spPr>
+        <p:style>
+          <a:lnRef idx="2">
+            <a:schemeClr val="accent1">
+              <a:shade val="50000"/>
+            </a:schemeClr>
+          </a:lnRef>
+          <a:fillRef idx="1">
+            <a:schemeClr val="accent1"/>
+          </a:fillRef>
+          <a:effectRef idx="0">
+            <a:schemeClr val="accent1"/>
+          </a:effectRef>
+          <a:fontRef idx="minor">
+            <a:schemeClr val="lt1"/>
+          </a:fontRef>
+        </p:style>
+        <p:txBody>
+          <a:bodyPr rtlCol="0" anchor="ctr"/>
+          <a:lstStyle/>
+          <a:p>
+            <a:pPr algn="ctr"/>
+            <a:r>
+              <a:rPr lang="en-US" sz="1200" dirty="0" smtClean="0"/>
+              <a:t>Data Query</a:t>
+            </a:r>
+          </a:p>
+          <a:p>
+            <a:pPr algn="ctr"/>
+            <a:r>
+              <a:rPr lang="en-US" sz="1200" dirty="0" smtClean="0"/>
+              <a:t>Adapter</a:t>
+            </a:r>
+            <a:endParaRPr lang="en-US" sz="1200" dirty="0"/>
+          </a:p>
+        </p:txBody>
+      </p:sp>
+      <p:sp>
+        <p:nvSpPr>
+          <p:cNvPr id="10" name="Rectangle 9"/>
+          <p:cNvSpPr/>
+          <p:nvPr/>
+        </p:nvSpPr>
+        <p:spPr>
+          <a:xfrm>
+            <a:off x="2494085" y="3886200"/>
+            <a:ext cx="1011115" cy="674077"/>
+          </a:xfrm>
+          <a:prstGeom prst="rect">
+            <a:avLst/>
+          </a:prstGeom>
+        </p:spPr>
+        <p:style>
+          <a:lnRef idx="2">
+            <a:schemeClr val="accent1">
+              <a:shade val="50000"/>
+            </a:schemeClr>
+          </a:lnRef>
+          <a:fillRef idx="1">
+            <a:schemeClr val="accent1"/>
+          </a:fillRef>
+          <a:effectRef idx="0">
+            <a:schemeClr val="accent1"/>
+          </a:effectRef>
+          <a:fontRef idx="minor">
+            <a:schemeClr val="lt1"/>
+          </a:fontRef>
+        </p:style>
+        <p:txBody>
+          <a:bodyPr rtlCol="0" anchor="ctr"/>
+          <a:lstStyle/>
+          <a:p>
+            <a:pPr algn="ctr"/>
+            <a:r>
+              <a:rPr lang="en-US" sz="1200" dirty="0" smtClean="0"/>
+              <a:t>Data Query</a:t>
+            </a:r>
+          </a:p>
+          <a:p>
+            <a:pPr algn="ctr"/>
+            <a:r>
+              <a:rPr lang="en-US" sz="1200" dirty="0" smtClean="0"/>
+              <a:t>Adapter</a:t>
+            </a:r>
+            <a:endParaRPr lang="en-US" sz="1200" dirty="0"/>
+          </a:p>
+        </p:txBody>
+      </p:sp>
+      <p:sp>
+        <p:nvSpPr>
+          <p:cNvPr id="11" name="Rectangle 10"/>
+          <p:cNvSpPr/>
+          <p:nvPr/>
+        </p:nvSpPr>
+        <p:spPr>
+          <a:xfrm>
+            <a:off x="2494085" y="5040923"/>
+            <a:ext cx="1011115" cy="674077"/>
+          </a:xfrm>
+          <a:prstGeom prst="rect">
+            <a:avLst/>
+          </a:prstGeom>
+        </p:spPr>
+        <p:style>
+          <a:lnRef idx="2">
+            <a:schemeClr val="accent1">
+              <a:shade val="50000"/>
+            </a:schemeClr>
+          </a:lnRef>
+          <a:fillRef idx="1">
+            <a:schemeClr val="accent1"/>
+          </a:fillRef>
+          <a:effectRef idx="0">
+            <a:schemeClr val="accent1"/>
+          </a:effectRef>
+          <a:fontRef idx="minor">
+            <a:schemeClr val="lt1"/>
+          </a:fontRef>
+        </p:style>
+        <p:txBody>
+          <a:bodyPr rtlCol="0" anchor="ctr"/>
+          <a:lstStyle/>
+          <a:p>
+            <a:pPr algn="ctr"/>
+            <a:r>
+              <a:rPr lang="en-US" sz="1200" dirty="0" smtClean="0"/>
+              <a:t>Data Query</a:t>
+            </a:r>
+          </a:p>
+          <a:p>
+            <a:pPr algn="ctr"/>
+            <a:r>
+              <a:rPr lang="en-US" sz="1200" dirty="0" smtClean="0"/>
+              <a:t>Adapter</a:t>
+            </a:r>
+            <a:endParaRPr lang="en-US" sz="1200" dirty="0"/>
+          </a:p>
+        </p:txBody>
+      </p:sp>
+      <p:sp>
+        <p:nvSpPr>
+          <p:cNvPr id="13" name="TextBox 12"/>
+          <p:cNvSpPr txBox="1"/>
+          <p:nvPr/>
+        </p:nvSpPr>
+        <p:spPr>
+          <a:xfrm>
+            <a:off x="2438400" y="1295400"/>
+            <a:ext cx="3124200" cy="307777"/>
+          </a:xfrm>
+          <a:prstGeom prst="rect">
+            <a:avLst/>
+          </a:prstGeom>
+          <a:noFill/>
+        </p:spPr>
+        <p:txBody>
+          <a:bodyPr wrap="square" rtlCol="0">
+            <a:spAutoFit/>
+          </a:bodyPr>
+          <a:lstStyle/>
+          <a:p>
+            <a:r>
+              <a:rPr lang="en-US" sz="1400" dirty="0" smtClean="0"/>
+              <a:t>Data Provider 1 – Meteor Version 4.0</a:t>
+            </a:r>
+            <a:endParaRPr lang="en-US" sz="1400" dirty="0"/>
+          </a:p>
+        </p:txBody>
+      </p:sp>
+      <p:sp>
+        <p:nvSpPr>
+          <p:cNvPr id="14" name="TextBox 13"/>
+          <p:cNvSpPr txBox="1"/>
+          <p:nvPr/>
+        </p:nvSpPr>
+        <p:spPr>
+          <a:xfrm>
+            <a:off x="2438400" y="2438400"/>
+            <a:ext cx="3124200" cy="307777"/>
+          </a:xfrm>
+          <a:prstGeom prst="rect">
+            <a:avLst/>
+          </a:prstGeom>
+          <a:noFill/>
+        </p:spPr>
+        <p:txBody>
+          <a:bodyPr wrap="square" rtlCol="0">
+            <a:spAutoFit/>
+          </a:bodyPr>
+          <a:lstStyle/>
+          <a:p>
+            <a:r>
+              <a:rPr lang="en-US" sz="1400" dirty="0" smtClean="0"/>
+              <a:t>Data Provider 2 – Meteor Version 4.0</a:t>
+            </a:r>
+            <a:endParaRPr lang="en-US" sz="1400" dirty="0"/>
+          </a:p>
+        </p:txBody>
+      </p:sp>
+      <p:sp>
+        <p:nvSpPr>
+          <p:cNvPr id="15" name="TextBox 14"/>
+          <p:cNvSpPr txBox="1"/>
+          <p:nvPr/>
+        </p:nvSpPr>
+        <p:spPr>
+          <a:xfrm>
+            <a:off x="2438400" y="3581400"/>
+            <a:ext cx="3124200" cy="307777"/>
+          </a:xfrm>
+          <a:prstGeom prst="rect">
+            <a:avLst/>
+          </a:prstGeom>
+          <a:noFill/>
+        </p:spPr>
+        <p:txBody>
+          <a:bodyPr wrap="square" rtlCol="0">
+            <a:spAutoFit/>
+          </a:bodyPr>
+          <a:lstStyle/>
+          <a:p>
+            <a:r>
+              <a:rPr lang="en-US" sz="1400" dirty="0" smtClean="0"/>
+              <a:t>Data Provider 3 – Meteor Version 3.3.4</a:t>
+            </a:r>
+            <a:endParaRPr lang="en-US" sz="1400" dirty="0"/>
+          </a:p>
+        </p:txBody>
+      </p:sp>
+      <p:sp>
+        <p:nvSpPr>
+          <p:cNvPr id="16" name="TextBox 15"/>
+          <p:cNvSpPr txBox="1"/>
+          <p:nvPr/>
+        </p:nvSpPr>
+        <p:spPr>
+          <a:xfrm>
+            <a:off x="2438400" y="4724400"/>
+            <a:ext cx="3124200" cy="307777"/>
+          </a:xfrm>
+          <a:prstGeom prst="rect">
+            <a:avLst/>
+          </a:prstGeom>
+          <a:noFill/>
+        </p:spPr>
+        <p:txBody>
+          <a:bodyPr wrap="square" rtlCol="0">
+            <a:spAutoFit/>
+          </a:bodyPr>
+          <a:lstStyle/>
+          <a:p>
+            <a:r>
+              <a:rPr lang="en-US" sz="1400" dirty="0" smtClean="0"/>
+              <a:t>Data Provider 4 – Meteor Version 3.2</a:t>
+            </a:r>
+            <a:endParaRPr lang="en-US" sz="1400" dirty="0"/>
+          </a:p>
+        </p:txBody>
+      </p:sp>
+      <p:cxnSp>
+        <p:nvCxnSpPr>
+          <p:cNvPr id="18" name="Elbow Connector 17"/>
+          <p:cNvCxnSpPr>
+            <a:stCxn id="7" idx="3"/>
+            <a:endCxn id="8" idx="1"/>
+          </p:cNvCxnSpPr>
+          <p:nvPr/>
+        </p:nvCxnSpPr>
+        <p:spPr>
+          <a:xfrm flipV="1">
+            <a:off x="1696915" y="1937239"/>
+            <a:ext cx="797170" cy="1706880"/>
+          </a:xfrm>
+          <a:prstGeom prst="bentConnector3">
+            <a:avLst>
+              <a:gd name="adj1" fmla="val 50000"/>
+            </a:avLst>
+          </a:prstGeom>
+          <a:ln>
+            <a:tailEnd type="arrow"/>
+          </a:ln>
+        </p:spPr>
+        <p:style>
+          <a:lnRef idx="1">
+            <a:schemeClr val="accent1"/>
+          </a:lnRef>
+          <a:fillRef idx="0">
+            <a:schemeClr val="accent1"/>
+          </a:fillRef>
+          <a:effectRef idx="0">
+            <a:schemeClr val="accent1"/>
+          </a:effectRef>
+          <a:fontRef idx="minor">
+            <a:schemeClr val="tx1"/>
+          </a:fontRef>
+        </p:style>
+      </p:cxnSp>
+      <p:cxnSp>
+        <p:nvCxnSpPr>
+          <p:cNvPr id="20" name="Elbow Connector 19"/>
+          <p:cNvCxnSpPr>
+            <a:stCxn id="7" idx="3"/>
+            <a:endCxn id="9" idx="1"/>
+          </p:cNvCxnSpPr>
+          <p:nvPr/>
+        </p:nvCxnSpPr>
+        <p:spPr>
+          <a:xfrm flipV="1">
+            <a:off x="1696915" y="3080239"/>
+            <a:ext cx="797170" cy="563880"/>
+          </a:xfrm>
+          <a:prstGeom prst="bentConnector3">
+            <a:avLst>
+              <a:gd name="adj1" fmla="val 50000"/>
+            </a:avLst>
+          </a:prstGeom>
+          <a:ln>
+            <a:tailEnd type="arrow"/>
+          </a:ln>
+        </p:spPr>
+        <p:style>
+          <a:lnRef idx="1">
+            <a:schemeClr val="accent1"/>
+          </a:lnRef>
+          <a:fillRef idx="0">
+            <a:schemeClr val="accent1"/>
+          </a:fillRef>
+          <a:effectRef idx="0">
+            <a:schemeClr val="accent1"/>
+          </a:effectRef>
+          <a:fontRef idx="minor">
+            <a:schemeClr val="tx1"/>
+          </a:fontRef>
+        </p:style>
+      </p:cxnSp>
+      <p:cxnSp>
+        <p:nvCxnSpPr>
+          <p:cNvPr id="22" name="Elbow Connector 21"/>
+          <p:cNvCxnSpPr>
+            <a:stCxn id="7" idx="3"/>
+            <a:endCxn id="10" idx="1"/>
+          </p:cNvCxnSpPr>
+          <p:nvPr/>
+        </p:nvCxnSpPr>
+        <p:spPr>
+          <a:xfrm>
+            <a:off x="1696915" y="3644119"/>
+            <a:ext cx="797170" cy="579120"/>
+          </a:xfrm>
+          <a:prstGeom prst="bentConnector3">
+            <a:avLst>
+              <a:gd name="adj1" fmla="val 50000"/>
+            </a:avLst>
+          </a:prstGeom>
+          <a:ln>
+            <a:tailEnd type="arrow"/>
+          </a:ln>
+        </p:spPr>
+        <p:style>
+          <a:lnRef idx="1">
+            <a:schemeClr val="accent1"/>
+          </a:lnRef>
+          <a:fillRef idx="0">
+            <a:schemeClr val="accent1"/>
+          </a:fillRef>
+          <a:effectRef idx="0">
+            <a:schemeClr val="accent1"/>
+          </a:effectRef>
+          <a:fontRef idx="minor">
+            <a:schemeClr val="tx1"/>
+          </a:fontRef>
+        </p:style>
+      </p:cxnSp>
+      <p:cxnSp>
+        <p:nvCxnSpPr>
+          <p:cNvPr id="24" name="Elbow Connector 23"/>
+          <p:cNvCxnSpPr>
+            <a:stCxn id="7" idx="3"/>
+            <a:endCxn id="11" idx="1"/>
+          </p:cNvCxnSpPr>
+          <p:nvPr/>
+        </p:nvCxnSpPr>
+        <p:spPr>
+          <a:xfrm>
+            <a:off x="1696915" y="3644119"/>
+            <a:ext cx="797170" cy="1733843"/>
+          </a:xfrm>
+          <a:prstGeom prst="bentConnector3">
+            <a:avLst>
+              <a:gd name="adj1" fmla="val 50000"/>
+            </a:avLst>
+          </a:prstGeom>
+          <a:ln>
+            <a:tailEnd type="arrow"/>
+          </a:ln>
+        </p:spPr>
+        <p:style>
+          <a:lnRef idx="1">
+            <a:schemeClr val="accent1"/>
+          </a:lnRef>
+          <a:fillRef idx="0">
+            <a:schemeClr val="accent1"/>
+          </a:fillRef>
+          <a:effectRef idx="0">
+            <a:schemeClr val="accent1"/>
+          </a:effectRef>
+          <a:fontRef idx="minor">
+            <a:schemeClr val="tx1"/>
+          </a:fontRef>
+        </p:style>
+      </p:cxnSp>
+      <p:sp>
+        <p:nvSpPr>
+          <p:cNvPr id="25" name="TextBox 24"/>
+          <p:cNvSpPr txBox="1"/>
+          <p:nvPr/>
+        </p:nvSpPr>
+        <p:spPr>
+          <a:xfrm>
+            <a:off x="381000" y="2632710"/>
+            <a:ext cx="1676400" cy="2246769"/>
+          </a:xfrm>
+          <a:prstGeom prst="rect">
+            <a:avLst/>
+          </a:prstGeom>
+          <a:noFill/>
+        </p:spPr>
+        <p:txBody>
+          <a:bodyPr wrap="square" rtlCol="0">
+            <a:spAutoFit/>
+          </a:bodyPr>
+          <a:lstStyle/>
+          <a:p>
+            <a:pPr algn="r"/>
+            <a:r>
+              <a:rPr lang="en-US" sz="1400" i="1" dirty="0" smtClean="0"/>
+              <a:t>execute</a:t>
+            </a:r>
+          </a:p>
+          <a:p>
+            <a:pPr algn="r"/>
+            <a:r>
+              <a:rPr lang="en-US" sz="1400" i="1" dirty="0" smtClean="0"/>
+              <a:t>(get data)</a:t>
+            </a:r>
+          </a:p>
+          <a:p>
+            <a:pPr algn="r"/>
+            <a:endParaRPr lang="en-US" sz="1400" i="1" dirty="0" smtClean="0"/>
+          </a:p>
+          <a:p>
+            <a:pPr algn="r"/>
+            <a:endParaRPr lang="en-US" sz="1400" i="1" dirty="0" smtClean="0"/>
+          </a:p>
+          <a:p>
+            <a:pPr algn="r"/>
+            <a:endParaRPr lang="en-US" sz="1400" i="1" dirty="0" smtClean="0"/>
+          </a:p>
+          <a:p>
+            <a:pPr algn="r"/>
+            <a:endParaRPr lang="en-US" sz="1400" i="1" dirty="0" smtClean="0"/>
+          </a:p>
+          <a:p>
+            <a:pPr algn="r"/>
+            <a:endParaRPr lang="en-US" sz="1400" i="1" dirty="0" smtClean="0"/>
+          </a:p>
+          <a:p>
+            <a:pPr algn="r"/>
+            <a:r>
+              <a:rPr lang="en-US" sz="1400" i="1" dirty="0" smtClean="0"/>
+              <a:t>Calls are </a:t>
+            </a:r>
+            <a:r>
+              <a:rPr lang="en-US" sz="1400" i="1" u="sng" dirty="0" smtClean="0"/>
+              <a:t>asynchronous</a:t>
+            </a:r>
+            <a:r>
+              <a:rPr lang="en-US" sz="1400" i="1" dirty="0" smtClean="0"/>
+              <a:t> (happen in parallel)</a:t>
+            </a:r>
+            <a:endParaRPr lang="en-US" sz="1400" i="1" dirty="0"/>
+          </a:p>
+        </p:txBody>
+      </p:sp>
+      <p:sp>
+        <p:nvSpPr>
+          <p:cNvPr id="26" name="Rectangle 25"/>
+          <p:cNvSpPr/>
+          <p:nvPr/>
+        </p:nvSpPr>
+        <p:spPr>
+          <a:xfrm>
+            <a:off x="3962400" y="1600200"/>
+            <a:ext cx="1143000" cy="674077"/>
+          </a:xfrm>
+          <a:prstGeom prst="rect">
+            <a:avLst/>
+          </a:prstGeom>
+        </p:spPr>
+        <p:style>
+          <a:lnRef idx="2">
+            <a:schemeClr val="accent6">
+              <a:shade val="50000"/>
+            </a:schemeClr>
+          </a:lnRef>
+          <a:fillRef idx="1">
+            <a:schemeClr val="accent6"/>
+          </a:fillRef>
+          <a:effectRef idx="0">
+            <a:schemeClr val="accent6"/>
+          </a:effectRef>
+          <a:fontRef idx="minor">
+            <a:schemeClr val="lt1"/>
+          </a:fontRef>
+        </p:style>
+        <p:txBody>
+          <a:bodyPr rtlCol="0" anchor="ctr"/>
+          <a:lstStyle/>
+          <a:p>
+            <a:pPr algn="ctr"/>
+            <a:r>
+              <a:rPr lang="en-US" sz="1200" b="1" dirty="0" smtClean="0"/>
+              <a:t>Current Data Query Adapter </a:t>
+            </a:r>
+          </a:p>
+          <a:p>
+            <a:pPr algn="ctr"/>
+            <a:r>
+              <a:rPr lang="en-US" sz="1200" b="1" dirty="0" err="1" smtClean="0"/>
+              <a:t>Impl</a:t>
+            </a:r>
+            <a:endParaRPr lang="en-US" sz="1200" b="1" dirty="0"/>
+          </a:p>
+        </p:txBody>
+      </p:sp>
+      <p:cxnSp>
+        <p:nvCxnSpPr>
+          <p:cNvPr id="28" name="Straight Arrow Connector 27"/>
+          <p:cNvCxnSpPr>
+            <a:stCxn id="8" idx="3"/>
+            <a:endCxn id="26" idx="1"/>
+          </p:cNvCxnSpPr>
+          <p:nvPr/>
+        </p:nvCxnSpPr>
+        <p:spPr>
+          <a:xfrm>
+            <a:off x="3505200" y="1937239"/>
+            <a:ext cx="457200" cy="0"/>
+          </a:xfrm>
+          <a:prstGeom prst="straightConnector1">
+            <a:avLst/>
+          </a:prstGeom>
+          <a:ln>
+            <a:tailEnd type="none"/>
+          </a:ln>
+        </p:spPr>
+        <p:style>
+          <a:lnRef idx="1">
+            <a:schemeClr val="accent1"/>
+          </a:lnRef>
+          <a:fillRef idx="0">
+            <a:schemeClr val="accent1"/>
+          </a:fillRef>
+          <a:effectRef idx="0">
+            <a:schemeClr val="accent1"/>
+          </a:effectRef>
+          <a:fontRef idx="minor">
+            <a:schemeClr val="tx1"/>
+          </a:fontRef>
+        </p:style>
+      </p:cxnSp>
+      <p:sp>
+        <p:nvSpPr>
+          <p:cNvPr id="29" name="Rectangle 28"/>
+          <p:cNvSpPr/>
+          <p:nvPr/>
+        </p:nvSpPr>
+        <p:spPr>
+          <a:xfrm>
+            <a:off x="3962400" y="2743200"/>
+            <a:ext cx="1143000" cy="674077"/>
+          </a:xfrm>
+          <a:prstGeom prst="rect">
+            <a:avLst/>
+          </a:prstGeom>
+        </p:spPr>
+        <p:style>
+          <a:lnRef idx="2">
+            <a:schemeClr val="accent6">
+              <a:shade val="50000"/>
+            </a:schemeClr>
+          </a:lnRef>
+          <a:fillRef idx="1">
+            <a:schemeClr val="accent6"/>
+          </a:fillRef>
+          <a:effectRef idx="0">
+            <a:schemeClr val="accent6"/>
+          </a:effectRef>
+          <a:fontRef idx="minor">
+            <a:schemeClr val="lt1"/>
+          </a:fontRef>
+        </p:style>
+        <p:txBody>
+          <a:bodyPr rtlCol="0" anchor="ctr"/>
+          <a:lstStyle/>
+          <a:p>
+            <a:pPr algn="ctr"/>
+            <a:r>
+              <a:rPr lang="en-US" sz="1200" b="1" dirty="0" smtClean="0"/>
+              <a:t>Current Data Query Adapter </a:t>
+            </a:r>
+          </a:p>
+          <a:p>
+            <a:pPr algn="ctr"/>
+            <a:r>
+              <a:rPr lang="en-US" sz="1200" b="1" dirty="0" err="1" smtClean="0"/>
+              <a:t>Impl</a:t>
+            </a:r>
+            <a:endParaRPr lang="en-US" sz="1200" b="1" dirty="0"/>
+          </a:p>
+        </p:txBody>
+      </p:sp>
+      <p:cxnSp>
+        <p:nvCxnSpPr>
+          <p:cNvPr id="33" name="Straight Arrow Connector 32"/>
+          <p:cNvCxnSpPr>
+            <a:stCxn id="9" idx="3"/>
+            <a:endCxn id="29" idx="1"/>
+          </p:cNvCxnSpPr>
+          <p:nvPr/>
+        </p:nvCxnSpPr>
+        <p:spPr>
+          <a:xfrm>
+            <a:off x="3505200" y="3080239"/>
+            <a:ext cx="457200" cy="0"/>
+          </a:xfrm>
+          <a:prstGeom prst="straightConnector1">
+            <a:avLst/>
+          </a:prstGeom>
+          <a:ln>
+            <a:tailEnd type="none"/>
+          </a:ln>
+        </p:spPr>
+        <p:style>
+          <a:lnRef idx="1">
+            <a:schemeClr val="accent1"/>
+          </a:lnRef>
+          <a:fillRef idx="0">
+            <a:schemeClr val="accent1"/>
+          </a:fillRef>
+          <a:effectRef idx="0">
+            <a:schemeClr val="accent1"/>
+          </a:effectRef>
+          <a:fontRef idx="minor">
+            <a:schemeClr val="tx1"/>
+          </a:fontRef>
+        </p:style>
+      </p:cxnSp>
+      <p:sp>
+        <p:nvSpPr>
+          <p:cNvPr id="34" name="Rectangle 33"/>
+          <p:cNvSpPr/>
+          <p:nvPr/>
+        </p:nvSpPr>
+        <p:spPr>
+          <a:xfrm>
+            <a:off x="3962400" y="3886200"/>
+            <a:ext cx="1143000" cy="674077"/>
+          </a:xfrm>
+          <a:prstGeom prst="rect">
+            <a:avLst/>
+          </a:prstGeom>
+        </p:spPr>
+        <p:style>
+          <a:lnRef idx="2">
+            <a:schemeClr val="accent6">
+              <a:shade val="50000"/>
+            </a:schemeClr>
+          </a:lnRef>
+          <a:fillRef idx="1">
+            <a:schemeClr val="accent6"/>
+          </a:fillRef>
+          <a:effectRef idx="0">
+            <a:schemeClr val="accent6"/>
+          </a:effectRef>
+          <a:fontRef idx="minor">
+            <a:schemeClr val="lt1"/>
+          </a:fontRef>
+        </p:style>
+        <p:txBody>
+          <a:bodyPr rtlCol="0" anchor="ctr"/>
+          <a:lstStyle/>
+          <a:p>
+            <a:pPr algn="ctr"/>
+            <a:r>
+              <a:rPr lang="en-US" sz="1200" b="1" dirty="0" smtClean="0"/>
+              <a:t>HPC Data Query Adapter </a:t>
+            </a:r>
+            <a:r>
+              <a:rPr lang="en-US" sz="1200" b="1" dirty="0" err="1" smtClean="0"/>
+              <a:t>Impl</a:t>
+            </a:r>
+            <a:endParaRPr lang="en-US" sz="1200" b="1" dirty="0"/>
+          </a:p>
+        </p:txBody>
+      </p:sp>
+      <p:cxnSp>
+        <p:nvCxnSpPr>
+          <p:cNvPr id="36" name="Straight Arrow Connector 35"/>
+          <p:cNvCxnSpPr>
+            <a:stCxn id="10" idx="3"/>
+            <a:endCxn id="34" idx="1"/>
+          </p:cNvCxnSpPr>
+          <p:nvPr/>
+        </p:nvCxnSpPr>
+        <p:spPr>
+          <a:xfrm>
+            <a:off x="3505200" y="4223239"/>
+            <a:ext cx="457200" cy="0"/>
+          </a:xfrm>
+          <a:prstGeom prst="straightConnector1">
+            <a:avLst/>
+          </a:prstGeom>
+          <a:ln>
+            <a:tailEnd type="none"/>
+          </a:ln>
+        </p:spPr>
+        <p:style>
+          <a:lnRef idx="1">
+            <a:schemeClr val="accent1"/>
+          </a:lnRef>
+          <a:fillRef idx="0">
+            <a:schemeClr val="accent1"/>
+          </a:fillRef>
+          <a:effectRef idx="0">
+            <a:schemeClr val="accent1"/>
+          </a:effectRef>
+          <a:fontRef idx="minor">
+            <a:schemeClr val="tx1"/>
+          </a:fontRef>
+        </p:style>
+      </p:cxnSp>
+      <p:sp>
+        <p:nvSpPr>
+          <p:cNvPr id="37" name="Rectangle 36"/>
+          <p:cNvSpPr/>
+          <p:nvPr/>
+        </p:nvSpPr>
+        <p:spPr>
+          <a:xfrm>
+            <a:off x="3962400" y="5040630"/>
+            <a:ext cx="1143000" cy="674077"/>
+          </a:xfrm>
+          <a:prstGeom prst="rect">
+            <a:avLst/>
+          </a:prstGeom>
+        </p:spPr>
+        <p:style>
+          <a:lnRef idx="2">
+            <a:schemeClr val="accent6">
+              <a:shade val="50000"/>
+            </a:schemeClr>
+          </a:lnRef>
+          <a:fillRef idx="1">
+            <a:schemeClr val="accent6"/>
+          </a:fillRef>
+          <a:effectRef idx="0">
+            <a:schemeClr val="accent6"/>
+          </a:effectRef>
+          <a:fontRef idx="minor">
+            <a:schemeClr val="lt1"/>
+          </a:fontRef>
+        </p:style>
+        <p:txBody>
+          <a:bodyPr rtlCol="0" anchor="ctr"/>
+          <a:lstStyle/>
+          <a:p>
+            <a:pPr algn="ctr"/>
+            <a:r>
+              <a:rPr lang="en-US" sz="1200" b="1" dirty="0" smtClean="0"/>
+              <a:t>HPC Data Query Adapter </a:t>
+            </a:r>
+            <a:r>
+              <a:rPr lang="en-US" sz="1200" b="1" dirty="0" err="1" smtClean="0"/>
+              <a:t>Impl</a:t>
+            </a:r>
+            <a:endParaRPr lang="en-US" sz="1200" b="1" dirty="0"/>
+          </a:p>
+        </p:txBody>
+      </p:sp>
+      <p:cxnSp>
+        <p:nvCxnSpPr>
+          <p:cNvPr id="41" name="Straight Arrow Connector 40"/>
+          <p:cNvCxnSpPr>
+            <a:stCxn id="11" idx="3"/>
+            <a:endCxn id="37" idx="1"/>
+          </p:cNvCxnSpPr>
+          <p:nvPr/>
+        </p:nvCxnSpPr>
+        <p:spPr>
+          <a:xfrm flipV="1">
+            <a:off x="3505200" y="5377669"/>
+            <a:ext cx="457200" cy="293"/>
+          </a:xfrm>
+          <a:prstGeom prst="straightConnector1">
+            <a:avLst/>
+          </a:prstGeom>
+          <a:ln>
+            <a:tailEnd type="none"/>
+          </a:ln>
+        </p:spPr>
+        <p:style>
+          <a:lnRef idx="1">
+            <a:schemeClr val="accent1"/>
+          </a:lnRef>
+          <a:fillRef idx="0">
+            <a:schemeClr val="accent1"/>
+          </a:fillRef>
+          <a:effectRef idx="0">
+            <a:schemeClr val="accent1"/>
+          </a:effectRef>
+          <a:fontRef idx="minor">
+            <a:schemeClr val="tx1"/>
+          </a:fontRef>
+        </p:style>
+      </p:cxnSp>
+      <p:sp>
+        <p:nvSpPr>
+          <p:cNvPr id="42" name="Rectangle 41"/>
+          <p:cNvSpPr/>
+          <p:nvPr/>
+        </p:nvSpPr>
+        <p:spPr>
+          <a:xfrm>
+            <a:off x="6629400" y="1600200"/>
+            <a:ext cx="1011115" cy="674077"/>
+          </a:xfrm>
+          <a:prstGeom prst="rect">
+            <a:avLst/>
+          </a:prstGeom>
+        </p:spPr>
+        <p:style>
+          <a:lnRef idx="2">
+            <a:schemeClr val="dk1"/>
+          </a:lnRef>
+          <a:fillRef idx="1">
+            <a:schemeClr val="lt1"/>
+          </a:fillRef>
+          <a:effectRef idx="0">
+            <a:schemeClr val="dk1"/>
+          </a:effectRef>
+          <a:fontRef idx="minor">
+            <a:schemeClr val="dk1"/>
+          </a:fontRef>
+        </p:style>
+        <p:txBody>
+          <a:bodyPr rtlCol="0" anchor="ctr"/>
+          <a:lstStyle/>
+          <a:p>
+            <a:pPr algn="ctr"/>
+            <a:r>
+              <a:rPr lang="en-US" sz="1200" dirty="0" smtClean="0"/>
+              <a:t>Data Provider 1</a:t>
+            </a:r>
+            <a:endParaRPr lang="en-US" sz="1200" dirty="0"/>
+          </a:p>
+        </p:txBody>
+      </p:sp>
+      <p:sp>
+        <p:nvSpPr>
+          <p:cNvPr id="43" name="Rectangle 42"/>
+          <p:cNvSpPr/>
+          <p:nvPr/>
+        </p:nvSpPr>
+        <p:spPr>
+          <a:xfrm>
+            <a:off x="6629400" y="2743200"/>
+            <a:ext cx="1011115" cy="674077"/>
+          </a:xfrm>
+          <a:prstGeom prst="rect">
+            <a:avLst/>
+          </a:prstGeom>
+        </p:spPr>
+        <p:style>
+          <a:lnRef idx="2">
+            <a:schemeClr val="dk1"/>
+          </a:lnRef>
+          <a:fillRef idx="1">
+            <a:schemeClr val="lt1"/>
+          </a:fillRef>
+          <a:effectRef idx="0">
+            <a:schemeClr val="dk1"/>
+          </a:effectRef>
+          <a:fontRef idx="minor">
+            <a:schemeClr val="dk1"/>
+          </a:fontRef>
+        </p:style>
+        <p:txBody>
+          <a:bodyPr rtlCol="0" anchor="ctr"/>
+          <a:lstStyle/>
+          <a:p>
+            <a:pPr algn="ctr"/>
+            <a:r>
+              <a:rPr lang="en-US" sz="1200" dirty="0" smtClean="0"/>
+              <a:t>Data Provider 2</a:t>
+            </a:r>
+            <a:endParaRPr lang="en-US" sz="1200" dirty="0"/>
+          </a:p>
+        </p:txBody>
+      </p:sp>
+      <p:sp>
+        <p:nvSpPr>
+          <p:cNvPr id="44" name="Rectangle 43"/>
+          <p:cNvSpPr/>
+          <p:nvPr/>
+        </p:nvSpPr>
+        <p:spPr>
+          <a:xfrm>
+            <a:off x="6629400" y="3886200"/>
+            <a:ext cx="1011115" cy="674077"/>
+          </a:xfrm>
+          <a:prstGeom prst="rect">
+            <a:avLst/>
+          </a:prstGeom>
+        </p:spPr>
+        <p:style>
+          <a:lnRef idx="2">
+            <a:schemeClr val="dk1"/>
+          </a:lnRef>
+          <a:fillRef idx="1">
+            <a:schemeClr val="lt1"/>
+          </a:fillRef>
+          <a:effectRef idx="0">
+            <a:schemeClr val="dk1"/>
+          </a:effectRef>
+          <a:fontRef idx="minor">
+            <a:schemeClr val="dk1"/>
+          </a:fontRef>
+        </p:style>
+        <p:txBody>
+          <a:bodyPr rtlCol="0" anchor="ctr"/>
+          <a:lstStyle/>
+          <a:p>
+            <a:pPr algn="ctr"/>
+            <a:r>
+              <a:rPr lang="en-US" sz="1200" dirty="0" smtClean="0"/>
+              <a:t>Data Provider 3</a:t>
+            </a:r>
+            <a:endParaRPr lang="en-US" sz="1200" dirty="0"/>
+          </a:p>
+        </p:txBody>
+      </p:sp>
+      <p:sp>
+        <p:nvSpPr>
+          <p:cNvPr id="45" name="Rectangle 44"/>
+          <p:cNvSpPr/>
+          <p:nvPr/>
+        </p:nvSpPr>
+        <p:spPr>
+          <a:xfrm>
+            <a:off x="6629400" y="5029200"/>
+            <a:ext cx="1011115" cy="674077"/>
+          </a:xfrm>
+          <a:prstGeom prst="rect">
+            <a:avLst/>
+          </a:prstGeom>
+        </p:spPr>
+        <p:style>
+          <a:lnRef idx="2">
+            <a:schemeClr val="dk1"/>
+          </a:lnRef>
+          <a:fillRef idx="1">
+            <a:schemeClr val="lt1"/>
+          </a:fillRef>
+          <a:effectRef idx="0">
+            <a:schemeClr val="dk1"/>
+          </a:effectRef>
+          <a:fontRef idx="minor">
+            <a:schemeClr val="dk1"/>
+          </a:fontRef>
+        </p:style>
+        <p:txBody>
+          <a:bodyPr rtlCol="0" anchor="ctr"/>
+          <a:lstStyle/>
+          <a:p>
+            <a:pPr algn="ctr"/>
+            <a:r>
+              <a:rPr lang="en-US" sz="1200" dirty="0" smtClean="0"/>
+              <a:t>Data Provider 4</a:t>
+            </a:r>
+            <a:endParaRPr lang="en-US" sz="1200" dirty="0"/>
+          </a:p>
+        </p:txBody>
+      </p:sp>
+      <p:cxnSp>
+        <p:nvCxnSpPr>
+          <p:cNvPr id="47" name="Straight Arrow Connector 46"/>
+          <p:cNvCxnSpPr>
+            <a:stCxn id="26" idx="3"/>
+            <a:endCxn id="42" idx="1"/>
+          </p:cNvCxnSpPr>
+          <p:nvPr/>
+        </p:nvCxnSpPr>
+        <p:spPr>
+          <a:xfrm>
+            <a:off x="5105400" y="1937239"/>
+            <a:ext cx="1524000" cy="0"/>
+          </a:xfrm>
+          <a:prstGeom prst="straightConnector1">
+            <a:avLst/>
+          </a:prstGeom>
+          <a:ln>
+            <a:prstDash val="dash"/>
+            <a:tailEnd type="arrow"/>
+          </a:ln>
+        </p:spPr>
+        <p:style>
+          <a:lnRef idx="1">
+            <a:schemeClr val="accent1"/>
+          </a:lnRef>
+          <a:fillRef idx="0">
+            <a:schemeClr val="accent1"/>
+          </a:fillRef>
+          <a:effectRef idx="0">
+            <a:schemeClr val="accent1"/>
+          </a:effectRef>
+          <a:fontRef idx="minor">
+            <a:schemeClr val="tx1"/>
+          </a:fontRef>
+        </p:style>
+      </p:cxnSp>
+      <p:sp>
+        <p:nvSpPr>
+          <p:cNvPr id="48" name="TextBox 47"/>
+          <p:cNvSpPr txBox="1"/>
+          <p:nvPr/>
+        </p:nvSpPr>
+        <p:spPr>
+          <a:xfrm>
+            <a:off x="5181600" y="1600200"/>
+            <a:ext cx="1371600" cy="307777"/>
+          </a:xfrm>
+          <a:prstGeom prst="rect">
+            <a:avLst/>
+          </a:prstGeom>
+          <a:noFill/>
+        </p:spPr>
+        <p:txBody>
+          <a:bodyPr wrap="square" rtlCol="0">
+            <a:spAutoFit/>
+          </a:bodyPr>
+          <a:lstStyle/>
+          <a:p>
+            <a:pPr algn="ctr"/>
+            <a:r>
+              <a:rPr lang="en-US" sz="1400" i="1" dirty="0" smtClean="0"/>
+              <a:t>web service call</a:t>
+            </a:r>
+            <a:endParaRPr lang="en-US" sz="1400" i="1" dirty="0"/>
+          </a:p>
+        </p:txBody>
+      </p:sp>
+      <p:cxnSp>
+        <p:nvCxnSpPr>
+          <p:cNvPr id="49" name="Straight Arrow Connector 48"/>
+          <p:cNvCxnSpPr>
+            <a:stCxn id="29" idx="3"/>
+            <a:endCxn id="43" idx="1"/>
+          </p:cNvCxnSpPr>
+          <p:nvPr/>
+        </p:nvCxnSpPr>
+        <p:spPr>
+          <a:xfrm>
+            <a:off x="5105400" y="3080239"/>
+            <a:ext cx="1524000" cy="0"/>
+          </a:xfrm>
+          <a:prstGeom prst="straightConnector1">
+            <a:avLst/>
+          </a:prstGeom>
+          <a:ln>
+            <a:prstDash val="dash"/>
+            <a:tailEnd type="arrow"/>
+          </a:ln>
+        </p:spPr>
+        <p:style>
+          <a:lnRef idx="1">
+            <a:schemeClr val="accent1"/>
+          </a:lnRef>
+          <a:fillRef idx="0">
+            <a:schemeClr val="accent1"/>
+          </a:fillRef>
+          <a:effectRef idx="0">
+            <a:schemeClr val="accent1"/>
+          </a:effectRef>
+          <a:fontRef idx="minor">
+            <a:schemeClr val="tx1"/>
+          </a:fontRef>
+        </p:style>
+      </p:cxnSp>
+      <p:cxnSp>
+        <p:nvCxnSpPr>
+          <p:cNvPr id="52" name="Straight Arrow Connector 51"/>
+          <p:cNvCxnSpPr>
+            <a:stCxn id="34" idx="3"/>
+            <a:endCxn id="44" idx="1"/>
+          </p:cNvCxnSpPr>
+          <p:nvPr/>
+        </p:nvCxnSpPr>
+        <p:spPr>
+          <a:xfrm>
+            <a:off x="5105400" y="4223239"/>
+            <a:ext cx="1524000" cy="0"/>
+          </a:xfrm>
+          <a:prstGeom prst="straightConnector1">
+            <a:avLst/>
+          </a:prstGeom>
+          <a:ln>
+            <a:prstDash val="dash"/>
+            <a:tailEnd type="arrow"/>
+          </a:ln>
+        </p:spPr>
+        <p:style>
+          <a:lnRef idx="1">
+            <a:schemeClr val="accent1"/>
+          </a:lnRef>
+          <a:fillRef idx="0">
+            <a:schemeClr val="accent1"/>
+          </a:fillRef>
+          <a:effectRef idx="0">
+            <a:schemeClr val="accent1"/>
+          </a:effectRef>
+          <a:fontRef idx="minor">
+            <a:schemeClr val="tx1"/>
+          </a:fontRef>
+        </p:style>
+      </p:cxnSp>
+      <p:cxnSp>
+        <p:nvCxnSpPr>
+          <p:cNvPr id="55" name="Straight Arrow Connector 54"/>
+          <p:cNvCxnSpPr>
+            <a:stCxn id="37" idx="3"/>
+            <a:endCxn id="45" idx="1"/>
+          </p:cNvCxnSpPr>
+          <p:nvPr/>
+        </p:nvCxnSpPr>
+        <p:spPr>
+          <a:xfrm flipV="1">
+            <a:off x="5105400" y="5366239"/>
+            <a:ext cx="1524000" cy="11430"/>
+          </a:xfrm>
+          <a:prstGeom prst="straightConnector1">
+            <a:avLst/>
+          </a:prstGeom>
+          <a:ln>
+            <a:prstDash val="dash"/>
+            <a:tailEnd type="arrow"/>
+          </a:ln>
+        </p:spPr>
+        <p:style>
+          <a:lnRef idx="1">
+            <a:schemeClr val="accent1"/>
+          </a:lnRef>
+          <a:fillRef idx="0">
+            <a:schemeClr val="accent1"/>
+          </a:fillRef>
+          <a:effectRef idx="0">
+            <a:schemeClr val="accent1"/>
+          </a:effectRef>
+          <a:fontRef idx="minor">
+            <a:schemeClr val="tx1"/>
+          </a:fontRef>
+        </p:style>
+      </p:cxnSp>
+      <p:sp>
+        <p:nvSpPr>
+          <p:cNvPr id="58" name="TextBox 57"/>
+          <p:cNvSpPr txBox="1"/>
+          <p:nvPr/>
+        </p:nvSpPr>
+        <p:spPr>
+          <a:xfrm>
+            <a:off x="5181600" y="2743200"/>
+            <a:ext cx="1371600" cy="307777"/>
+          </a:xfrm>
+          <a:prstGeom prst="rect">
+            <a:avLst/>
+          </a:prstGeom>
+          <a:noFill/>
+        </p:spPr>
+        <p:txBody>
+          <a:bodyPr wrap="square" rtlCol="0">
+            <a:spAutoFit/>
+          </a:bodyPr>
+          <a:lstStyle/>
+          <a:p>
+            <a:pPr algn="ctr"/>
+            <a:r>
+              <a:rPr lang="en-US" sz="1400" i="1" dirty="0" smtClean="0"/>
+              <a:t>web service call</a:t>
+            </a:r>
+            <a:endParaRPr lang="en-US" sz="1400" i="1" dirty="0"/>
+          </a:p>
+        </p:txBody>
+      </p:sp>
+      <p:sp>
+        <p:nvSpPr>
+          <p:cNvPr id="59" name="TextBox 58"/>
+          <p:cNvSpPr txBox="1"/>
+          <p:nvPr/>
+        </p:nvSpPr>
+        <p:spPr>
+          <a:xfrm>
+            <a:off x="5181600" y="3886200"/>
+            <a:ext cx="1371600" cy="307777"/>
+          </a:xfrm>
+          <a:prstGeom prst="rect">
+            <a:avLst/>
+          </a:prstGeom>
+          <a:noFill/>
+        </p:spPr>
+        <p:txBody>
+          <a:bodyPr wrap="square" rtlCol="0">
+            <a:spAutoFit/>
+          </a:bodyPr>
+          <a:lstStyle/>
+          <a:p>
+            <a:pPr algn="ctr"/>
+            <a:r>
+              <a:rPr lang="en-US" sz="1400" i="1" dirty="0" smtClean="0"/>
+              <a:t>HPC call</a:t>
+            </a:r>
+            <a:endParaRPr lang="en-US" sz="1400" i="1" dirty="0"/>
+          </a:p>
+        </p:txBody>
+      </p:sp>
+      <p:sp>
+        <p:nvSpPr>
+          <p:cNvPr id="60" name="TextBox 59"/>
+          <p:cNvSpPr txBox="1"/>
+          <p:nvPr/>
+        </p:nvSpPr>
+        <p:spPr>
+          <a:xfrm>
+            <a:off x="5181600" y="5029200"/>
+            <a:ext cx="1371600" cy="307777"/>
+          </a:xfrm>
+          <a:prstGeom prst="rect">
+            <a:avLst/>
+          </a:prstGeom>
+          <a:noFill/>
+        </p:spPr>
+        <p:txBody>
+          <a:bodyPr wrap="square" rtlCol="0">
+            <a:spAutoFit/>
+          </a:bodyPr>
+          <a:lstStyle/>
+          <a:p>
+            <a:pPr algn="ctr"/>
+            <a:r>
+              <a:rPr lang="en-US" sz="1400" i="1" dirty="0" smtClean="0"/>
+              <a:t>HPC call</a:t>
+            </a:r>
+            <a:endParaRPr lang="en-US" sz="1400" i="1" dirty="0"/>
+          </a:p>
+        </p:txBody>
+      </p:sp>
+    </p:spTree>
+  </p:cSld>
+  <p:clrMapOvr>
+    <a:masterClrMapping/>
+  </p:clrMapOvr>
+</p:sld>
+</file>
+
+<file path=ppt/slides/slide42.xml><?xml version="1.0" encoding="utf-8"?>
+<p:sld xmlns:a="http://schemas.openxmlformats.org/drawingml/2006/main" xmlns:r="http://schemas.openxmlformats.org/officeDocument/2006/relationships" xmlns:p="http://schemas.openxmlformats.org/presentationml/2006/main">
+  <p:cSld>
+    <p:spTree>
+      <p:nvGrpSpPr>
+        <p:cNvPr id="1" name=""/>
+        <p:cNvGrpSpPr/>
+        <p:nvPr/>
+      </p:nvGrpSpPr>
+      <p:grpSpPr>
+        <a:xfrm>
+          <a:off x="0" y="0"/>
+          <a:ext cx="0" cy="0"/>
+          <a:chOff x="0" y="0"/>
+          <a:chExt cx="0" cy="0"/>
+        </a:xfrm>
+      </p:grpSpPr>
+      <p:sp>
+        <p:nvSpPr>
+          <p:cNvPr id="8" name="Title 7"/>
+          <p:cNvSpPr>
+            <a:spLocks noGrp="1"/>
+          </p:cNvSpPr>
+          <p:nvPr>
+            <p:ph type="title"/>
+          </p:nvPr>
+        </p:nvSpPr>
+        <p:spPr/>
+        <p:txBody>
+          <a:bodyPr/>
+          <a:lstStyle/>
+          <a:p>
+            <a:r>
+              <a:rPr lang="en-US" dirty="0" smtClean="0"/>
+              <a:t>Data Provider Translation Layer</a:t>
+            </a:r>
+            <a:endParaRPr lang="en-US" dirty="0"/>
+          </a:p>
+        </p:txBody>
+      </p:sp>
+      <p:sp>
+        <p:nvSpPr>
+          <p:cNvPr id="9" name="Content Placeholder 8"/>
+          <p:cNvSpPr>
+            <a:spLocks noGrp="1"/>
+          </p:cNvSpPr>
+          <p:nvPr>
+            <p:ph idx="1"/>
+          </p:nvPr>
+        </p:nvSpPr>
+        <p:spPr/>
+        <p:txBody>
+          <a:bodyPr>
+            <a:normAutofit/>
+          </a:bodyPr>
+          <a:lstStyle/>
+          <a:p>
+            <a:r>
+              <a:rPr lang="en-US" dirty="0" err="1" smtClean="0"/>
+              <a:t>DataProviderManager</a:t>
+            </a:r>
+            <a:r>
+              <a:rPr lang="en-US" dirty="0" smtClean="0"/>
+              <a:t> class</a:t>
+            </a:r>
+          </a:p>
+          <a:p>
+            <a:pPr lvl="1">
+              <a:spcBef>
+                <a:spcPts val="0"/>
+              </a:spcBef>
+            </a:pPr>
+            <a:r>
+              <a:rPr lang="en-US" dirty="0" smtClean="0"/>
+              <a:t>Gets </a:t>
+            </a:r>
+            <a:r>
+              <a:rPr lang="en-US" dirty="0" smtClean="0"/>
+              <a:t>request info from </a:t>
+            </a:r>
+            <a:r>
+              <a:rPr lang="en-US" dirty="0" err="1" smtClean="0"/>
+              <a:t>DataQueryAdapter</a:t>
+            </a:r>
+            <a:r>
+              <a:rPr lang="en-US" dirty="0" smtClean="0"/>
+              <a:t> implementation</a:t>
+            </a:r>
+          </a:p>
+          <a:p>
+            <a:pPr lvl="1">
+              <a:spcBef>
+                <a:spcPts val="0"/>
+              </a:spcBef>
+            </a:pPr>
+            <a:r>
+              <a:rPr lang="en-US" dirty="0" smtClean="0"/>
+              <a:t>Validates request:</a:t>
+            </a:r>
+          </a:p>
+          <a:p>
+            <a:pPr lvl="2">
+              <a:spcBef>
+                <a:spcPts val="0"/>
+              </a:spcBef>
+            </a:pPr>
+            <a:r>
+              <a:rPr lang="en-US" dirty="0" smtClean="0"/>
+              <a:t>minimum authentication level met</a:t>
+            </a:r>
+          </a:p>
+          <a:p>
+            <a:pPr lvl="2">
+              <a:spcBef>
+                <a:spcPts val="0"/>
+              </a:spcBef>
+            </a:pPr>
+            <a:r>
+              <a:rPr lang="en-US" dirty="0" smtClean="0"/>
+              <a:t>assertion not expired</a:t>
+            </a:r>
+          </a:p>
+          <a:p>
+            <a:pPr lvl="2">
+              <a:spcBef>
+                <a:spcPts val="0"/>
+              </a:spcBef>
+            </a:pPr>
+            <a:r>
+              <a:rPr lang="en-US" dirty="0" smtClean="0"/>
+              <a:t>If Role is BORROWER, validate assertion SSN matches request SSN</a:t>
+            </a:r>
+          </a:p>
+          <a:p>
+            <a:pPr lvl="2">
+              <a:spcBef>
+                <a:spcPts val="0"/>
+              </a:spcBef>
+            </a:pPr>
+            <a:r>
+              <a:rPr lang="en-US" dirty="0" smtClean="0"/>
+              <a:t>Deny access to users with role HELPDESK</a:t>
+            </a:r>
+          </a:p>
+          <a:p>
+            <a:pPr lvl="1">
+              <a:spcBef>
+                <a:spcPts val="0"/>
+              </a:spcBef>
+            </a:pPr>
+            <a:r>
+              <a:rPr lang="en-US" dirty="0" smtClean="0"/>
+              <a:t>Calls </a:t>
+            </a:r>
+            <a:r>
+              <a:rPr lang="en-US" dirty="0" err="1" smtClean="0"/>
+              <a:t>DataServerAbstraction.getData</a:t>
+            </a:r>
+            <a:r>
+              <a:rPr lang="en-US" dirty="0" smtClean="0"/>
+              <a:t>()</a:t>
+            </a:r>
+          </a:p>
+          <a:p>
+            <a:endParaRPr lang="en-US" dirty="0" smtClean="0"/>
+          </a:p>
+        </p:txBody>
+      </p:sp>
+      <p:sp>
+        <p:nvSpPr>
+          <p:cNvPr id="7" name="Slide Number Placeholder 6"/>
+          <p:cNvSpPr>
+            <a:spLocks noGrp="1"/>
+          </p:cNvSpPr>
+          <p:nvPr>
+            <p:ph type="sldNum" sz="quarter" idx="12"/>
+          </p:nvPr>
+        </p:nvSpPr>
+        <p:spPr/>
+        <p:txBody>
+          <a:bodyPr/>
+          <a:lstStyle/>
+          <a:p>
+            <a:fld id="{6F99343D-46AE-4C14-8296-D13D823691DC}" type="slidenum">
+              <a:rPr lang="en-US" smtClean="0"/>
+              <a:pPr/>
+              <a:t>42</a:t>
+            </a:fld>
+            <a:endParaRPr lang="en-US" dirty="0"/>
+          </a:p>
+        </p:txBody>
+      </p:sp>
+    </p:spTree>
+  </p:cSld>
+  <p:clrMapOvr>
+    <a:masterClrMapping/>
+  </p:clrMapOvr>
+</p:sld>
+</file>
+
+<file path=ppt/slides/slide43.xml><?xml version="1.0" encoding="utf-8"?>
+<p:sld xmlns:a="http://schemas.openxmlformats.org/drawingml/2006/main" xmlns:r="http://schemas.openxmlformats.org/officeDocument/2006/relationships" xmlns:p="http://schemas.openxmlformats.org/presentationml/2006/main">
+  <p:cSld>
+    <p:spTree>
+      <p:nvGrpSpPr>
+        <p:cNvPr id="1" name=""/>
+        <p:cNvGrpSpPr/>
+        <p:nvPr/>
+      </p:nvGrpSpPr>
+      <p:grpSpPr>
+        <a:xfrm>
+          <a:off x="0" y="0"/>
+          <a:ext cx="0" cy="0"/>
+          <a:chOff x="0" y="0"/>
+          <a:chExt cx="0" cy="0"/>
+        </a:xfrm>
+      </p:grpSpPr>
+      <p:sp>
+        <p:nvSpPr>
+          <p:cNvPr id="2" name="Title 1"/>
+          <p:cNvSpPr>
+            <a:spLocks noGrp="1"/>
+          </p:cNvSpPr>
+          <p:nvPr>
+            <p:ph type="title"/>
+          </p:nvPr>
+        </p:nvSpPr>
+        <p:spPr/>
+        <p:txBody>
+          <a:bodyPr/>
+          <a:lstStyle/>
+          <a:p>
+            <a:r>
+              <a:rPr lang="en-US" dirty="0" smtClean="0"/>
+              <a:t>Data Provider Translation Layer</a:t>
+            </a:r>
+            <a:endParaRPr lang="en-US" dirty="0"/>
+          </a:p>
+        </p:txBody>
+      </p:sp>
+      <p:sp>
+        <p:nvSpPr>
+          <p:cNvPr id="3" name="Content Placeholder 2"/>
+          <p:cNvSpPr>
+            <a:spLocks noGrp="1"/>
+          </p:cNvSpPr>
+          <p:nvPr>
+            <p:ph idx="1"/>
+          </p:nvPr>
+        </p:nvSpPr>
+        <p:spPr/>
+        <p:txBody>
+          <a:bodyPr>
+            <a:normAutofit lnSpcReduction="10000"/>
+          </a:bodyPr>
+          <a:lstStyle/>
+          <a:p>
+            <a:r>
+              <a:rPr lang="en-US" dirty="0" err="1" smtClean="0"/>
+              <a:t>DataQueryAdapter</a:t>
+            </a:r>
+            <a:r>
+              <a:rPr lang="en-US" dirty="0" smtClean="0"/>
+              <a:t> interface</a:t>
+            </a:r>
+          </a:p>
+          <a:p>
+            <a:pPr lvl="1"/>
+            <a:r>
+              <a:rPr lang="en-US" dirty="0" err="1" smtClean="0"/>
+              <a:t>getRequest</a:t>
+            </a:r>
+            <a:r>
+              <a:rPr lang="en-US" dirty="0" smtClean="0"/>
+              <a:t>() method: returns wrapper object with request data</a:t>
+            </a:r>
+          </a:p>
+          <a:p>
+            <a:pPr lvl="1"/>
+            <a:r>
+              <a:rPr lang="en-US" dirty="0" err="1" smtClean="0"/>
+              <a:t>getResponse</a:t>
+            </a:r>
+            <a:r>
+              <a:rPr lang="en-US" dirty="0" smtClean="0"/>
+              <a:t>() method: sets data response on adapter</a:t>
+            </a:r>
+          </a:p>
+          <a:p>
+            <a:pPr lvl="1"/>
+            <a:r>
+              <a:rPr lang="en-US" dirty="0" smtClean="0"/>
+              <a:t>Implementations:</a:t>
+            </a:r>
+          </a:p>
+          <a:p>
+            <a:pPr lvl="2"/>
+            <a:r>
+              <a:rPr lang="en-US" dirty="0" err="1" smtClean="0"/>
+              <a:t>DataQueryAdapterImpl</a:t>
+            </a:r>
+            <a:endParaRPr lang="en-US" dirty="0" smtClean="0"/>
+          </a:p>
+          <a:p>
+            <a:pPr lvl="3"/>
+            <a:r>
+              <a:rPr lang="en-US" dirty="0" smtClean="0"/>
+              <a:t>Communicates with Meteor 4.0 </a:t>
+            </a:r>
+            <a:r>
+              <a:rPr lang="en-US" dirty="0" smtClean="0"/>
+              <a:t>Access Providers</a:t>
+            </a:r>
+            <a:endParaRPr lang="en-US" dirty="0" smtClean="0"/>
+          </a:p>
+          <a:p>
+            <a:pPr lvl="2"/>
+            <a:r>
+              <a:rPr lang="en-US" dirty="0" err="1" smtClean="0"/>
+              <a:t>HPCDataQueryAdapterImpl</a:t>
+            </a:r>
+            <a:endParaRPr lang="en-US" dirty="0" smtClean="0"/>
+          </a:p>
+          <a:p>
+            <a:pPr lvl="3"/>
+            <a:r>
+              <a:rPr lang="en-US" dirty="0" smtClean="0"/>
+              <a:t>Communicates with legacy </a:t>
+            </a:r>
+            <a:r>
+              <a:rPr lang="en-US" dirty="0" smtClean="0"/>
+              <a:t>Access Providers</a:t>
+            </a:r>
+            <a:endParaRPr lang="en-US" dirty="0" smtClean="0"/>
+          </a:p>
+        </p:txBody>
+      </p:sp>
+      <p:sp>
+        <p:nvSpPr>
+          <p:cNvPr id="4" name="Slide Number Placeholder 3"/>
+          <p:cNvSpPr>
+            <a:spLocks noGrp="1"/>
+          </p:cNvSpPr>
+          <p:nvPr>
+            <p:ph type="sldNum" sz="quarter" idx="12"/>
+          </p:nvPr>
+        </p:nvSpPr>
+        <p:spPr/>
+        <p:txBody>
+          <a:bodyPr/>
+          <a:lstStyle/>
+          <a:p>
+            <a:fld id="{6F99343D-46AE-4C14-8296-D13D823691DC}" type="slidenum">
+              <a:rPr lang="en-US" smtClean="0"/>
+              <a:pPr/>
+              <a:t>43</a:t>
+            </a:fld>
+            <a:endParaRPr lang="en-US" dirty="0"/>
+          </a:p>
+        </p:txBody>
+      </p:sp>
+    </p:spTree>
+  </p:cSld>
+  <p:clrMapOvr>
+    <a:masterClrMapping/>
+  </p:clrMapOvr>
+</p:sld>
+</file>
+
+<file path=ppt/slides/slide44.xml><?xml version="1.0" encoding="utf-8"?>
+<p:sld xmlns:a="http://schemas.openxmlformats.org/drawingml/2006/main" xmlns:r="http://schemas.openxmlformats.org/officeDocument/2006/relationships" xmlns:p="http://schemas.openxmlformats.org/presentationml/2006/main">
+  <p:cSld>
+    <p:spTree>
+      <p:nvGrpSpPr>
+        <p:cNvPr id="1" name=""/>
+        <p:cNvGrpSpPr/>
+        <p:nvPr/>
+      </p:nvGrpSpPr>
+      <p:grpSpPr>
+        <a:xfrm>
+          <a:off x="0" y="0"/>
+          <a:ext cx="0" cy="0"/>
+          <a:chOff x="0" y="0"/>
+          <a:chExt cx="0" cy="0"/>
+        </a:xfrm>
+      </p:grpSpPr>
+      <p:sp>
+        <p:nvSpPr>
+          <p:cNvPr id="2" name="Title 1"/>
+          <p:cNvSpPr>
+            <a:spLocks noGrp="1"/>
+          </p:cNvSpPr>
+          <p:nvPr>
+            <p:ph type="title"/>
+          </p:nvPr>
+        </p:nvSpPr>
+        <p:spPr/>
+        <p:txBody>
+          <a:bodyPr/>
+          <a:lstStyle/>
+          <a:p>
+            <a:r>
+              <a:rPr lang="en-US" dirty="0" smtClean="0"/>
+              <a:t>Backwards Compatibility Issues</a:t>
+            </a:r>
+            <a:endParaRPr lang="en-US" dirty="0"/>
+          </a:p>
+        </p:txBody>
+      </p:sp>
+      <p:sp>
+        <p:nvSpPr>
+          <p:cNvPr id="3" name="Content Placeholder 2"/>
+          <p:cNvSpPr>
+            <a:spLocks noGrp="1"/>
+          </p:cNvSpPr>
+          <p:nvPr>
+            <p:ph idx="1"/>
+          </p:nvPr>
+        </p:nvSpPr>
+        <p:spPr/>
+        <p:txBody>
+          <a:bodyPr>
+            <a:normAutofit fontScale="92500"/>
+          </a:bodyPr>
+          <a:lstStyle/>
+          <a:p>
+            <a:r>
+              <a:rPr lang="en-US" dirty="0" smtClean="0"/>
+              <a:t>Request and response schemas</a:t>
+            </a:r>
+          </a:p>
+          <a:p>
+            <a:pPr lvl="1"/>
+            <a:r>
+              <a:rPr lang="en-US" dirty="0" smtClean="0"/>
+              <a:t>XML schemas are different between versions 3 and 4</a:t>
+            </a:r>
+          </a:p>
+          <a:p>
+            <a:pPr lvl="1"/>
+            <a:r>
+              <a:rPr lang="en-US" dirty="0" smtClean="0"/>
+              <a:t>XSLT used to transform requests and responses to appropriate versions</a:t>
+            </a:r>
+          </a:p>
+          <a:p>
+            <a:r>
+              <a:rPr lang="en-US" dirty="0" smtClean="0"/>
+              <a:t>SAML</a:t>
+            </a:r>
+          </a:p>
+          <a:p>
+            <a:pPr lvl="1"/>
+            <a:r>
+              <a:rPr lang="en-US" dirty="0" smtClean="0"/>
+              <a:t>Meteor 3: SAML 1.0 draft</a:t>
+            </a:r>
+          </a:p>
+          <a:p>
+            <a:pPr lvl="1"/>
+            <a:r>
+              <a:rPr lang="en-US" dirty="0" smtClean="0"/>
+              <a:t>Meteor 4: SAML 2.0</a:t>
+            </a:r>
+          </a:p>
+          <a:p>
+            <a:pPr lvl="1"/>
+            <a:r>
+              <a:rPr lang="en-US" dirty="0" err="1" smtClean="0"/>
+              <a:t>OpenSAML</a:t>
+            </a:r>
+            <a:r>
+              <a:rPr lang="en-US" dirty="0" smtClean="0"/>
+              <a:t> + XSLT creates or parses either version of SAML</a:t>
+            </a:r>
+            <a:endParaRPr lang="en-US" dirty="0"/>
+          </a:p>
+        </p:txBody>
+      </p:sp>
+      <p:sp>
+        <p:nvSpPr>
+          <p:cNvPr id="4" name="Slide Number Placeholder 3"/>
+          <p:cNvSpPr>
+            <a:spLocks noGrp="1"/>
+          </p:cNvSpPr>
+          <p:nvPr>
+            <p:ph type="sldNum" sz="quarter" idx="12"/>
+          </p:nvPr>
+        </p:nvSpPr>
+        <p:spPr/>
+        <p:txBody>
+          <a:bodyPr/>
+          <a:lstStyle/>
+          <a:p>
+            <a:fld id="{6F99343D-46AE-4C14-8296-D13D823691DC}" type="slidenum">
+              <a:rPr lang="en-US" smtClean="0"/>
+              <a:pPr/>
+              <a:t>44</a:t>
+            </a:fld>
+            <a:endParaRPr lang="en-US" dirty="0"/>
+          </a:p>
+        </p:txBody>
+      </p:sp>
+    </p:spTree>
+  </p:cSld>
+  <p:clrMapOvr>
+    <a:masterClrMapping/>
+  </p:clrMapOvr>
+</p:sld>
+</file>
+
+<file path=ppt/slides/slide45.xml><?xml version="1.0" encoding="utf-8"?>
+<p:sld xmlns:a="http://schemas.openxmlformats.org/drawingml/2006/main" xmlns:r="http://schemas.openxmlformats.org/officeDocument/2006/relationships" xmlns:p="http://schemas.openxmlformats.org/presentationml/2006/main">
+  <p:cSld>
+    <p:spTree>
+      <p:nvGrpSpPr>
+        <p:cNvPr id="1" name=""/>
+        <p:cNvGrpSpPr/>
+        <p:nvPr/>
+      </p:nvGrpSpPr>
+      <p:grpSpPr>
+        <a:xfrm>
+          <a:off x="0" y="0"/>
+          <a:ext cx="0" cy="0"/>
+          <a:chOff x="0" y="0"/>
+          <a:chExt cx="0" cy="0"/>
+        </a:xfrm>
+      </p:grpSpPr>
+      <p:sp>
+        <p:nvSpPr>
+          <p:cNvPr id="2" name="Title 1"/>
+          <p:cNvSpPr>
+            <a:spLocks noGrp="1"/>
+          </p:cNvSpPr>
+          <p:nvPr>
+            <p:ph type="title"/>
+          </p:nvPr>
+        </p:nvSpPr>
+        <p:spPr/>
+        <p:txBody>
+          <a:bodyPr/>
+          <a:lstStyle/>
+          <a:p>
+            <a:r>
+              <a:rPr lang="en-US" dirty="0" smtClean="0"/>
+              <a:t>Backwards Compatibility Issues</a:t>
+            </a:r>
+            <a:endParaRPr lang="en-US" dirty="0"/>
+          </a:p>
+        </p:txBody>
+      </p:sp>
+      <p:sp>
+        <p:nvSpPr>
+          <p:cNvPr id="3" name="Content Placeholder 2"/>
+          <p:cNvSpPr>
+            <a:spLocks noGrp="1"/>
+          </p:cNvSpPr>
+          <p:nvPr>
+            <p:ph idx="1"/>
+          </p:nvPr>
+        </p:nvSpPr>
+        <p:spPr/>
+        <p:txBody>
+          <a:bodyPr>
+            <a:normAutofit fontScale="77500" lnSpcReduction="20000"/>
+          </a:bodyPr>
+          <a:lstStyle/>
+          <a:p>
+            <a:r>
+              <a:rPr lang="en-US" dirty="0" smtClean="0"/>
+              <a:t>HPC</a:t>
+            </a:r>
+          </a:p>
+          <a:p>
+            <a:pPr lvl="1"/>
+            <a:r>
+              <a:rPr lang="en-US" dirty="0" smtClean="0"/>
+              <a:t>Meteor 3 uses HPC while Meteor 4 uses SOAP 1.2 + WS-Security</a:t>
+            </a:r>
+          </a:p>
+          <a:p>
+            <a:pPr lvl="1"/>
+            <a:r>
+              <a:rPr lang="en-US" dirty="0" smtClean="0"/>
+              <a:t>Meteor 4 uses a custom implementation compatible with HPC when communicating with Meteor </a:t>
+            </a:r>
+            <a:r>
+              <a:rPr lang="en-US" dirty="0" smtClean="0"/>
+              <a:t>3</a:t>
+            </a:r>
+          </a:p>
+          <a:p>
+            <a:pPr lvl="2"/>
+            <a:r>
+              <a:rPr lang="en-US" dirty="0" err="1" smtClean="0"/>
+              <a:t>HPCManager</a:t>
+            </a:r>
+            <a:endParaRPr lang="en-US" dirty="0" smtClean="0"/>
+          </a:p>
+          <a:p>
+            <a:pPr lvl="2"/>
+            <a:r>
+              <a:rPr lang="en-US" dirty="0" err="1" smtClean="0"/>
+              <a:t>HPCSecurityManager</a:t>
+            </a:r>
+            <a:endParaRPr lang="en-US" dirty="0" smtClean="0"/>
+          </a:p>
+          <a:p>
+            <a:pPr lvl="2">
+              <a:buNone/>
+            </a:pPr>
+            <a:endParaRPr lang="en-US" dirty="0" smtClean="0"/>
+          </a:p>
+          <a:p>
+            <a:r>
+              <a:rPr lang="en-US" dirty="0" smtClean="0"/>
+              <a:t>HPC SOAP Wrapper binding is RPC/Encoded</a:t>
+            </a:r>
+          </a:p>
+          <a:p>
+            <a:pPr lvl="1"/>
+            <a:r>
+              <a:rPr lang="en-US" dirty="0" smtClean="0"/>
+              <a:t>RPC/Encoded not supported by CXF, JAX-WS or any implementation of WS-I Basic Profile</a:t>
+            </a:r>
+          </a:p>
+          <a:p>
+            <a:pPr lvl="1"/>
+            <a:r>
+              <a:rPr lang="en-US" dirty="0" smtClean="0"/>
+              <a:t>Meteor 4 uses a custom CXF interceptor that manually alters SOAP message to contain RPC/Encoded </a:t>
+            </a:r>
+            <a:r>
+              <a:rPr lang="en-US" dirty="0" smtClean="0"/>
+              <a:t>attributes</a:t>
+            </a:r>
+          </a:p>
+          <a:p>
+            <a:pPr lvl="2"/>
+            <a:r>
+              <a:rPr lang="en-US" dirty="0" err="1" smtClean="0"/>
+              <a:t>HPCRequestRPCEncodingInterceptor</a:t>
+            </a:r>
+            <a:endParaRPr lang="en-US" dirty="0" smtClean="0"/>
+          </a:p>
+          <a:p>
+            <a:pPr lvl="2"/>
+            <a:r>
+              <a:rPr lang="en-US" dirty="0" err="1" smtClean="0"/>
+              <a:t>HPCResponseRPCEncodingInterceptor</a:t>
+            </a:r>
+            <a:endParaRPr lang="en-US" dirty="0" smtClean="0"/>
+          </a:p>
+          <a:p>
+            <a:pPr lvl="1"/>
+            <a:endParaRPr lang="en-US" dirty="0"/>
+          </a:p>
+        </p:txBody>
+      </p:sp>
+      <p:sp>
+        <p:nvSpPr>
+          <p:cNvPr id="4" name="Slide Number Placeholder 3"/>
+          <p:cNvSpPr>
+            <a:spLocks noGrp="1"/>
+          </p:cNvSpPr>
+          <p:nvPr>
+            <p:ph type="sldNum" sz="quarter" idx="12"/>
+          </p:nvPr>
+        </p:nvSpPr>
+        <p:spPr/>
+        <p:txBody>
+          <a:bodyPr/>
+          <a:lstStyle/>
+          <a:p>
+            <a:fld id="{6F99343D-46AE-4C14-8296-D13D823691DC}" type="slidenum">
+              <a:rPr lang="en-US" smtClean="0"/>
+              <a:pPr/>
+              <a:t>45</a:t>
+            </a:fld>
+            <a:endParaRPr lang="en-US" dirty="0"/>
+          </a:p>
+        </p:txBody>
+      </p:sp>
+    </p:spTree>
+  </p:cSld>
+  <p:clrMapOvr>
+    <a:masterClrMapping/>
+  </p:clrMapOvr>
+</p:sld>
+</file>
+
+<file path=ppt/slides/slide46.xml><?xml version="1.0" encoding="utf-8"?>
+<p:sld xmlns:a="http://schemas.openxmlformats.org/drawingml/2006/main" xmlns:r="http://schemas.openxmlformats.org/officeDocument/2006/relationships" xmlns:p="http://schemas.openxmlformats.org/presentationml/2006/main">
+  <p:cSld>
+    <p:spTree>
+      <p:nvGrpSpPr>
+        <p:cNvPr id="1" name=""/>
+        <p:cNvGrpSpPr/>
+        <p:nvPr/>
+      </p:nvGrpSpPr>
+      <p:grpSpPr>
+        <a:xfrm>
+          <a:off x="0" y="0"/>
+          <a:ext cx="0" cy="0"/>
+          <a:chOff x="0" y="0"/>
+          <a:chExt cx="0" cy="0"/>
+        </a:xfrm>
+      </p:grpSpPr>
+      <p:sp>
+        <p:nvSpPr>
+          <p:cNvPr id="2" name="Title 1"/>
+          <p:cNvSpPr>
+            <a:spLocks noGrp="1"/>
+          </p:cNvSpPr>
+          <p:nvPr>
+            <p:ph type="title"/>
+          </p:nvPr>
+        </p:nvSpPr>
+        <p:spPr/>
+        <p:txBody>
+          <a:bodyPr>
+            <a:normAutofit fontScale="90000"/>
+          </a:bodyPr>
+          <a:lstStyle/>
+          <a:p>
+            <a:r>
+              <a:rPr lang="en-US" dirty="0" smtClean="0"/>
+              <a:t>Backwards Compatibility Translations:</a:t>
+            </a:r>
+            <a:br>
+              <a:rPr lang="en-US" dirty="0" smtClean="0"/>
+            </a:br>
+            <a:r>
+              <a:rPr lang="en-US" dirty="0" smtClean="0"/>
+              <a:t>4.0 AP to 3.3 DP</a:t>
+            </a:r>
+            <a:endParaRPr lang="en-US" dirty="0"/>
+          </a:p>
+        </p:txBody>
+      </p:sp>
+      <p:sp>
+        <p:nvSpPr>
+          <p:cNvPr id="4" name="Slide Number Placeholder 3"/>
+          <p:cNvSpPr>
+            <a:spLocks noGrp="1"/>
+          </p:cNvSpPr>
+          <p:nvPr>
+            <p:ph type="sldNum" sz="quarter" idx="12"/>
+          </p:nvPr>
+        </p:nvSpPr>
+        <p:spPr/>
+        <p:txBody>
+          <a:bodyPr/>
+          <a:lstStyle/>
+          <a:p>
+            <a:fld id="{6F99343D-46AE-4C14-8296-D13D823691DC}" type="slidenum">
+              <a:rPr lang="en-US" smtClean="0"/>
+              <a:pPr/>
+              <a:t>46</a:t>
+            </a:fld>
+            <a:endParaRPr lang="en-US" dirty="0"/>
+          </a:p>
+        </p:txBody>
+      </p:sp>
+      <p:sp>
+        <p:nvSpPr>
+          <p:cNvPr id="5" name="Flowchart: Connector 4"/>
+          <p:cNvSpPr/>
+          <p:nvPr/>
+        </p:nvSpPr>
+        <p:spPr>
+          <a:xfrm>
+            <a:off x="630038" y="2514600"/>
+            <a:ext cx="228600" cy="228600"/>
+          </a:xfrm>
+          <a:prstGeom prst="flowChartConnector">
+            <a:avLst/>
+          </a:prstGeom>
+        </p:spPr>
+        <p:style>
+          <a:lnRef idx="2">
+            <a:schemeClr val="accent1">
+              <a:shade val="50000"/>
+            </a:schemeClr>
+          </a:lnRef>
+          <a:fillRef idx="1">
+            <a:schemeClr val="accent1"/>
+          </a:fillRef>
+          <a:effectRef idx="0">
+            <a:schemeClr val="accent1"/>
+          </a:effectRef>
+          <a:fontRef idx="minor">
+            <a:schemeClr val="lt1"/>
+          </a:fontRef>
+        </p:style>
+        <p:txBody>
+          <a:bodyPr rtlCol="0" anchor="ctr"/>
+          <a:lstStyle/>
+          <a:p>
+            <a:pPr algn="ctr"/>
+            <a:endParaRPr lang="en-US"/>
+          </a:p>
+        </p:txBody>
+      </p:sp>
+      <p:sp>
+        <p:nvSpPr>
+          <p:cNvPr id="8" name="TextBox 7"/>
+          <p:cNvSpPr txBox="1"/>
+          <p:nvPr/>
+        </p:nvSpPr>
+        <p:spPr>
+          <a:xfrm>
+            <a:off x="533400" y="1905000"/>
+            <a:ext cx="2001638" cy="523220"/>
+          </a:xfrm>
+          <a:prstGeom prst="rect">
+            <a:avLst/>
+          </a:prstGeom>
+          <a:noFill/>
+        </p:spPr>
+        <p:txBody>
+          <a:bodyPr wrap="none" rtlCol="0">
+            <a:spAutoFit/>
+          </a:bodyPr>
+          <a:lstStyle/>
+          <a:p>
+            <a:r>
+              <a:rPr lang="en-US" sz="1400" i="1" dirty="0" smtClean="0"/>
+              <a:t>Meteor 4.0 Data Request</a:t>
+            </a:r>
+          </a:p>
+          <a:p>
+            <a:r>
+              <a:rPr lang="en-US" sz="1400" i="1" dirty="0" smtClean="0"/>
+              <a:t>SAML 2.0 Assertion</a:t>
+            </a:r>
+            <a:endParaRPr lang="en-US" sz="1400" i="1" dirty="0"/>
+          </a:p>
+        </p:txBody>
+      </p:sp>
+      <p:sp>
+        <p:nvSpPr>
+          <p:cNvPr id="9" name="Rectangle 8"/>
+          <p:cNvSpPr/>
+          <p:nvPr/>
+        </p:nvSpPr>
+        <p:spPr>
+          <a:xfrm>
+            <a:off x="1315838" y="2514600"/>
+            <a:ext cx="1447800" cy="685800"/>
+          </a:xfrm>
+          <a:prstGeom prst="rect">
+            <a:avLst/>
+          </a:prstGeom>
+        </p:spPr>
+        <p:style>
+          <a:lnRef idx="2">
+            <a:schemeClr val="accent1">
+              <a:shade val="50000"/>
+            </a:schemeClr>
+          </a:lnRef>
+          <a:fillRef idx="1">
+            <a:schemeClr val="accent1"/>
+          </a:fillRef>
+          <a:effectRef idx="0">
+            <a:schemeClr val="accent1"/>
+          </a:effectRef>
+          <a:fontRef idx="minor">
+            <a:schemeClr val="lt1"/>
+          </a:fontRef>
+        </p:style>
+        <p:txBody>
+          <a:bodyPr rtlCol="0" anchor="ctr"/>
+          <a:lstStyle/>
+          <a:p>
+            <a:pPr algn="ctr"/>
+            <a:r>
+              <a:rPr lang="en-US" sz="1600" dirty="0" smtClean="0"/>
+              <a:t>Transform XML request to 3.3 schema</a:t>
+            </a:r>
+            <a:endParaRPr lang="en-US" sz="1600" dirty="0"/>
+          </a:p>
+        </p:txBody>
+      </p:sp>
+      <p:cxnSp>
+        <p:nvCxnSpPr>
+          <p:cNvPr id="11" name="Shape 10"/>
+          <p:cNvCxnSpPr>
+            <a:stCxn id="5" idx="4"/>
+            <a:endCxn id="9" idx="1"/>
+          </p:cNvCxnSpPr>
+          <p:nvPr/>
+        </p:nvCxnSpPr>
+        <p:spPr>
+          <a:xfrm rot="16200000" flipH="1">
+            <a:off x="972938" y="2514600"/>
+            <a:ext cx="114300" cy="571500"/>
+          </a:xfrm>
+          <a:prstGeom prst="bentConnector2">
+            <a:avLst/>
+          </a:prstGeom>
+          <a:ln>
+            <a:tailEnd type="arrow"/>
+          </a:ln>
+        </p:spPr>
+        <p:style>
+          <a:lnRef idx="1">
+            <a:schemeClr val="accent1"/>
+          </a:lnRef>
+          <a:fillRef idx="0">
+            <a:schemeClr val="accent1"/>
+          </a:fillRef>
+          <a:effectRef idx="0">
+            <a:schemeClr val="accent1"/>
+          </a:effectRef>
+          <a:fontRef idx="minor">
+            <a:schemeClr val="tx1"/>
+          </a:fontRef>
+        </p:style>
+      </p:cxnSp>
+      <p:sp>
+        <p:nvSpPr>
+          <p:cNvPr id="12" name="Rectangle 11"/>
+          <p:cNvSpPr/>
+          <p:nvPr/>
+        </p:nvSpPr>
+        <p:spPr>
+          <a:xfrm>
+            <a:off x="3144638" y="2514600"/>
+            <a:ext cx="1274962" cy="685800"/>
+          </a:xfrm>
+          <a:prstGeom prst="rect">
+            <a:avLst/>
+          </a:prstGeom>
+        </p:spPr>
+        <p:style>
+          <a:lnRef idx="2">
+            <a:schemeClr val="accent1">
+              <a:shade val="50000"/>
+            </a:schemeClr>
+          </a:lnRef>
+          <a:fillRef idx="1">
+            <a:schemeClr val="accent1"/>
+          </a:fillRef>
+          <a:effectRef idx="0">
+            <a:schemeClr val="accent1"/>
+          </a:effectRef>
+          <a:fontRef idx="minor">
+            <a:schemeClr val="lt1"/>
+          </a:fontRef>
+        </p:style>
+        <p:txBody>
+          <a:bodyPr rtlCol="0" anchor="ctr"/>
+          <a:lstStyle/>
+          <a:p>
+            <a:pPr algn="ctr"/>
+            <a:r>
+              <a:rPr lang="en-US" sz="1600" dirty="0" smtClean="0"/>
+              <a:t>Create SAML 1.0 Draft assertion</a:t>
+            </a:r>
+            <a:endParaRPr lang="en-US" sz="1600" dirty="0"/>
+          </a:p>
+        </p:txBody>
+      </p:sp>
+      <p:cxnSp>
+        <p:nvCxnSpPr>
+          <p:cNvPr id="16" name="Straight Arrow Connector 15"/>
+          <p:cNvCxnSpPr>
+            <a:stCxn id="9" idx="3"/>
+            <a:endCxn id="12" idx="1"/>
+          </p:cNvCxnSpPr>
+          <p:nvPr/>
+        </p:nvCxnSpPr>
+        <p:spPr>
+          <a:xfrm>
+            <a:off x="2763638" y="2857500"/>
+            <a:ext cx="381000" cy="0"/>
+          </a:xfrm>
+          <a:prstGeom prst="straightConnector1">
+            <a:avLst/>
+          </a:prstGeom>
+          <a:ln>
+            <a:tailEnd type="arrow"/>
+          </a:ln>
+        </p:spPr>
+        <p:style>
+          <a:lnRef idx="1">
+            <a:schemeClr val="accent1"/>
+          </a:lnRef>
+          <a:fillRef idx="0">
+            <a:schemeClr val="accent1"/>
+          </a:fillRef>
+          <a:effectRef idx="0">
+            <a:schemeClr val="accent1"/>
+          </a:effectRef>
+          <a:fontRef idx="minor">
+            <a:schemeClr val="tx1"/>
+          </a:fontRef>
+        </p:style>
+      </p:cxnSp>
+      <p:sp>
+        <p:nvSpPr>
+          <p:cNvPr id="19" name="Rectangle 18"/>
+          <p:cNvSpPr/>
+          <p:nvPr/>
+        </p:nvSpPr>
+        <p:spPr>
+          <a:xfrm>
+            <a:off x="2438400" y="3581400"/>
+            <a:ext cx="1198762" cy="685800"/>
+          </a:xfrm>
+          <a:prstGeom prst="rect">
+            <a:avLst/>
+          </a:prstGeom>
+        </p:spPr>
+        <p:style>
+          <a:lnRef idx="2">
+            <a:schemeClr val="accent1">
+              <a:shade val="50000"/>
+            </a:schemeClr>
+          </a:lnRef>
+          <a:fillRef idx="1">
+            <a:schemeClr val="accent1"/>
+          </a:fillRef>
+          <a:effectRef idx="0">
+            <a:schemeClr val="accent1"/>
+          </a:effectRef>
+          <a:fontRef idx="minor">
+            <a:schemeClr val="lt1"/>
+          </a:fontRef>
+        </p:style>
+        <p:txBody>
+          <a:bodyPr rtlCol="0" anchor="ctr"/>
+          <a:lstStyle/>
+          <a:p>
+            <a:pPr algn="ctr"/>
+            <a:r>
+              <a:rPr lang="en-US" sz="1600" dirty="0" smtClean="0"/>
+              <a:t>Sign assertion and request</a:t>
+            </a:r>
+            <a:endParaRPr lang="en-US" sz="1600" dirty="0"/>
+          </a:p>
+        </p:txBody>
+      </p:sp>
+      <p:sp>
+        <p:nvSpPr>
+          <p:cNvPr id="20" name="Rectangle 19"/>
+          <p:cNvSpPr/>
+          <p:nvPr/>
+        </p:nvSpPr>
+        <p:spPr>
+          <a:xfrm>
+            <a:off x="3886200" y="3581400"/>
+            <a:ext cx="1295400" cy="685800"/>
+          </a:xfrm>
+          <a:prstGeom prst="rect">
+            <a:avLst/>
+          </a:prstGeom>
+        </p:spPr>
+        <p:style>
+          <a:lnRef idx="2">
+            <a:schemeClr val="accent1">
+              <a:shade val="50000"/>
+            </a:schemeClr>
+          </a:lnRef>
+          <a:fillRef idx="1">
+            <a:schemeClr val="accent1"/>
+          </a:fillRef>
+          <a:effectRef idx="0">
+            <a:schemeClr val="accent1"/>
+          </a:effectRef>
+          <a:fontRef idx="minor">
+            <a:schemeClr val="lt1"/>
+          </a:fontRef>
+        </p:style>
+        <p:txBody>
+          <a:bodyPr rtlCol="0" anchor="ctr"/>
+          <a:lstStyle/>
+          <a:p>
+            <a:pPr algn="ctr"/>
+            <a:r>
+              <a:rPr lang="en-US" sz="1600" dirty="0" smtClean="0"/>
+              <a:t>Create HPC Message</a:t>
+            </a:r>
+            <a:endParaRPr lang="en-US" sz="1600" dirty="0"/>
+          </a:p>
+        </p:txBody>
+      </p:sp>
+      <p:sp>
+        <p:nvSpPr>
+          <p:cNvPr id="21" name="Rectangle 20"/>
+          <p:cNvSpPr/>
+          <p:nvPr/>
+        </p:nvSpPr>
+        <p:spPr>
+          <a:xfrm>
+            <a:off x="5715000" y="3581400"/>
+            <a:ext cx="1371600" cy="685800"/>
+          </a:xfrm>
+          <a:prstGeom prst="rect">
+            <a:avLst/>
+          </a:prstGeom>
+        </p:spPr>
+        <p:style>
+          <a:lnRef idx="2">
+            <a:schemeClr val="accent1">
+              <a:shade val="50000"/>
+            </a:schemeClr>
+          </a:lnRef>
+          <a:fillRef idx="1">
+            <a:schemeClr val="accent1"/>
+          </a:fillRef>
+          <a:effectRef idx="0">
+            <a:schemeClr val="accent1"/>
+          </a:effectRef>
+          <a:fontRef idx="minor">
+            <a:schemeClr val="lt1"/>
+          </a:fontRef>
+        </p:style>
+        <p:txBody>
+          <a:bodyPr rtlCol="0" anchor="ctr"/>
+          <a:lstStyle/>
+          <a:p>
+            <a:pPr algn="ctr"/>
+            <a:r>
+              <a:rPr lang="en-US" sz="1600" dirty="0" smtClean="0"/>
+              <a:t>Change SOAP binding to RPC/Encoded</a:t>
+            </a:r>
+            <a:endParaRPr lang="en-US" sz="1600" dirty="0"/>
+          </a:p>
+        </p:txBody>
+      </p:sp>
+      <p:cxnSp>
+        <p:nvCxnSpPr>
+          <p:cNvPr id="23" name="Straight Arrow Connector 22"/>
+          <p:cNvCxnSpPr>
+            <a:stCxn id="19" idx="3"/>
+            <a:endCxn id="20" idx="1"/>
+          </p:cNvCxnSpPr>
+          <p:nvPr/>
+        </p:nvCxnSpPr>
+        <p:spPr>
+          <a:xfrm>
+            <a:off x="3637162" y="3924300"/>
+            <a:ext cx="249038" cy="0"/>
+          </a:xfrm>
+          <a:prstGeom prst="straightConnector1">
+            <a:avLst/>
+          </a:prstGeom>
+          <a:ln>
+            <a:tailEnd type="arrow"/>
+          </a:ln>
+        </p:spPr>
+        <p:style>
+          <a:lnRef idx="1">
+            <a:schemeClr val="accent1"/>
+          </a:lnRef>
+          <a:fillRef idx="0">
+            <a:schemeClr val="accent1"/>
+          </a:fillRef>
+          <a:effectRef idx="0">
+            <a:schemeClr val="accent1"/>
+          </a:effectRef>
+          <a:fontRef idx="minor">
+            <a:schemeClr val="tx1"/>
+          </a:fontRef>
+        </p:style>
+      </p:cxnSp>
+      <p:cxnSp>
+        <p:nvCxnSpPr>
+          <p:cNvPr id="25" name="Elbow Connector 24"/>
+          <p:cNvCxnSpPr>
+            <a:stCxn id="12" idx="2"/>
+            <a:endCxn id="19" idx="0"/>
+          </p:cNvCxnSpPr>
+          <p:nvPr/>
+        </p:nvCxnSpPr>
+        <p:spPr>
+          <a:xfrm rot="5400000">
+            <a:off x="3219450" y="3018731"/>
+            <a:ext cx="381000" cy="744338"/>
+          </a:xfrm>
+          <a:prstGeom prst="bentConnector3">
+            <a:avLst>
+              <a:gd name="adj1" fmla="val 50000"/>
+            </a:avLst>
+          </a:prstGeom>
+          <a:ln>
+            <a:tailEnd type="arrow"/>
+          </a:ln>
+        </p:spPr>
+        <p:style>
+          <a:lnRef idx="1">
+            <a:schemeClr val="accent1"/>
+          </a:lnRef>
+          <a:fillRef idx="0">
+            <a:schemeClr val="accent1"/>
+          </a:fillRef>
+          <a:effectRef idx="0">
+            <a:schemeClr val="accent1"/>
+          </a:effectRef>
+          <a:fontRef idx="minor">
+            <a:schemeClr val="tx1"/>
+          </a:fontRef>
+        </p:style>
+      </p:cxnSp>
+      <p:cxnSp>
+        <p:nvCxnSpPr>
+          <p:cNvPr id="27" name="Straight Arrow Connector 26"/>
+          <p:cNvCxnSpPr>
+            <a:stCxn id="20" idx="3"/>
+            <a:endCxn id="21" idx="1"/>
+          </p:cNvCxnSpPr>
+          <p:nvPr/>
+        </p:nvCxnSpPr>
+        <p:spPr>
+          <a:xfrm>
+            <a:off x="5181600" y="3924300"/>
+            <a:ext cx="533400" cy="0"/>
+          </a:xfrm>
+          <a:prstGeom prst="straightConnector1">
+            <a:avLst/>
+          </a:prstGeom>
+          <a:ln>
+            <a:tailEnd type="arrow"/>
+          </a:ln>
+        </p:spPr>
+        <p:style>
+          <a:lnRef idx="1">
+            <a:schemeClr val="accent1"/>
+          </a:lnRef>
+          <a:fillRef idx="0">
+            <a:schemeClr val="accent1"/>
+          </a:fillRef>
+          <a:effectRef idx="0">
+            <a:schemeClr val="accent1"/>
+          </a:effectRef>
+          <a:fontRef idx="minor">
+            <a:schemeClr val="tx1"/>
+          </a:fontRef>
+        </p:style>
+      </p:cxnSp>
+      <p:sp>
+        <p:nvSpPr>
+          <p:cNvPr id="30" name="Rectangle 29"/>
+          <p:cNvSpPr/>
+          <p:nvPr/>
+        </p:nvSpPr>
+        <p:spPr>
+          <a:xfrm>
+            <a:off x="7543800" y="2514600"/>
+            <a:ext cx="990600" cy="3429000"/>
+          </a:xfrm>
+          <a:prstGeom prst="rect">
+            <a:avLst/>
+          </a:prstGeom>
+        </p:spPr>
+        <p:style>
+          <a:lnRef idx="2">
+            <a:schemeClr val="dk1"/>
+          </a:lnRef>
+          <a:fillRef idx="1">
+            <a:schemeClr val="lt1"/>
+          </a:fillRef>
+          <a:effectRef idx="0">
+            <a:schemeClr val="dk1"/>
+          </a:effectRef>
+          <a:fontRef idx="minor">
+            <a:schemeClr val="dk1"/>
+          </a:fontRef>
+        </p:style>
+        <p:txBody>
+          <a:bodyPr rtlCol="0" anchor="ctr"/>
+          <a:lstStyle/>
+          <a:p>
+            <a:pPr algn="ctr"/>
+            <a:r>
+              <a:rPr lang="en-US" sz="1600" dirty="0" smtClean="0"/>
+              <a:t>3.3 </a:t>
+            </a:r>
+          </a:p>
+          <a:p>
+            <a:pPr algn="ctr"/>
+            <a:r>
+              <a:rPr lang="en-US" sz="1600" dirty="0" smtClean="0"/>
+              <a:t>Data Provider</a:t>
+            </a:r>
+            <a:endParaRPr lang="en-US" sz="1600" dirty="0"/>
+          </a:p>
+        </p:txBody>
+      </p:sp>
+      <p:cxnSp>
+        <p:nvCxnSpPr>
+          <p:cNvPr id="39" name="Straight Arrow Connector 38"/>
+          <p:cNvCxnSpPr>
+            <a:stCxn id="21" idx="3"/>
+          </p:cNvCxnSpPr>
+          <p:nvPr/>
+        </p:nvCxnSpPr>
+        <p:spPr>
+          <a:xfrm>
+            <a:off x="7086600" y="3924300"/>
+            <a:ext cx="457200" cy="0"/>
+          </a:xfrm>
+          <a:prstGeom prst="straightConnector1">
+            <a:avLst/>
+          </a:prstGeom>
+          <a:ln>
+            <a:tailEnd type="arrow"/>
+          </a:ln>
+        </p:spPr>
+        <p:style>
+          <a:lnRef idx="1">
+            <a:schemeClr val="accent1"/>
+          </a:lnRef>
+          <a:fillRef idx="0">
+            <a:schemeClr val="accent1"/>
+          </a:fillRef>
+          <a:effectRef idx="0">
+            <a:schemeClr val="accent1"/>
+          </a:effectRef>
+          <a:fontRef idx="minor">
+            <a:schemeClr val="tx1"/>
+          </a:fontRef>
+        </p:style>
+      </p:cxnSp>
+      <p:sp>
+        <p:nvSpPr>
+          <p:cNvPr id="40" name="Rectangle 39"/>
+          <p:cNvSpPr/>
+          <p:nvPr/>
+        </p:nvSpPr>
+        <p:spPr>
+          <a:xfrm>
+            <a:off x="3352800" y="5085040"/>
+            <a:ext cx="1447800" cy="685800"/>
+          </a:xfrm>
+          <a:prstGeom prst="rect">
+            <a:avLst/>
+          </a:prstGeom>
+        </p:spPr>
+        <p:style>
+          <a:lnRef idx="2">
+            <a:schemeClr val="accent1">
+              <a:shade val="50000"/>
+            </a:schemeClr>
+          </a:lnRef>
+          <a:fillRef idx="1">
+            <a:schemeClr val="accent1"/>
+          </a:fillRef>
+          <a:effectRef idx="0">
+            <a:schemeClr val="accent1"/>
+          </a:effectRef>
+          <a:fontRef idx="minor">
+            <a:schemeClr val="lt1"/>
+          </a:fontRef>
+        </p:style>
+        <p:txBody>
+          <a:bodyPr rtlCol="0" anchor="ctr"/>
+          <a:lstStyle/>
+          <a:p>
+            <a:pPr algn="ctr"/>
+            <a:r>
+              <a:rPr lang="en-US" sz="1600" dirty="0" smtClean="0"/>
+              <a:t>Extract response from HPC message</a:t>
+            </a:r>
+            <a:endParaRPr lang="en-US" sz="1600" dirty="0"/>
+          </a:p>
+        </p:txBody>
+      </p:sp>
+      <p:cxnSp>
+        <p:nvCxnSpPr>
+          <p:cNvPr id="45" name="Straight Arrow Connector 44"/>
+          <p:cNvCxnSpPr>
+            <a:endCxn id="40" idx="3"/>
+          </p:cNvCxnSpPr>
+          <p:nvPr/>
+        </p:nvCxnSpPr>
+        <p:spPr>
+          <a:xfrm flipH="1" flipV="1">
+            <a:off x="4800600" y="5427940"/>
+            <a:ext cx="2743200" cy="10180"/>
+          </a:xfrm>
+          <a:prstGeom prst="straightConnector1">
+            <a:avLst/>
+          </a:prstGeom>
+          <a:ln>
+            <a:tailEnd type="arrow"/>
+          </a:ln>
+        </p:spPr>
+        <p:style>
+          <a:lnRef idx="1">
+            <a:schemeClr val="accent1"/>
+          </a:lnRef>
+          <a:fillRef idx="0">
+            <a:schemeClr val="accent1"/>
+          </a:fillRef>
+          <a:effectRef idx="0">
+            <a:schemeClr val="accent1"/>
+          </a:effectRef>
+          <a:fontRef idx="minor">
+            <a:schemeClr val="tx1"/>
+          </a:fontRef>
+        </p:style>
+      </p:cxnSp>
+      <p:sp>
+        <p:nvSpPr>
+          <p:cNvPr id="47" name="TextBox 46"/>
+          <p:cNvSpPr txBox="1"/>
+          <p:nvPr/>
+        </p:nvSpPr>
+        <p:spPr>
+          <a:xfrm>
+            <a:off x="5439185" y="4876800"/>
+            <a:ext cx="2104615" cy="523220"/>
+          </a:xfrm>
+          <a:prstGeom prst="rect">
+            <a:avLst/>
+          </a:prstGeom>
+          <a:noFill/>
+        </p:spPr>
+        <p:txBody>
+          <a:bodyPr wrap="none" rtlCol="0">
+            <a:spAutoFit/>
+          </a:bodyPr>
+          <a:lstStyle/>
+          <a:p>
+            <a:pPr algn="r"/>
+            <a:r>
+              <a:rPr lang="en-US" sz="1400" i="1" dirty="0" smtClean="0"/>
+              <a:t>Meteor 3.3 Data Response</a:t>
+            </a:r>
+          </a:p>
+          <a:p>
+            <a:pPr algn="r"/>
+            <a:r>
+              <a:rPr lang="en-US" sz="1400" i="1" dirty="0" smtClean="0"/>
+              <a:t>SAML 1.0 Draft Assertion</a:t>
+            </a:r>
+            <a:endParaRPr lang="en-US" sz="1400" i="1" dirty="0"/>
+          </a:p>
+        </p:txBody>
+      </p:sp>
+      <p:sp>
+        <p:nvSpPr>
+          <p:cNvPr id="50" name="Rectangle 49"/>
+          <p:cNvSpPr/>
+          <p:nvPr/>
+        </p:nvSpPr>
+        <p:spPr>
+          <a:xfrm>
+            <a:off x="1371600" y="5085040"/>
+            <a:ext cx="1447800" cy="685800"/>
+          </a:xfrm>
+          <a:prstGeom prst="rect">
+            <a:avLst/>
+          </a:prstGeom>
+        </p:spPr>
+        <p:style>
+          <a:lnRef idx="2">
+            <a:schemeClr val="accent1">
+              <a:shade val="50000"/>
+            </a:schemeClr>
+          </a:lnRef>
+          <a:fillRef idx="1">
+            <a:schemeClr val="accent1"/>
+          </a:fillRef>
+          <a:effectRef idx="0">
+            <a:schemeClr val="accent1"/>
+          </a:effectRef>
+          <a:fontRef idx="minor">
+            <a:schemeClr val="lt1"/>
+          </a:fontRef>
+        </p:style>
+        <p:txBody>
+          <a:bodyPr rtlCol="0" anchor="ctr"/>
+          <a:lstStyle/>
+          <a:p>
+            <a:pPr algn="ctr"/>
+            <a:r>
+              <a:rPr lang="en-US" sz="1600" dirty="0" smtClean="0"/>
+              <a:t>Transform XML response to 4.0 schema</a:t>
+            </a:r>
+            <a:endParaRPr lang="en-US" sz="1600" dirty="0"/>
+          </a:p>
+        </p:txBody>
+      </p:sp>
+      <p:sp>
+        <p:nvSpPr>
+          <p:cNvPr id="53" name="Flowchart: Connector 52"/>
+          <p:cNvSpPr/>
+          <p:nvPr/>
+        </p:nvSpPr>
+        <p:spPr>
+          <a:xfrm>
+            <a:off x="609600" y="5313640"/>
+            <a:ext cx="228600" cy="228600"/>
+          </a:xfrm>
+          <a:prstGeom prst="flowChartConnector">
+            <a:avLst/>
+          </a:prstGeom>
+          <a:ln w="63500" cmpd="thinThick"/>
+        </p:spPr>
+        <p:style>
+          <a:lnRef idx="2">
+            <a:schemeClr val="accent1">
+              <a:shade val="50000"/>
+            </a:schemeClr>
+          </a:lnRef>
+          <a:fillRef idx="1">
+            <a:schemeClr val="accent1"/>
+          </a:fillRef>
+          <a:effectRef idx="0">
+            <a:schemeClr val="accent1"/>
+          </a:effectRef>
+          <a:fontRef idx="minor">
+            <a:schemeClr val="lt1"/>
+          </a:fontRef>
+        </p:style>
+        <p:txBody>
+          <a:bodyPr rtlCol="0" anchor="ctr"/>
+          <a:lstStyle/>
+          <a:p>
+            <a:pPr algn="ctr"/>
+            <a:endParaRPr lang="en-US"/>
+          </a:p>
+        </p:txBody>
+      </p:sp>
+      <p:cxnSp>
+        <p:nvCxnSpPr>
+          <p:cNvPr id="57" name="Straight Arrow Connector 56"/>
+          <p:cNvCxnSpPr>
+            <a:stCxn id="40" idx="1"/>
+            <a:endCxn id="50" idx="3"/>
+          </p:cNvCxnSpPr>
+          <p:nvPr/>
+        </p:nvCxnSpPr>
+        <p:spPr>
+          <a:xfrm flipH="1">
+            <a:off x="2819400" y="5427940"/>
+            <a:ext cx="533400" cy="0"/>
+          </a:xfrm>
+          <a:prstGeom prst="straightConnector1">
+            <a:avLst/>
+          </a:prstGeom>
+          <a:ln>
+            <a:tailEnd type="arrow"/>
+          </a:ln>
+        </p:spPr>
+        <p:style>
+          <a:lnRef idx="1">
+            <a:schemeClr val="accent1"/>
+          </a:lnRef>
+          <a:fillRef idx="0">
+            <a:schemeClr val="accent1"/>
+          </a:fillRef>
+          <a:effectRef idx="0">
+            <a:schemeClr val="accent1"/>
+          </a:effectRef>
+          <a:fontRef idx="minor">
+            <a:schemeClr val="tx1"/>
+          </a:fontRef>
+        </p:style>
+      </p:cxnSp>
+      <p:cxnSp>
+        <p:nvCxnSpPr>
+          <p:cNvPr id="59" name="Straight Arrow Connector 58"/>
+          <p:cNvCxnSpPr>
+            <a:stCxn id="50" idx="1"/>
+            <a:endCxn id="53" idx="6"/>
+          </p:cNvCxnSpPr>
+          <p:nvPr/>
+        </p:nvCxnSpPr>
+        <p:spPr>
+          <a:xfrm flipH="1">
+            <a:off x="838200" y="5427940"/>
+            <a:ext cx="533400" cy="0"/>
+          </a:xfrm>
+          <a:prstGeom prst="straightConnector1">
+            <a:avLst/>
+          </a:prstGeom>
+          <a:ln>
+            <a:tailEnd type="arrow"/>
+          </a:ln>
+        </p:spPr>
+        <p:style>
+          <a:lnRef idx="1">
+            <a:schemeClr val="accent1"/>
+          </a:lnRef>
+          <a:fillRef idx="0">
+            <a:schemeClr val="accent1"/>
+          </a:fillRef>
+          <a:effectRef idx="0">
+            <a:schemeClr val="accent1"/>
+          </a:effectRef>
+          <a:fontRef idx="minor">
+            <a:schemeClr val="tx1"/>
+          </a:fontRef>
+        </p:style>
+      </p:cxnSp>
+      <p:sp>
+        <p:nvSpPr>
+          <p:cNvPr id="26" name="TextBox 25"/>
+          <p:cNvSpPr txBox="1"/>
+          <p:nvPr/>
+        </p:nvSpPr>
+        <p:spPr>
+          <a:xfrm>
+            <a:off x="381000" y="1524000"/>
+            <a:ext cx="3577582" cy="369332"/>
+          </a:xfrm>
+          <a:prstGeom prst="rect">
+            <a:avLst/>
+          </a:prstGeom>
+          <a:noFill/>
+        </p:spPr>
+        <p:txBody>
+          <a:bodyPr wrap="none" rtlCol="0">
+            <a:spAutoFit/>
+          </a:bodyPr>
+          <a:lstStyle/>
+          <a:p>
+            <a:r>
+              <a:rPr lang="en-US" b="1" dirty="0" smtClean="0"/>
+              <a:t>In </a:t>
+            </a:r>
+            <a:r>
+              <a:rPr lang="en-US" b="1" dirty="0" err="1" smtClean="0"/>
+              <a:t>HPCDataQueryAdapterImpl</a:t>
+            </a:r>
+            <a:r>
+              <a:rPr lang="en-US" b="1" dirty="0" smtClean="0"/>
+              <a:t> (AP):</a:t>
+            </a:r>
+            <a:endParaRPr lang="en-US" b="1" dirty="0"/>
+          </a:p>
+        </p:txBody>
+      </p:sp>
+      <p:sp>
+        <p:nvSpPr>
+          <p:cNvPr id="56" name="Rectangle 55"/>
+          <p:cNvSpPr/>
+          <p:nvPr/>
+        </p:nvSpPr>
+        <p:spPr>
+          <a:xfrm>
+            <a:off x="457200" y="1905000"/>
+            <a:ext cx="4953000" cy="4114800"/>
+          </a:xfrm>
+          <a:prstGeom prst="rect">
+            <a:avLst/>
+          </a:prstGeom>
+          <a:noFill/>
+          <a:ln>
+            <a:prstDash val="sysDot"/>
+          </a:ln>
+        </p:spPr>
+        <p:style>
+          <a:lnRef idx="2">
+            <a:schemeClr val="dk1"/>
+          </a:lnRef>
+          <a:fillRef idx="1">
+            <a:schemeClr val="lt1"/>
+          </a:fillRef>
+          <a:effectRef idx="0">
+            <a:schemeClr val="dk1"/>
+          </a:effectRef>
+          <a:fontRef idx="minor">
+            <a:schemeClr val="dk1"/>
+          </a:fontRef>
+        </p:style>
+        <p:txBody>
+          <a:bodyPr rtlCol="0" anchor="ctr"/>
+          <a:lstStyle/>
+          <a:p>
+            <a:pPr algn="ctr"/>
+            <a:endParaRPr lang="en-US"/>
+          </a:p>
+        </p:txBody>
+      </p:sp>
+      <p:sp>
+        <p:nvSpPr>
+          <p:cNvPr id="58" name="TextBox 57"/>
+          <p:cNvSpPr txBox="1"/>
+          <p:nvPr/>
+        </p:nvSpPr>
+        <p:spPr>
+          <a:xfrm>
+            <a:off x="5638800" y="2658070"/>
+            <a:ext cx="1586140" cy="923330"/>
+          </a:xfrm>
+          <a:prstGeom prst="rect">
+            <a:avLst/>
+          </a:prstGeom>
+          <a:noFill/>
+        </p:spPr>
+        <p:txBody>
+          <a:bodyPr wrap="none" rtlCol="0">
+            <a:spAutoFit/>
+          </a:bodyPr>
+          <a:lstStyle/>
+          <a:p>
+            <a:r>
+              <a:rPr lang="en-US" b="1" dirty="0" smtClean="0"/>
+              <a:t>In </a:t>
+            </a:r>
+            <a:r>
+              <a:rPr lang="en-US" b="1" dirty="0" err="1" smtClean="0"/>
+              <a:t>HPCRequest</a:t>
+            </a:r>
+            <a:endParaRPr lang="en-US" b="1" dirty="0" smtClean="0"/>
+          </a:p>
+          <a:p>
+            <a:r>
+              <a:rPr lang="en-US" b="1" dirty="0" err="1" smtClean="0"/>
+              <a:t>RPCEncoding</a:t>
+            </a:r>
+            <a:endParaRPr lang="en-US" b="1" dirty="0" smtClean="0"/>
+          </a:p>
+          <a:p>
+            <a:r>
+              <a:rPr lang="en-US" b="1" dirty="0" smtClean="0"/>
+              <a:t>Interceptor</a:t>
+            </a:r>
+            <a:r>
+              <a:rPr lang="en-US" dirty="0" smtClean="0"/>
+              <a:t> </a:t>
+            </a:r>
+            <a:r>
+              <a:rPr lang="en-US" b="1" dirty="0" smtClean="0"/>
+              <a:t>:</a:t>
+            </a:r>
+            <a:endParaRPr lang="en-US" b="1" dirty="0"/>
+          </a:p>
+        </p:txBody>
+      </p:sp>
+    </p:spTree>
+  </p:cSld>
+  <p:clrMapOvr>
+    <a:masterClrMapping/>
+  </p:clrMapOvr>
+</p:sld>
+</file>
+
+<file path=ppt/slides/slide47.xml><?xml version="1.0" encoding="utf-8"?>
+<p:sld xmlns:a="http://schemas.openxmlformats.org/drawingml/2006/main" xmlns:r="http://schemas.openxmlformats.org/officeDocument/2006/relationships" xmlns:p="http://schemas.openxmlformats.org/presentationml/2006/main">
+  <p:cSld>
+    <p:spTree>
+      <p:nvGrpSpPr>
+        <p:cNvPr id="1" name=""/>
+        <p:cNvGrpSpPr/>
+        <p:nvPr/>
+      </p:nvGrpSpPr>
+      <p:grpSpPr>
+        <a:xfrm>
+          <a:off x="0" y="0"/>
+          <a:ext cx="0" cy="0"/>
+          <a:chOff x="0" y="0"/>
+          <a:chExt cx="0" cy="0"/>
+        </a:xfrm>
+      </p:grpSpPr>
+      <p:sp>
+        <p:nvSpPr>
+          <p:cNvPr id="61" name="Rectangle 60"/>
+          <p:cNvSpPr/>
+          <p:nvPr/>
+        </p:nvSpPr>
+        <p:spPr>
+          <a:xfrm>
+            <a:off x="3124200" y="1905000"/>
+            <a:ext cx="4038600" cy="3733800"/>
+          </a:xfrm>
+          <a:prstGeom prst="rect">
+            <a:avLst/>
+          </a:prstGeom>
+          <a:noFill/>
+          <a:ln>
+            <a:prstDash val="sysDot"/>
+          </a:ln>
+        </p:spPr>
+        <p:style>
+          <a:lnRef idx="2">
+            <a:schemeClr val="dk1"/>
+          </a:lnRef>
+          <a:fillRef idx="1">
+            <a:schemeClr val="lt1"/>
+          </a:fillRef>
+          <a:effectRef idx="0">
+            <a:schemeClr val="dk1"/>
+          </a:effectRef>
+          <a:fontRef idx="minor">
+            <a:schemeClr val="dk1"/>
+          </a:fontRef>
+        </p:style>
+        <p:txBody>
+          <a:bodyPr rtlCol="0" anchor="ctr"/>
+          <a:lstStyle/>
+          <a:p>
+            <a:pPr algn="ctr"/>
+            <a:endParaRPr lang="en-US"/>
+          </a:p>
+        </p:txBody>
+      </p:sp>
+      <p:sp>
+        <p:nvSpPr>
+          <p:cNvPr id="2" name="Title 1"/>
+          <p:cNvSpPr>
+            <a:spLocks noGrp="1"/>
+          </p:cNvSpPr>
+          <p:nvPr>
+            <p:ph type="title"/>
+          </p:nvPr>
+        </p:nvSpPr>
+        <p:spPr/>
+        <p:txBody>
+          <a:bodyPr>
+            <a:normAutofit fontScale="90000"/>
+          </a:bodyPr>
+          <a:lstStyle/>
+          <a:p>
+            <a:r>
+              <a:rPr lang="en-US" dirty="0" smtClean="0"/>
+              <a:t>Backwards Compatibility Translations:</a:t>
+            </a:r>
+            <a:br>
+              <a:rPr lang="en-US" dirty="0" smtClean="0"/>
+            </a:br>
+            <a:r>
+              <a:rPr lang="en-US" dirty="0" smtClean="0"/>
+              <a:t>3.3 AP to 4.0 DP</a:t>
+            </a:r>
+            <a:endParaRPr lang="en-US" dirty="0"/>
+          </a:p>
+        </p:txBody>
+      </p:sp>
+      <p:sp>
+        <p:nvSpPr>
+          <p:cNvPr id="4" name="Slide Number Placeholder 3"/>
+          <p:cNvSpPr>
+            <a:spLocks noGrp="1"/>
+          </p:cNvSpPr>
+          <p:nvPr>
+            <p:ph type="sldNum" sz="quarter" idx="12"/>
+          </p:nvPr>
+        </p:nvSpPr>
+        <p:spPr/>
+        <p:txBody>
+          <a:bodyPr/>
+          <a:lstStyle/>
+          <a:p>
+            <a:fld id="{6F99343D-46AE-4C14-8296-D13D823691DC}" type="slidenum">
+              <a:rPr lang="en-US" smtClean="0"/>
+              <a:pPr/>
+              <a:t>47</a:t>
+            </a:fld>
+            <a:endParaRPr lang="en-US" dirty="0"/>
+          </a:p>
+        </p:txBody>
+      </p:sp>
+      <p:sp>
+        <p:nvSpPr>
+          <p:cNvPr id="6" name="Rectangle 5"/>
+          <p:cNvSpPr/>
+          <p:nvPr/>
+        </p:nvSpPr>
+        <p:spPr>
+          <a:xfrm>
+            <a:off x="3352800" y="2057400"/>
+            <a:ext cx="1371600" cy="685800"/>
+          </a:xfrm>
+          <a:prstGeom prst="rect">
+            <a:avLst/>
+          </a:prstGeom>
+        </p:spPr>
+        <p:style>
+          <a:lnRef idx="2">
+            <a:schemeClr val="accent1">
+              <a:shade val="50000"/>
+            </a:schemeClr>
+          </a:lnRef>
+          <a:fillRef idx="1">
+            <a:schemeClr val="accent1"/>
+          </a:fillRef>
+          <a:effectRef idx="0">
+            <a:schemeClr val="accent1"/>
+          </a:effectRef>
+          <a:fontRef idx="minor">
+            <a:schemeClr val="lt1"/>
+          </a:fontRef>
+        </p:style>
+        <p:txBody>
+          <a:bodyPr rtlCol="0" anchor="ctr"/>
+          <a:lstStyle/>
+          <a:p>
+            <a:pPr algn="ctr"/>
+            <a:r>
+              <a:rPr lang="en-US" sz="1600" dirty="0" smtClean="0"/>
+              <a:t>Extract request from HPC message</a:t>
+            </a:r>
+            <a:endParaRPr lang="en-US" sz="1600" dirty="0"/>
+          </a:p>
+        </p:txBody>
+      </p:sp>
+      <p:sp>
+        <p:nvSpPr>
+          <p:cNvPr id="7" name="Rectangle 6"/>
+          <p:cNvSpPr/>
+          <p:nvPr/>
+        </p:nvSpPr>
+        <p:spPr>
+          <a:xfrm>
+            <a:off x="5029200" y="2057400"/>
+            <a:ext cx="990600" cy="685800"/>
+          </a:xfrm>
+          <a:prstGeom prst="rect">
+            <a:avLst/>
+          </a:prstGeom>
+        </p:spPr>
+        <p:style>
+          <a:lnRef idx="2">
+            <a:schemeClr val="accent1">
+              <a:shade val="50000"/>
+            </a:schemeClr>
+          </a:lnRef>
+          <a:fillRef idx="1">
+            <a:schemeClr val="accent1"/>
+          </a:fillRef>
+          <a:effectRef idx="0">
+            <a:schemeClr val="accent1"/>
+          </a:effectRef>
+          <a:fontRef idx="minor">
+            <a:schemeClr val="lt1"/>
+          </a:fontRef>
+        </p:style>
+        <p:txBody>
+          <a:bodyPr rtlCol="0" anchor="ctr"/>
+          <a:lstStyle/>
+          <a:p>
+            <a:pPr algn="ctr"/>
+            <a:r>
+              <a:rPr lang="en-US" sz="1600" dirty="0" smtClean="0"/>
+              <a:t>Validate message signature</a:t>
+            </a:r>
+            <a:endParaRPr lang="en-US" sz="1600" dirty="0"/>
+          </a:p>
+        </p:txBody>
+      </p:sp>
+      <p:sp>
+        <p:nvSpPr>
+          <p:cNvPr id="8" name="Rectangle 7"/>
+          <p:cNvSpPr/>
+          <p:nvPr/>
+        </p:nvSpPr>
+        <p:spPr>
+          <a:xfrm>
+            <a:off x="4191000" y="3124200"/>
+            <a:ext cx="990600" cy="685800"/>
+          </a:xfrm>
+          <a:prstGeom prst="rect">
+            <a:avLst/>
+          </a:prstGeom>
+        </p:spPr>
+        <p:style>
+          <a:lnRef idx="2">
+            <a:schemeClr val="accent1">
+              <a:shade val="50000"/>
+            </a:schemeClr>
+          </a:lnRef>
+          <a:fillRef idx="1">
+            <a:schemeClr val="accent1"/>
+          </a:fillRef>
+          <a:effectRef idx="0">
+            <a:schemeClr val="accent1"/>
+          </a:effectRef>
+          <a:fontRef idx="minor">
+            <a:schemeClr val="lt1"/>
+          </a:fontRef>
+        </p:style>
+        <p:txBody>
+          <a:bodyPr rtlCol="0" anchor="ctr"/>
+          <a:lstStyle/>
+          <a:p>
+            <a:pPr algn="ctr"/>
+            <a:r>
+              <a:rPr lang="en-US" sz="1600" dirty="0" smtClean="0"/>
+              <a:t>Validate assertion</a:t>
+            </a:r>
+            <a:endParaRPr lang="en-US" sz="1600" dirty="0"/>
+          </a:p>
+        </p:txBody>
+      </p:sp>
+      <p:sp>
+        <p:nvSpPr>
+          <p:cNvPr id="9" name="Rectangle 8"/>
+          <p:cNvSpPr/>
+          <p:nvPr/>
+        </p:nvSpPr>
+        <p:spPr>
+          <a:xfrm>
+            <a:off x="5486400" y="3124200"/>
+            <a:ext cx="1371600" cy="685800"/>
+          </a:xfrm>
+          <a:prstGeom prst="rect">
+            <a:avLst/>
+          </a:prstGeom>
+        </p:spPr>
+        <p:style>
+          <a:lnRef idx="2">
+            <a:schemeClr val="accent1">
+              <a:shade val="50000"/>
+            </a:schemeClr>
+          </a:lnRef>
+          <a:fillRef idx="1">
+            <a:schemeClr val="accent1"/>
+          </a:fillRef>
+          <a:effectRef idx="0">
+            <a:schemeClr val="accent1"/>
+          </a:effectRef>
+          <a:fontRef idx="minor">
+            <a:schemeClr val="lt1"/>
+          </a:fontRef>
+        </p:style>
+        <p:txBody>
+          <a:bodyPr rtlCol="0" anchor="ctr"/>
+          <a:lstStyle/>
+          <a:p>
+            <a:pPr algn="ctr"/>
+            <a:r>
+              <a:rPr lang="en-US" sz="1600" dirty="0" smtClean="0"/>
+              <a:t>Transform XML request to 4.0 schema</a:t>
+            </a:r>
+            <a:endParaRPr lang="en-US" sz="1600" dirty="0"/>
+          </a:p>
+        </p:txBody>
+      </p:sp>
+      <p:sp>
+        <p:nvSpPr>
+          <p:cNvPr id="10" name="Flowchart: Connector 9"/>
+          <p:cNvSpPr/>
+          <p:nvPr/>
+        </p:nvSpPr>
+        <p:spPr>
+          <a:xfrm>
+            <a:off x="609600" y="2286000"/>
+            <a:ext cx="228600" cy="228600"/>
+          </a:xfrm>
+          <a:prstGeom prst="flowChartConnector">
+            <a:avLst/>
+          </a:prstGeom>
+        </p:spPr>
+        <p:style>
+          <a:lnRef idx="2">
+            <a:schemeClr val="accent1">
+              <a:shade val="50000"/>
+            </a:schemeClr>
+          </a:lnRef>
+          <a:fillRef idx="1">
+            <a:schemeClr val="accent1"/>
+          </a:fillRef>
+          <a:effectRef idx="0">
+            <a:schemeClr val="accent1"/>
+          </a:effectRef>
+          <a:fontRef idx="minor">
+            <a:schemeClr val="lt1"/>
+          </a:fontRef>
+        </p:style>
+        <p:txBody>
+          <a:bodyPr rtlCol="0" anchor="ctr"/>
+          <a:lstStyle/>
+          <a:p>
+            <a:pPr algn="ctr"/>
+            <a:endParaRPr lang="en-US"/>
+          </a:p>
+        </p:txBody>
+      </p:sp>
+      <p:sp>
+        <p:nvSpPr>
+          <p:cNvPr id="11" name="Flowchart: Connector 10"/>
+          <p:cNvSpPr/>
+          <p:nvPr/>
+        </p:nvSpPr>
+        <p:spPr>
+          <a:xfrm>
+            <a:off x="609600" y="5029200"/>
+            <a:ext cx="228600" cy="228600"/>
+          </a:xfrm>
+          <a:prstGeom prst="flowChartConnector">
+            <a:avLst/>
+          </a:prstGeom>
+          <a:ln w="63500" cmpd="thinThick"/>
+        </p:spPr>
+        <p:style>
+          <a:lnRef idx="2">
+            <a:schemeClr val="accent1">
+              <a:shade val="50000"/>
+            </a:schemeClr>
+          </a:lnRef>
+          <a:fillRef idx="1">
+            <a:schemeClr val="accent1"/>
+          </a:fillRef>
+          <a:effectRef idx="0">
+            <a:schemeClr val="accent1"/>
+          </a:effectRef>
+          <a:fontRef idx="minor">
+            <a:schemeClr val="lt1"/>
+          </a:fontRef>
+        </p:style>
+        <p:txBody>
+          <a:bodyPr rtlCol="0" anchor="ctr"/>
+          <a:lstStyle/>
+          <a:p>
+            <a:pPr algn="ctr"/>
+            <a:endParaRPr lang="en-US"/>
+          </a:p>
+        </p:txBody>
+      </p:sp>
+      <p:sp>
+        <p:nvSpPr>
+          <p:cNvPr id="16" name="Rectangle 15"/>
+          <p:cNvSpPr/>
+          <p:nvPr/>
+        </p:nvSpPr>
+        <p:spPr>
+          <a:xfrm>
+            <a:off x="5410200" y="4800600"/>
+            <a:ext cx="1447800" cy="685800"/>
+          </a:xfrm>
+          <a:prstGeom prst="rect">
+            <a:avLst/>
+          </a:prstGeom>
+        </p:spPr>
+        <p:style>
+          <a:lnRef idx="2">
+            <a:schemeClr val="accent1">
+              <a:shade val="50000"/>
+            </a:schemeClr>
+          </a:lnRef>
+          <a:fillRef idx="1">
+            <a:schemeClr val="accent1"/>
+          </a:fillRef>
+          <a:effectRef idx="0">
+            <a:schemeClr val="accent1"/>
+          </a:effectRef>
+          <a:fontRef idx="minor">
+            <a:schemeClr val="lt1"/>
+          </a:fontRef>
+        </p:style>
+        <p:txBody>
+          <a:bodyPr rtlCol="0" anchor="ctr"/>
+          <a:lstStyle/>
+          <a:p>
+            <a:pPr algn="ctr"/>
+            <a:r>
+              <a:rPr lang="en-US" sz="1600" dirty="0" smtClean="0"/>
+              <a:t>Transform </a:t>
+            </a:r>
+            <a:r>
+              <a:rPr lang="en-US" sz="1600" dirty="0" smtClean="0"/>
+              <a:t>XML response into 3.3 schema</a:t>
+            </a:r>
+            <a:endParaRPr lang="en-US" sz="1600" dirty="0"/>
+          </a:p>
+        </p:txBody>
+      </p:sp>
+      <p:sp>
+        <p:nvSpPr>
+          <p:cNvPr id="17" name="Rectangle 16"/>
+          <p:cNvSpPr/>
+          <p:nvPr/>
+        </p:nvSpPr>
+        <p:spPr>
+          <a:xfrm>
+            <a:off x="3352800" y="4800600"/>
+            <a:ext cx="1447800" cy="685800"/>
+          </a:xfrm>
+          <a:prstGeom prst="rect">
+            <a:avLst/>
+          </a:prstGeom>
+        </p:spPr>
+        <p:style>
+          <a:lnRef idx="2">
+            <a:schemeClr val="accent1">
+              <a:shade val="50000"/>
+            </a:schemeClr>
+          </a:lnRef>
+          <a:fillRef idx="1">
+            <a:schemeClr val="accent1"/>
+          </a:fillRef>
+          <a:effectRef idx="0">
+            <a:schemeClr val="accent1"/>
+          </a:effectRef>
+          <a:fontRef idx="minor">
+            <a:schemeClr val="lt1"/>
+          </a:fontRef>
+        </p:style>
+        <p:txBody>
+          <a:bodyPr rtlCol="0" anchor="ctr"/>
+          <a:lstStyle/>
+          <a:p>
+            <a:pPr algn="ctr"/>
+            <a:r>
+              <a:rPr lang="en-US" sz="1600" dirty="0" smtClean="0"/>
+              <a:t>Create HPC response message</a:t>
+            </a:r>
+            <a:endParaRPr lang="en-US" sz="1600" dirty="0"/>
+          </a:p>
+        </p:txBody>
+      </p:sp>
+      <p:cxnSp>
+        <p:nvCxnSpPr>
+          <p:cNvPr id="21" name="Straight Arrow Connector 20"/>
+          <p:cNvCxnSpPr>
+            <a:stCxn id="6" idx="3"/>
+            <a:endCxn id="7" idx="1"/>
+          </p:cNvCxnSpPr>
+          <p:nvPr/>
+        </p:nvCxnSpPr>
+        <p:spPr>
+          <a:xfrm>
+            <a:off x="4724400" y="2400300"/>
+            <a:ext cx="304800" cy="0"/>
+          </a:xfrm>
+          <a:prstGeom prst="straightConnector1">
+            <a:avLst/>
+          </a:prstGeom>
+          <a:ln>
+            <a:tailEnd type="arrow"/>
+          </a:ln>
+        </p:spPr>
+        <p:style>
+          <a:lnRef idx="1">
+            <a:schemeClr val="accent1"/>
+          </a:lnRef>
+          <a:fillRef idx="0">
+            <a:schemeClr val="accent1"/>
+          </a:fillRef>
+          <a:effectRef idx="0">
+            <a:schemeClr val="accent1"/>
+          </a:effectRef>
+          <a:fontRef idx="minor">
+            <a:schemeClr val="tx1"/>
+          </a:fontRef>
+        </p:style>
+      </p:cxnSp>
+      <p:cxnSp>
+        <p:nvCxnSpPr>
+          <p:cNvPr id="25" name="Straight Arrow Connector 24"/>
+          <p:cNvCxnSpPr>
+            <a:stCxn id="8" idx="3"/>
+            <a:endCxn id="9" idx="1"/>
+          </p:cNvCxnSpPr>
+          <p:nvPr/>
+        </p:nvCxnSpPr>
+        <p:spPr>
+          <a:xfrm>
+            <a:off x="5181600" y="3467100"/>
+            <a:ext cx="304800" cy="0"/>
+          </a:xfrm>
+          <a:prstGeom prst="straightConnector1">
+            <a:avLst/>
+          </a:prstGeom>
+          <a:ln>
+            <a:tailEnd type="arrow"/>
+          </a:ln>
+        </p:spPr>
+        <p:style>
+          <a:lnRef idx="1">
+            <a:schemeClr val="accent1"/>
+          </a:lnRef>
+          <a:fillRef idx="0">
+            <a:schemeClr val="accent1"/>
+          </a:fillRef>
+          <a:effectRef idx="0">
+            <a:schemeClr val="accent1"/>
+          </a:effectRef>
+          <a:fontRef idx="minor">
+            <a:schemeClr val="tx1"/>
+          </a:fontRef>
+        </p:style>
+      </p:cxnSp>
+      <p:cxnSp>
+        <p:nvCxnSpPr>
+          <p:cNvPr id="27" name="Straight Arrow Connector 26"/>
+          <p:cNvCxnSpPr>
+            <a:stCxn id="16" idx="1"/>
+            <a:endCxn id="17" idx="3"/>
+          </p:cNvCxnSpPr>
+          <p:nvPr/>
+        </p:nvCxnSpPr>
+        <p:spPr>
+          <a:xfrm flipH="1">
+            <a:off x="4800600" y="5143500"/>
+            <a:ext cx="609600" cy="0"/>
+          </a:xfrm>
+          <a:prstGeom prst="straightConnector1">
+            <a:avLst/>
+          </a:prstGeom>
+          <a:ln>
+            <a:tailEnd type="arrow"/>
+          </a:ln>
+        </p:spPr>
+        <p:style>
+          <a:lnRef idx="1">
+            <a:schemeClr val="accent1"/>
+          </a:lnRef>
+          <a:fillRef idx="0">
+            <a:schemeClr val="accent1"/>
+          </a:fillRef>
+          <a:effectRef idx="0">
+            <a:schemeClr val="accent1"/>
+          </a:effectRef>
+          <a:fontRef idx="minor">
+            <a:schemeClr val="tx1"/>
+          </a:fontRef>
+        </p:style>
+      </p:cxnSp>
+      <p:cxnSp>
+        <p:nvCxnSpPr>
+          <p:cNvPr id="29" name="Straight Arrow Connector 28"/>
+          <p:cNvCxnSpPr>
+            <a:stCxn id="17" idx="1"/>
+            <a:endCxn id="63" idx="3"/>
+          </p:cNvCxnSpPr>
+          <p:nvPr/>
+        </p:nvCxnSpPr>
+        <p:spPr>
+          <a:xfrm flipH="1">
+            <a:off x="2895600" y="5143500"/>
+            <a:ext cx="457200" cy="0"/>
+          </a:xfrm>
+          <a:prstGeom prst="straightConnector1">
+            <a:avLst/>
+          </a:prstGeom>
+          <a:ln>
+            <a:tailEnd type="arrow"/>
+          </a:ln>
+        </p:spPr>
+        <p:style>
+          <a:lnRef idx="1">
+            <a:schemeClr val="accent1"/>
+          </a:lnRef>
+          <a:fillRef idx="0">
+            <a:schemeClr val="accent1"/>
+          </a:fillRef>
+          <a:effectRef idx="0">
+            <a:schemeClr val="accent1"/>
+          </a:effectRef>
+          <a:fontRef idx="minor">
+            <a:schemeClr val="tx1"/>
+          </a:fontRef>
+        </p:style>
+      </p:cxnSp>
+      <p:cxnSp>
+        <p:nvCxnSpPr>
+          <p:cNvPr id="31" name="Shape 30"/>
+          <p:cNvCxnSpPr>
+            <a:stCxn id="7" idx="2"/>
+            <a:endCxn id="8" idx="0"/>
+          </p:cNvCxnSpPr>
+          <p:nvPr/>
+        </p:nvCxnSpPr>
+        <p:spPr>
+          <a:xfrm rot="5400000">
+            <a:off x="4914900" y="2514600"/>
+            <a:ext cx="381000" cy="838200"/>
+          </a:xfrm>
+          <a:prstGeom prst="bentConnector3">
+            <a:avLst>
+              <a:gd name="adj1" fmla="val 50000"/>
+            </a:avLst>
+          </a:prstGeom>
+          <a:ln>
+            <a:tailEnd type="arrow"/>
+          </a:ln>
+        </p:spPr>
+        <p:style>
+          <a:lnRef idx="1">
+            <a:schemeClr val="accent1"/>
+          </a:lnRef>
+          <a:fillRef idx="0">
+            <a:schemeClr val="accent1"/>
+          </a:fillRef>
+          <a:effectRef idx="0">
+            <a:schemeClr val="accent1"/>
+          </a:effectRef>
+          <a:fontRef idx="minor">
+            <a:schemeClr val="tx1"/>
+          </a:fontRef>
+        </p:style>
+      </p:cxnSp>
+      <p:sp>
+        <p:nvSpPr>
+          <p:cNvPr id="32" name="Rectangle 31"/>
+          <p:cNvSpPr/>
+          <p:nvPr/>
+        </p:nvSpPr>
+        <p:spPr>
+          <a:xfrm>
+            <a:off x="7467600" y="3124200"/>
+            <a:ext cx="1143000" cy="2362200"/>
+          </a:xfrm>
+          <a:prstGeom prst="rect">
+            <a:avLst/>
+          </a:prstGeom>
+        </p:spPr>
+        <p:style>
+          <a:lnRef idx="2">
+            <a:schemeClr val="dk1"/>
+          </a:lnRef>
+          <a:fillRef idx="1">
+            <a:schemeClr val="lt1"/>
+          </a:fillRef>
+          <a:effectRef idx="0">
+            <a:schemeClr val="dk1"/>
+          </a:effectRef>
+          <a:fontRef idx="minor">
+            <a:schemeClr val="dk1"/>
+          </a:fontRef>
+        </p:style>
+        <p:txBody>
+          <a:bodyPr rtlCol="0" anchor="ctr"/>
+          <a:lstStyle/>
+          <a:p>
+            <a:pPr algn="ctr"/>
+            <a:r>
+              <a:rPr lang="en-US" dirty="0" smtClean="0"/>
+              <a:t>Data Provider Manager</a:t>
+            </a:r>
+            <a:endParaRPr lang="en-US" dirty="0"/>
+          </a:p>
+        </p:txBody>
+      </p:sp>
+      <p:sp>
+        <p:nvSpPr>
+          <p:cNvPr id="38" name="TextBox 37"/>
+          <p:cNvSpPr txBox="1"/>
+          <p:nvPr/>
+        </p:nvSpPr>
+        <p:spPr>
+          <a:xfrm>
+            <a:off x="381000" y="1762780"/>
+            <a:ext cx="2001638" cy="523220"/>
+          </a:xfrm>
+          <a:prstGeom prst="rect">
+            <a:avLst/>
+          </a:prstGeom>
+          <a:noFill/>
+        </p:spPr>
+        <p:txBody>
+          <a:bodyPr wrap="none" rtlCol="0">
+            <a:spAutoFit/>
+          </a:bodyPr>
+          <a:lstStyle/>
+          <a:p>
+            <a:r>
+              <a:rPr lang="en-US" sz="1400" i="1" dirty="0" smtClean="0"/>
+              <a:t>Meteor </a:t>
+            </a:r>
+            <a:r>
+              <a:rPr lang="en-US" sz="1400" i="1" dirty="0" smtClean="0"/>
+              <a:t>3.3 Data </a:t>
+            </a:r>
+            <a:r>
+              <a:rPr lang="en-US" sz="1400" i="1" dirty="0" smtClean="0"/>
+              <a:t>Request</a:t>
+            </a:r>
+          </a:p>
+          <a:p>
+            <a:r>
+              <a:rPr lang="en-US" sz="1400" i="1" dirty="0" smtClean="0"/>
+              <a:t>SAML </a:t>
+            </a:r>
+            <a:r>
+              <a:rPr lang="en-US" sz="1400" i="1" dirty="0" smtClean="0"/>
+              <a:t>1.0 Draft </a:t>
+            </a:r>
+            <a:r>
+              <a:rPr lang="en-US" sz="1400" i="1" dirty="0" smtClean="0"/>
+              <a:t>Assertion</a:t>
+            </a:r>
+            <a:endParaRPr lang="en-US" sz="1400" i="1" dirty="0"/>
+          </a:p>
+        </p:txBody>
+      </p:sp>
+      <p:sp>
+        <p:nvSpPr>
+          <p:cNvPr id="45" name="TextBox 44"/>
+          <p:cNvSpPr txBox="1"/>
+          <p:nvPr/>
+        </p:nvSpPr>
+        <p:spPr>
+          <a:xfrm>
+            <a:off x="381000" y="4267200"/>
+            <a:ext cx="1011038" cy="738664"/>
+          </a:xfrm>
+          <a:prstGeom prst="rect">
+            <a:avLst/>
+          </a:prstGeom>
+          <a:noFill/>
+        </p:spPr>
+        <p:txBody>
+          <a:bodyPr wrap="square" rtlCol="0">
+            <a:spAutoFit/>
+          </a:bodyPr>
+          <a:lstStyle/>
+          <a:p>
+            <a:r>
+              <a:rPr lang="en-US" sz="1400" i="1" dirty="0" smtClean="0"/>
+              <a:t>Meteor </a:t>
+            </a:r>
+            <a:r>
+              <a:rPr lang="en-US" sz="1400" i="1" dirty="0" smtClean="0"/>
+              <a:t>3.3 Data Response</a:t>
+            </a:r>
+            <a:endParaRPr lang="en-US" sz="1400" i="1" dirty="0" smtClean="0"/>
+          </a:p>
+        </p:txBody>
+      </p:sp>
+      <p:cxnSp>
+        <p:nvCxnSpPr>
+          <p:cNvPr id="52" name="Straight Arrow Connector 51"/>
+          <p:cNvCxnSpPr>
+            <a:stCxn id="9" idx="3"/>
+          </p:cNvCxnSpPr>
+          <p:nvPr/>
+        </p:nvCxnSpPr>
+        <p:spPr>
+          <a:xfrm>
+            <a:off x="6858000" y="3467100"/>
+            <a:ext cx="609600" cy="0"/>
+          </a:xfrm>
+          <a:prstGeom prst="straightConnector1">
+            <a:avLst/>
+          </a:prstGeom>
+          <a:ln>
+            <a:tailEnd type="arrow"/>
+          </a:ln>
+        </p:spPr>
+        <p:style>
+          <a:lnRef idx="1">
+            <a:schemeClr val="accent1"/>
+          </a:lnRef>
+          <a:fillRef idx="0">
+            <a:schemeClr val="accent1"/>
+          </a:fillRef>
+          <a:effectRef idx="0">
+            <a:schemeClr val="accent1"/>
+          </a:effectRef>
+          <a:fontRef idx="minor">
+            <a:schemeClr val="tx1"/>
+          </a:fontRef>
+        </p:style>
+      </p:cxnSp>
+      <p:cxnSp>
+        <p:nvCxnSpPr>
+          <p:cNvPr id="54" name="Straight Arrow Connector 53"/>
+          <p:cNvCxnSpPr>
+            <a:stCxn id="16" idx="3"/>
+          </p:cNvCxnSpPr>
+          <p:nvPr/>
+        </p:nvCxnSpPr>
+        <p:spPr>
+          <a:xfrm>
+            <a:off x="6858000" y="5143500"/>
+            <a:ext cx="609600" cy="0"/>
+          </a:xfrm>
+          <a:prstGeom prst="straightConnector1">
+            <a:avLst/>
+          </a:prstGeom>
+          <a:ln>
+            <a:headEnd type="arrow"/>
+            <a:tailEnd type="none"/>
+          </a:ln>
+        </p:spPr>
+        <p:style>
+          <a:lnRef idx="1">
+            <a:schemeClr val="accent1"/>
+          </a:lnRef>
+          <a:fillRef idx="0">
+            <a:schemeClr val="accent1"/>
+          </a:fillRef>
+          <a:effectRef idx="0">
+            <a:schemeClr val="accent1"/>
+          </a:effectRef>
+          <a:fontRef idx="minor">
+            <a:schemeClr val="tx1"/>
+          </a:fontRef>
+        </p:style>
+      </p:cxnSp>
+      <p:cxnSp>
+        <p:nvCxnSpPr>
+          <p:cNvPr id="59" name="Straight Arrow Connector 58"/>
+          <p:cNvCxnSpPr>
+            <a:stCxn id="10" idx="6"/>
+            <a:endCxn id="6" idx="1"/>
+          </p:cNvCxnSpPr>
+          <p:nvPr/>
+        </p:nvCxnSpPr>
+        <p:spPr>
+          <a:xfrm>
+            <a:off x="838200" y="2400300"/>
+            <a:ext cx="2514600" cy="0"/>
+          </a:xfrm>
+          <a:prstGeom prst="straightConnector1">
+            <a:avLst/>
+          </a:prstGeom>
+          <a:ln>
+            <a:tailEnd type="arrow"/>
+          </a:ln>
+        </p:spPr>
+        <p:style>
+          <a:lnRef idx="1">
+            <a:schemeClr val="accent1"/>
+          </a:lnRef>
+          <a:fillRef idx="0">
+            <a:schemeClr val="accent1"/>
+          </a:fillRef>
+          <a:effectRef idx="0">
+            <a:schemeClr val="accent1"/>
+          </a:effectRef>
+          <a:fontRef idx="minor">
+            <a:schemeClr val="tx1"/>
+          </a:fontRef>
+        </p:style>
+      </p:cxnSp>
+      <p:sp>
+        <p:nvSpPr>
+          <p:cNvPr id="62" name="TextBox 61"/>
+          <p:cNvSpPr txBox="1"/>
+          <p:nvPr/>
+        </p:nvSpPr>
+        <p:spPr>
+          <a:xfrm>
+            <a:off x="3048000" y="1535668"/>
+            <a:ext cx="3733800" cy="369332"/>
+          </a:xfrm>
+          <a:prstGeom prst="rect">
+            <a:avLst/>
+          </a:prstGeom>
+          <a:noFill/>
+        </p:spPr>
+        <p:txBody>
+          <a:bodyPr wrap="square" rtlCol="0">
+            <a:spAutoFit/>
+          </a:bodyPr>
+          <a:lstStyle/>
+          <a:p>
+            <a:r>
+              <a:rPr lang="en-US" b="1" dirty="0" smtClean="0"/>
+              <a:t>In </a:t>
+            </a:r>
+            <a:r>
+              <a:rPr lang="en-US" b="1" dirty="0" err="1" smtClean="0"/>
+              <a:t>HPCDataQueryAdapterImpl</a:t>
+            </a:r>
+            <a:r>
+              <a:rPr lang="en-US" b="1" dirty="0" smtClean="0"/>
+              <a:t> (DP):</a:t>
+            </a:r>
+            <a:endParaRPr lang="en-US" b="1" dirty="0"/>
+          </a:p>
+        </p:txBody>
+      </p:sp>
+      <p:sp>
+        <p:nvSpPr>
+          <p:cNvPr id="63" name="Rectangle 62"/>
+          <p:cNvSpPr/>
+          <p:nvPr/>
+        </p:nvSpPr>
+        <p:spPr>
+          <a:xfrm>
+            <a:off x="1524000" y="4800600"/>
+            <a:ext cx="1371600" cy="685800"/>
+          </a:xfrm>
+          <a:prstGeom prst="rect">
+            <a:avLst/>
+          </a:prstGeom>
+        </p:spPr>
+        <p:style>
+          <a:lnRef idx="2">
+            <a:schemeClr val="accent1">
+              <a:shade val="50000"/>
+            </a:schemeClr>
+          </a:lnRef>
+          <a:fillRef idx="1">
+            <a:schemeClr val="accent1"/>
+          </a:fillRef>
+          <a:effectRef idx="0">
+            <a:schemeClr val="accent1"/>
+          </a:effectRef>
+          <a:fontRef idx="minor">
+            <a:schemeClr val="lt1"/>
+          </a:fontRef>
+        </p:style>
+        <p:txBody>
+          <a:bodyPr rtlCol="0" anchor="ctr"/>
+          <a:lstStyle/>
+          <a:p>
+            <a:pPr algn="ctr"/>
+            <a:r>
+              <a:rPr lang="en-US" sz="1600" dirty="0" smtClean="0"/>
+              <a:t>Change SOAP binding to RPC/Encoded</a:t>
+            </a:r>
+            <a:endParaRPr lang="en-US" sz="1600" dirty="0"/>
+          </a:p>
+        </p:txBody>
+      </p:sp>
+      <p:cxnSp>
+        <p:nvCxnSpPr>
+          <p:cNvPr id="65" name="Straight Arrow Connector 64"/>
+          <p:cNvCxnSpPr>
+            <a:stCxn id="63" idx="1"/>
+            <a:endCxn id="11" idx="6"/>
+          </p:cNvCxnSpPr>
+          <p:nvPr/>
+        </p:nvCxnSpPr>
+        <p:spPr>
+          <a:xfrm flipH="1">
+            <a:off x="838200" y="5143500"/>
+            <a:ext cx="685800" cy="0"/>
+          </a:xfrm>
+          <a:prstGeom prst="straightConnector1">
+            <a:avLst/>
+          </a:prstGeom>
+          <a:ln>
+            <a:tailEnd type="arrow"/>
+          </a:ln>
+        </p:spPr>
+        <p:style>
+          <a:lnRef idx="1">
+            <a:schemeClr val="accent1"/>
+          </a:lnRef>
+          <a:fillRef idx="0">
+            <a:schemeClr val="accent1"/>
+          </a:fillRef>
+          <a:effectRef idx="0">
+            <a:schemeClr val="accent1"/>
+          </a:effectRef>
+          <a:fontRef idx="minor">
+            <a:schemeClr val="tx1"/>
+          </a:fontRef>
+        </p:style>
+      </p:cxnSp>
+      <p:sp>
+        <p:nvSpPr>
+          <p:cNvPr id="69" name="TextBox 68"/>
+          <p:cNvSpPr txBox="1"/>
+          <p:nvPr/>
+        </p:nvSpPr>
+        <p:spPr>
+          <a:xfrm>
+            <a:off x="1400843" y="3877270"/>
+            <a:ext cx="1723357" cy="923330"/>
+          </a:xfrm>
+          <a:prstGeom prst="rect">
+            <a:avLst/>
+          </a:prstGeom>
+          <a:noFill/>
+        </p:spPr>
+        <p:txBody>
+          <a:bodyPr wrap="none" rtlCol="0">
+            <a:spAutoFit/>
+          </a:bodyPr>
+          <a:lstStyle/>
+          <a:p>
+            <a:r>
+              <a:rPr lang="en-US" b="1" dirty="0" smtClean="0"/>
+              <a:t>In </a:t>
+            </a:r>
+            <a:r>
+              <a:rPr lang="en-US" b="1" dirty="0" err="1" smtClean="0"/>
+              <a:t>HPCResponse</a:t>
+            </a:r>
+            <a:endParaRPr lang="en-US" b="1" dirty="0" smtClean="0"/>
+          </a:p>
+          <a:p>
+            <a:r>
+              <a:rPr lang="en-US" b="1" dirty="0" err="1" smtClean="0"/>
+              <a:t>RPCEncoding</a:t>
+            </a:r>
+            <a:endParaRPr lang="en-US" b="1" dirty="0" smtClean="0"/>
+          </a:p>
+          <a:p>
+            <a:r>
+              <a:rPr lang="en-US" b="1" dirty="0" smtClean="0"/>
+              <a:t>Interceptor</a:t>
+            </a:r>
+            <a:r>
+              <a:rPr lang="en-US" dirty="0" smtClean="0"/>
+              <a:t> </a:t>
+            </a:r>
+            <a:r>
+              <a:rPr lang="en-US" b="1" dirty="0" smtClean="0"/>
+              <a:t>:</a:t>
+            </a:r>
+            <a:endParaRPr lang="en-US" b="1" dirty="0"/>
+          </a:p>
+        </p:txBody>
+      </p:sp>
+    </p:spTree>
+  </p:cSld>
+  <p:clrMapOvr>
+    <a:masterClrMapping/>
+  </p:clrMapOvr>
+</p:sld>
+</file>
+
+<file path=ppt/slides/slide48.xml><?xml version="1.0" encoding="utf-8"?>
+<p:sld xmlns:a="http://schemas.openxmlformats.org/drawingml/2006/main" xmlns:r="http://schemas.openxmlformats.org/officeDocument/2006/relationships" xmlns:p="http://schemas.openxmlformats.org/presentationml/2006/main">
+  <p:cSld>
+    <p:spTree>
+      <p:nvGrpSpPr>
+        <p:cNvPr id="1" name=""/>
+        <p:cNvGrpSpPr/>
+        <p:nvPr/>
+      </p:nvGrpSpPr>
+      <p:grpSpPr>
+        <a:xfrm>
+          <a:off x="0" y="0"/>
+          <a:ext cx="0" cy="0"/>
+          <a:chOff x="0" y="0"/>
+          <a:chExt cx="0" cy="0"/>
+        </a:xfrm>
+      </p:grpSpPr>
+      <p:sp>
+        <p:nvSpPr>
+          <p:cNvPr id="2" name="Title 1"/>
+          <p:cNvSpPr>
+            <a:spLocks noGrp="1"/>
+          </p:cNvSpPr>
+          <p:nvPr>
+            <p:ph type="title"/>
+          </p:nvPr>
+        </p:nvSpPr>
+        <p:spPr/>
+        <p:txBody>
+          <a:bodyPr>
+            <a:normAutofit/>
+          </a:bodyPr>
+          <a:lstStyle/>
+          <a:p>
+            <a:r>
+              <a:rPr lang="en-US" dirty="0" smtClean="0"/>
+              <a:t>Referenced </a:t>
+            </a:r>
+            <a:r>
+              <a:rPr lang="en-US" dirty="0" smtClean="0"/>
+              <a:t>Classes</a:t>
+            </a:r>
+            <a:endParaRPr lang="en-US" dirty="0"/>
+          </a:p>
+        </p:txBody>
+      </p:sp>
+      <p:sp>
+        <p:nvSpPr>
+          <p:cNvPr id="3" name="Content Placeholder 2"/>
+          <p:cNvSpPr>
+            <a:spLocks noGrp="1"/>
+          </p:cNvSpPr>
+          <p:nvPr>
+            <p:ph idx="1"/>
+          </p:nvPr>
+        </p:nvSpPr>
+        <p:spPr/>
+        <p:txBody>
+          <a:bodyPr>
+            <a:normAutofit/>
+          </a:bodyPr>
+          <a:lstStyle/>
+          <a:p>
+            <a:pPr>
+              <a:buNone/>
+            </a:pPr>
+            <a:r>
+              <a:rPr lang="en-US" sz="2400" dirty="0" err="1" smtClean="0"/>
+              <a:t>accessprovider.war</a:t>
+            </a:r>
+            <a:r>
+              <a:rPr lang="en-US" sz="2400" dirty="0" smtClean="0"/>
+              <a:t>:</a:t>
+            </a:r>
+          </a:p>
+          <a:p>
+            <a:pPr>
+              <a:buBlip>
+                <a:blip r:embed="rId2"/>
+              </a:buBlip>
+            </a:pPr>
+            <a:r>
+              <a:rPr lang="en-US" sz="2400" dirty="0" err="1" smtClean="0"/>
+              <a:t>org.meteornetwork.meteor.provider.access.service</a:t>
+            </a:r>
+            <a:endParaRPr lang="en-US" sz="2400" dirty="0" smtClean="0"/>
+          </a:p>
+          <a:p>
+            <a:pPr lvl="1">
+              <a:buFont typeface="Arial" pitchFamily="34" charset="0"/>
+              <a:buChar char="•"/>
+            </a:pPr>
+            <a:r>
+              <a:rPr lang="en-US" sz="2000" dirty="0" err="1" smtClean="0"/>
+              <a:t>DataQueryService</a:t>
+            </a:r>
+            <a:endParaRPr lang="en-US" sz="2000" dirty="0" smtClean="0"/>
+          </a:p>
+          <a:p>
+            <a:pPr>
+              <a:buBlip>
+                <a:blip r:embed="rId2"/>
+              </a:buBlip>
+            </a:pPr>
+            <a:r>
+              <a:rPr lang="en-US" sz="2400" dirty="0" err="1" smtClean="0"/>
+              <a:t>org.meteornetwork.meteor.provider.access.service.adapter</a:t>
+            </a:r>
+            <a:endParaRPr lang="en-US" sz="2400" dirty="0" smtClean="0"/>
+          </a:p>
+          <a:p>
+            <a:pPr lvl="1">
+              <a:buFont typeface="Arial" pitchFamily="34" charset="0"/>
+              <a:buChar char="•"/>
+            </a:pPr>
+            <a:r>
+              <a:rPr lang="en-US" sz="2000" dirty="0" err="1" smtClean="0"/>
+              <a:t>DataQueryAdapter</a:t>
+            </a:r>
+            <a:endParaRPr lang="en-US" sz="2000" dirty="0" smtClean="0"/>
+          </a:p>
+          <a:p>
+            <a:pPr lvl="1">
+              <a:buFont typeface="Arial" pitchFamily="34" charset="0"/>
+              <a:buChar char="•"/>
+            </a:pPr>
+            <a:r>
+              <a:rPr lang="en-US" sz="2000" dirty="0" err="1" smtClean="0"/>
+              <a:t>CurrentVersionDataQueryAdapterImpl</a:t>
+            </a:r>
+            <a:endParaRPr lang="en-US" sz="2000" dirty="0" smtClean="0"/>
+          </a:p>
+          <a:p>
+            <a:pPr lvl="1">
+              <a:buFont typeface="Arial" pitchFamily="34" charset="0"/>
+              <a:buChar char="•"/>
+            </a:pPr>
+            <a:r>
+              <a:rPr lang="en-US" sz="2000" dirty="0" err="1" smtClean="0"/>
+              <a:t>HPCDataQueryAdapterImpl</a:t>
+            </a:r>
+            <a:endParaRPr lang="en-US" sz="2000" dirty="0" smtClean="0"/>
+          </a:p>
+        </p:txBody>
+      </p:sp>
+      <p:sp>
+        <p:nvSpPr>
+          <p:cNvPr id="4" name="Slide Number Placeholder 3"/>
+          <p:cNvSpPr>
+            <a:spLocks noGrp="1"/>
+          </p:cNvSpPr>
+          <p:nvPr>
+            <p:ph type="sldNum" sz="quarter" idx="12"/>
+          </p:nvPr>
+        </p:nvSpPr>
+        <p:spPr/>
+        <p:txBody>
+          <a:bodyPr/>
+          <a:lstStyle/>
+          <a:p>
+            <a:fld id="{6F99343D-46AE-4C14-8296-D13D823691DC}" type="slidenum">
+              <a:rPr lang="en-US" smtClean="0"/>
+              <a:pPr/>
+              <a:t>48</a:t>
+            </a:fld>
+            <a:endParaRPr lang="en-US" dirty="0"/>
+          </a:p>
+        </p:txBody>
+      </p:sp>
+    </p:spTree>
+  </p:cSld>
+  <p:clrMapOvr>
+    <a:masterClrMapping/>
+  </p:clrMapOvr>
+</p:sld>
+</file>
+
+<file path=ppt/slides/slide49.xml><?xml version="1.0" encoding="utf-8"?>
+<p:sld xmlns:a="http://schemas.openxmlformats.org/drawingml/2006/main" xmlns:r="http://schemas.openxmlformats.org/officeDocument/2006/relationships" xmlns:p="http://schemas.openxmlformats.org/presentationml/2006/main">
+  <p:cSld>
+    <p:spTree>
+      <p:nvGrpSpPr>
+        <p:cNvPr id="1" name=""/>
+        <p:cNvGrpSpPr/>
+        <p:nvPr/>
+      </p:nvGrpSpPr>
+      <p:grpSpPr>
+        <a:xfrm>
+          <a:off x="0" y="0"/>
+          <a:ext cx="0" cy="0"/>
+          <a:chOff x="0" y="0"/>
+          <a:chExt cx="0" cy="0"/>
+        </a:xfrm>
+      </p:grpSpPr>
+      <p:sp>
+        <p:nvSpPr>
+          <p:cNvPr id="2" name="Title 1"/>
+          <p:cNvSpPr>
+            <a:spLocks noGrp="1"/>
+          </p:cNvSpPr>
+          <p:nvPr>
+            <p:ph type="title"/>
+          </p:nvPr>
+        </p:nvSpPr>
+        <p:spPr/>
+        <p:txBody>
+          <a:bodyPr>
+            <a:normAutofit/>
+          </a:bodyPr>
+          <a:lstStyle/>
+          <a:p>
+            <a:r>
+              <a:rPr lang="en-US" dirty="0" smtClean="0"/>
+              <a:t>Referenced </a:t>
+            </a:r>
+            <a:r>
+              <a:rPr lang="en-US" dirty="0" smtClean="0"/>
+              <a:t>Classes</a:t>
+            </a:r>
+            <a:endParaRPr lang="en-US" dirty="0"/>
+          </a:p>
+        </p:txBody>
+      </p:sp>
+      <p:sp>
+        <p:nvSpPr>
+          <p:cNvPr id="3" name="Content Placeholder 2"/>
+          <p:cNvSpPr>
+            <a:spLocks noGrp="1"/>
+          </p:cNvSpPr>
+          <p:nvPr>
+            <p:ph idx="1"/>
+          </p:nvPr>
+        </p:nvSpPr>
+        <p:spPr/>
+        <p:txBody>
+          <a:bodyPr>
+            <a:normAutofit/>
+          </a:bodyPr>
+          <a:lstStyle/>
+          <a:p>
+            <a:pPr>
+              <a:buNone/>
+            </a:pPr>
+            <a:r>
+              <a:rPr lang="en-US" sz="2400" dirty="0" err="1" smtClean="0"/>
+              <a:t>dataprovider.war</a:t>
+            </a:r>
+            <a:r>
+              <a:rPr lang="en-US" sz="2400" dirty="0" smtClean="0"/>
+              <a:t>:</a:t>
+            </a:r>
+            <a:endParaRPr lang="en-US" sz="2400" dirty="0" smtClean="0"/>
+          </a:p>
+          <a:p>
+            <a:pPr>
+              <a:buBlip>
+                <a:blip r:embed="rId2"/>
+              </a:buBlip>
+            </a:pPr>
+            <a:r>
+              <a:rPr lang="en-US" sz="2400" dirty="0" err="1" smtClean="0"/>
+              <a:t>org.meteornetwork.meteor.provider.data.manager</a:t>
+            </a:r>
+            <a:endParaRPr lang="en-US" sz="2400" dirty="0" smtClean="0"/>
+          </a:p>
+          <a:p>
+            <a:pPr lvl="1">
+              <a:buFont typeface="Arial" pitchFamily="34" charset="0"/>
+              <a:buChar char="•"/>
+            </a:pPr>
+            <a:r>
+              <a:rPr lang="en-US" sz="2000" dirty="0" err="1" smtClean="0"/>
+              <a:t>DataProviderManager</a:t>
+            </a:r>
+            <a:endParaRPr lang="en-US" sz="2000" dirty="0" smtClean="0"/>
+          </a:p>
+          <a:p>
+            <a:pPr>
+              <a:buBlip>
+                <a:blip r:embed="rId2"/>
+              </a:buBlip>
+            </a:pPr>
+            <a:r>
+              <a:rPr lang="en-US" sz="2400" dirty="0" err="1" smtClean="0"/>
+              <a:t>org.meteornetwork.metor.provider.data.adapter</a:t>
+            </a:r>
+            <a:endParaRPr lang="en-US" sz="2400" dirty="0" smtClean="0"/>
+          </a:p>
+          <a:p>
+            <a:pPr lvl="1">
+              <a:buFont typeface="Arial" pitchFamily="34" charset="0"/>
+              <a:buChar char="•"/>
+            </a:pPr>
+            <a:r>
+              <a:rPr lang="en-US" sz="2000" dirty="0" err="1" smtClean="0"/>
+              <a:t>DataQueryAdapter</a:t>
+            </a:r>
+            <a:endParaRPr lang="en-US" sz="2000" dirty="0" smtClean="0"/>
+          </a:p>
+          <a:p>
+            <a:pPr lvl="1">
+              <a:buFont typeface="Arial" pitchFamily="34" charset="0"/>
+              <a:buChar char="•"/>
+            </a:pPr>
+            <a:r>
+              <a:rPr lang="en-US" sz="2000" dirty="0" err="1" smtClean="0"/>
+              <a:t>DataQueryAdapterImpl</a:t>
+            </a:r>
+            <a:endParaRPr lang="en-US" sz="2000" dirty="0" smtClean="0"/>
+          </a:p>
+          <a:p>
+            <a:pPr lvl="1">
+              <a:buFont typeface="Arial" pitchFamily="34" charset="0"/>
+              <a:buChar char="•"/>
+            </a:pPr>
+            <a:r>
+              <a:rPr lang="en-US" sz="2000" dirty="0" err="1" smtClean="0"/>
+              <a:t>HPCDataQueryAdapterImpl</a:t>
+            </a:r>
+            <a:endParaRPr lang="en-US" sz="2000" dirty="0" smtClean="0"/>
+          </a:p>
+        </p:txBody>
+      </p:sp>
+      <p:sp>
+        <p:nvSpPr>
+          <p:cNvPr id="4" name="Slide Number Placeholder 3"/>
+          <p:cNvSpPr>
+            <a:spLocks noGrp="1"/>
+          </p:cNvSpPr>
+          <p:nvPr>
+            <p:ph type="sldNum" sz="quarter" idx="12"/>
+          </p:nvPr>
+        </p:nvSpPr>
+        <p:spPr/>
+        <p:txBody>
+          <a:bodyPr/>
+          <a:lstStyle/>
+          <a:p>
+            <a:fld id="{6F99343D-46AE-4C14-8296-D13D823691DC}" type="slidenum">
+              <a:rPr lang="en-US" smtClean="0"/>
+              <a:pPr/>
+              <a:t>49</a:t>
+            </a:fld>
+            <a:endParaRPr lang="en-US" dirty="0"/>
+          </a:p>
+        </p:txBody>
+      </p:sp>
+    </p:spTree>
+  </p:cSld>
+  <p:clrMapOvr>
+    <a:masterClrMapping/>
+  </p:clrMapOvr>
+</p:sld>
+</file>
+
 <file path=ppt/slides/slide5.xml><?xml version="1.0" encoding="utf-8"?>
 <p:sld xmlns:a="http://schemas.openxmlformats.org/drawingml/2006/main" xmlns:r="http://schemas.openxmlformats.org/officeDocument/2006/relationships" xmlns:p="http://schemas.openxmlformats.org/presentationml/2006/main">
   <p:cSld>
@@ -14231,6 +20724,247 @@
       </p:par>
     </p:tnLst>
   </p:timing>
+</p:sld>
+</file>
+
+<file path=ppt/slides/slide50.xml><?xml version="1.0" encoding="utf-8"?>
+<p:sld xmlns:a="http://schemas.openxmlformats.org/drawingml/2006/main" xmlns:r="http://schemas.openxmlformats.org/officeDocument/2006/relationships" xmlns:p="http://schemas.openxmlformats.org/presentationml/2006/main">
+  <p:cSld>
+    <p:spTree>
+      <p:nvGrpSpPr>
+        <p:cNvPr id="1" name=""/>
+        <p:cNvGrpSpPr/>
+        <p:nvPr/>
+      </p:nvGrpSpPr>
+      <p:grpSpPr>
+        <a:xfrm>
+          <a:off x="0" y="0"/>
+          <a:ext cx="0" cy="0"/>
+          <a:chOff x="0" y="0"/>
+          <a:chExt cx="0" cy="0"/>
+        </a:xfrm>
+      </p:grpSpPr>
+      <p:sp>
+        <p:nvSpPr>
+          <p:cNvPr id="2" name="Title 1"/>
+          <p:cNvSpPr>
+            <a:spLocks noGrp="1"/>
+          </p:cNvSpPr>
+          <p:nvPr>
+            <p:ph type="title"/>
+          </p:nvPr>
+        </p:nvSpPr>
+        <p:spPr/>
+        <p:txBody>
+          <a:bodyPr>
+            <a:normAutofit/>
+          </a:bodyPr>
+          <a:lstStyle/>
+          <a:p>
+            <a:r>
+              <a:rPr lang="en-US" dirty="0" smtClean="0"/>
+              <a:t>Referenced </a:t>
+            </a:r>
+            <a:r>
+              <a:rPr lang="en-US" dirty="0" smtClean="0"/>
+              <a:t>Classes</a:t>
+            </a:r>
+            <a:endParaRPr lang="en-US" dirty="0"/>
+          </a:p>
+        </p:txBody>
+      </p:sp>
+      <p:sp>
+        <p:nvSpPr>
+          <p:cNvPr id="3" name="Content Placeholder 2"/>
+          <p:cNvSpPr>
+            <a:spLocks noGrp="1"/>
+          </p:cNvSpPr>
+          <p:nvPr>
+            <p:ph idx="1"/>
+          </p:nvPr>
+        </p:nvSpPr>
+        <p:spPr/>
+        <p:txBody>
+          <a:bodyPr>
+            <a:normAutofit/>
+          </a:bodyPr>
+          <a:lstStyle/>
+          <a:p>
+            <a:pPr>
+              <a:buNone/>
+            </a:pPr>
+            <a:r>
+              <a:rPr lang="en-US" sz="2400" dirty="0" smtClean="0"/>
+              <a:t>meteorlib.jar:</a:t>
+            </a:r>
+            <a:endParaRPr lang="en-US" sz="2400" dirty="0" smtClean="0"/>
+          </a:p>
+          <a:p>
+            <a:pPr>
+              <a:buBlip>
+                <a:blip r:embed="rId2"/>
+              </a:buBlip>
+            </a:pPr>
+            <a:r>
+              <a:rPr lang="en-US" sz="2400" dirty="0" err="1" smtClean="0"/>
+              <a:t>org.meteornetwork.meteor.common.hpc</a:t>
+            </a:r>
+            <a:endParaRPr lang="en-US" sz="2400" dirty="0" smtClean="0"/>
+          </a:p>
+          <a:p>
+            <a:pPr lvl="1">
+              <a:buFont typeface="Arial" pitchFamily="34" charset="0"/>
+              <a:buChar char="•"/>
+            </a:pPr>
+            <a:r>
+              <a:rPr lang="en-US" sz="2000" dirty="0" err="1" smtClean="0"/>
+              <a:t>HPCManager</a:t>
+            </a:r>
+            <a:endParaRPr lang="en-US" sz="2000" dirty="0" smtClean="0"/>
+          </a:p>
+          <a:p>
+            <a:pPr lvl="1">
+              <a:buFont typeface="Arial" pitchFamily="34" charset="0"/>
+              <a:buChar char="•"/>
+            </a:pPr>
+            <a:r>
+              <a:rPr lang="en-US" sz="2000" dirty="0" err="1" smtClean="0"/>
+              <a:t>HPCSecurityManager</a:t>
+            </a:r>
+            <a:endParaRPr lang="en-US" sz="2000" dirty="0" smtClean="0"/>
+          </a:p>
+          <a:p>
+            <a:pPr lvl="1">
+              <a:buFont typeface="Arial" pitchFamily="34" charset="0"/>
+              <a:buChar char="•"/>
+            </a:pPr>
+            <a:r>
+              <a:rPr lang="en-US" sz="2000" dirty="0" err="1" smtClean="0"/>
+              <a:t>HPCRequestRPCEncodingInterceptor</a:t>
+            </a:r>
+            <a:endParaRPr lang="en-US" sz="2000" dirty="0" smtClean="0"/>
+          </a:p>
+          <a:p>
+            <a:pPr lvl="1">
+              <a:buFont typeface="Arial" pitchFamily="34" charset="0"/>
+              <a:buChar char="•"/>
+            </a:pPr>
+            <a:r>
+              <a:rPr lang="en-US" sz="2000" dirty="0" err="1" smtClean="0"/>
+              <a:t>HPCResponseRPCEncodingInterceptor</a:t>
+            </a:r>
+            <a:endParaRPr lang="en-US" sz="2000" dirty="0" smtClean="0"/>
+          </a:p>
+          <a:p>
+            <a:pPr lvl="1">
+              <a:buFont typeface="Arial" pitchFamily="34" charset="0"/>
+              <a:buChar char="•"/>
+            </a:pPr>
+            <a:endParaRPr lang="en-US" sz="2000" dirty="0" smtClean="0"/>
+          </a:p>
+        </p:txBody>
+      </p:sp>
+      <p:sp>
+        <p:nvSpPr>
+          <p:cNvPr id="4" name="Slide Number Placeholder 3"/>
+          <p:cNvSpPr>
+            <a:spLocks noGrp="1"/>
+          </p:cNvSpPr>
+          <p:nvPr>
+            <p:ph type="sldNum" sz="quarter" idx="12"/>
+          </p:nvPr>
+        </p:nvSpPr>
+        <p:spPr/>
+        <p:txBody>
+          <a:bodyPr/>
+          <a:lstStyle/>
+          <a:p>
+            <a:fld id="{6F99343D-46AE-4C14-8296-D13D823691DC}" type="slidenum">
+              <a:rPr lang="en-US" smtClean="0"/>
+              <a:pPr/>
+              <a:t>50</a:t>
+            </a:fld>
+            <a:endParaRPr lang="en-US" dirty="0"/>
+          </a:p>
+        </p:txBody>
+      </p:sp>
+    </p:spTree>
+  </p:cSld>
+  <p:clrMapOvr>
+    <a:masterClrMapping/>
+  </p:clrMapOvr>
+</p:sld>
+</file>
+
+<file path=ppt/slides/slide51.xml><?xml version="1.0" encoding="utf-8"?>
+<p:sld xmlns:a="http://schemas.openxmlformats.org/drawingml/2006/main" xmlns:r="http://schemas.openxmlformats.org/officeDocument/2006/relationships" xmlns:p="http://schemas.openxmlformats.org/presentationml/2006/main">
+  <p:cSld>
+    <p:spTree>
+      <p:nvGrpSpPr>
+        <p:cNvPr id="1" name=""/>
+        <p:cNvGrpSpPr/>
+        <p:nvPr/>
+      </p:nvGrpSpPr>
+      <p:grpSpPr>
+        <a:xfrm>
+          <a:off x="0" y="0"/>
+          <a:ext cx="0" cy="0"/>
+          <a:chOff x="0" y="0"/>
+          <a:chExt cx="0" cy="0"/>
+        </a:xfrm>
+      </p:grpSpPr>
+      <p:sp>
+        <p:nvSpPr>
+          <p:cNvPr id="4" name="Slide Number Placeholder 3"/>
+          <p:cNvSpPr>
+            <a:spLocks noGrp="1"/>
+          </p:cNvSpPr>
+          <p:nvPr>
+            <p:ph type="sldNum" sz="quarter" idx="12"/>
+          </p:nvPr>
+        </p:nvSpPr>
+        <p:spPr/>
+        <p:txBody>
+          <a:bodyPr/>
+          <a:lstStyle/>
+          <a:p>
+            <a:fld id="{6F99343D-46AE-4C14-8296-D13D823691DC}" type="slidenum">
+              <a:rPr lang="en-US" smtClean="0"/>
+              <a:pPr/>
+              <a:t>51</a:t>
+            </a:fld>
+            <a:endParaRPr lang="en-US" dirty="0"/>
+          </a:p>
+        </p:txBody>
+      </p:sp>
+      <p:sp>
+        <p:nvSpPr>
+          <p:cNvPr id="7" name="Title 6"/>
+          <p:cNvSpPr>
+            <a:spLocks noGrp="1"/>
+          </p:cNvSpPr>
+          <p:nvPr>
+            <p:ph type="ctrTitle"/>
+          </p:nvPr>
+        </p:nvSpPr>
+        <p:spPr/>
+        <p:txBody>
+          <a:bodyPr/>
+          <a:lstStyle/>
+          <a:p>
+            <a:r>
+              <a:rPr lang="en-US" dirty="0" smtClean="0"/>
+              <a:t>Q &amp; A</a:t>
+            </a:r>
+            <a:endParaRPr lang="en-US" dirty="0"/>
+          </a:p>
+        </p:txBody>
+      </p:sp>
+    </p:spTree>
+  </p:cSld>
+  <p:clrMapOvr>
+    <a:masterClrMapping/>
+  </p:clrMapOvr>
 </p:sld>
 </file>
 
